--- a/Python Demons_presentation.pptx
+++ b/Python Demons_presentation.pptx
@@ -38,30 +38,36 @@
     <p:sldId id="283" r:id="rId33"/>
     <p:sldId id="284" r:id="rId34"/>
     <p:sldId id="285" r:id="rId35"/>
+    <p:sldId id="286" r:id="rId36"/>
+    <p:sldId id="287" r:id="rId37"/>
+    <p:sldId id="288" r:id="rId38"/>
+    <p:sldId id="289" r:id="rId39"/>
+    <p:sldId id="290" r:id="rId40"/>
+    <p:sldId id="291" r:id="rId41"/>
   </p:sldIdLst>
   <p:sldSz cy="5143500" cx="9144000"/>
   <p:notesSz cx="6858000" cy="9144000"/>
   <p:embeddedFontLst>
     <p:embeddedFont>
       <p:font typeface="Raleway"/>
-      <p:regular r:id="rId36"/>
-      <p:bold r:id="rId37"/>
-      <p:italic r:id="rId38"/>
-      <p:boldItalic r:id="rId39"/>
+      <p:regular r:id="rId42"/>
+      <p:bold r:id="rId43"/>
+      <p:italic r:id="rId44"/>
+      <p:boldItalic r:id="rId45"/>
     </p:embeddedFont>
     <p:embeddedFont>
       <p:font typeface="Roboto"/>
-      <p:regular r:id="rId40"/>
-      <p:bold r:id="rId41"/>
-      <p:italic r:id="rId42"/>
-      <p:boldItalic r:id="rId43"/>
+      <p:regular r:id="rId46"/>
+      <p:bold r:id="rId47"/>
+      <p:italic r:id="rId48"/>
+      <p:boldItalic r:id="rId49"/>
     </p:embeddedFont>
     <p:embeddedFont>
       <p:font typeface="Lato"/>
-      <p:regular r:id="rId44"/>
-      <p:bold r:id="rId45"/>
-      <p:italic r:id="rId46"/>
-      <p:boldItalic r:id="rId47"/>
+      <p:regular r:id="rId50"/>
+      <p:bold r:id="rId51"/>
+      <p:italic r:id="rId52"/>
+      <p:boldItalic r:id="rId53"/>
     </p:embeddedFont>
   </p:embeddedFontLst>
   <p:defaultTextStyle>
@@ -842,7 +848,7 @@
   <p:cSld>
     <p:spTree>
       <p:nvGrpSpPr>
-        <p:cNvPr id="207" name="Shape 207"/>
+        <p:cNvPr id="210" name="Shape 210"/>
         <p:cNvGrpSpPr/>
         <p:nvPr/>
       </p:nvGrpSpPr>
@@ -856,7 +862,7 @@
       </p:grpSpPr>
       <p:sp>
         <p:nvSpPr>
-          <p:cNvPr id="208" name="Google Shape;208;g52e9283af1_0_782:notes"/>
+          <p:cNvPr id="211" name="Google Shape;211;g52e9283af1_0_782:notes"/>
           <p:cNvSpPr/>
           <p:nvPr>
             <p:ph idx="2" type="sldImg"/>
@@ -891,7 +897,7 @@
       </p:sp>
       <p:sp>
         <p:nvSpPr>
-          <p:cNvPr id="209" name="Google Shape;209;g52e9283af1_0_782:notes"/>
+          <p:cNvPr id="212" name="Google Shape;212;g52e9283af1_0_782:notes"/>
           <p:cNvSpPr txBox="1"/>
           <p:nvPr>
             <p:ph idx="1" type="body"/>
@@ -941,7 +947,7 @@
   <p:cSld>
     <p:spTree>
       <p:nvGrpSpPr>
-        <p:cNvPr id="213" name="Shape 213"/>
+        <p:cNvPr id="216" name="Shape 216"/>
         <p:cNvGrpSpPr/>
         <p:nvPr/>
       </p:nvGrpSpPr>
@@ -955,7 +961,7 @@
       </p:grpSpPr>
       <p:sp>
         <p:nvSpPr>
-          <p:cNvPr id="214" name="Google Shape;214;g52e9283af1_0_757:notes"/>
+          <p:cNvPr id="217" name="Google Shape;217;g52e9283af1_0_757:notes"/>
           <p:cNvSpPr/>
           <p:nvPr>
             <p:ph idx="2" type="sldImg"/>
@@ -990,7 +996,7 @@
       </p:sp>
       <p:sp>
         <p:nvSpPr>
-          <p:cNvPr id="215" name="Google Shape;215;g52e9283af1_0_757:notes"/>
+          <p:cNvPr id="218" name="Google Shape;218;g52e9283af1_0_757:notes"/>
           <p:cNvSpPr txBox="1"/>
           <p:nvPr>
             <p:ph idx="1" type="body"/>
@@ -1040,7 +1046,7 @@
   <p:cSld>
     <p:spTree>
       <p:nvGrpSpPr>
-        <p:cNvPr id="219" name="Shape 219"/>
+        <p:cNvPr id="222" name="Shape 222"/>
         <p:cNvGrpSpPr/>
         <p:nvPr/>
       </p:nvGrpSpPr>
@@ -1054,7 +1060,7 @@
       </p:grpSpPr>
       <p:sp>
         <p:nvSpPr>
-          <p:cNvPr id="220" name="Google Shape;220;g52e9283af1_4_1764:notes"/>
+          <p:cNvPr id="223" name="Google Shape;223;g52e9283af1_4_1764:notes"/>
           <p:cNvSpPr/>
           <p:nvPr>
             <p:ph idx="2" type="sldImg"/>
@@ -1089,7 +1095,7 @@
       </p:sp>
       <p:sp>
         <p:nvSpPr>
-          <p:cNvPr id="221" name="Google Shape;221;g52e9283af1_4_1764:notes"/>
+          <p:cNvPr id="224" name="Google Shape;224;g52e9283af1_4_1764:notes"/>
           <p:cNvSpPr txBox="1"/>
           <p:nvPr>
             <p:ph idx="1" type="body"/>
@@ -1139,7 +1145,7 @@
   <p:cSld>
     <p:spTree>
       <p:nvGrpSpPr>
-        <p:cNvPr id="226" name="Shape 226"/>
+        <p:cNvPr id="229" name="Shape 229"/>
         <p:cNvGrpSpPr/>
         <p:nvPr/>
       </p:nvGrpSpPr>
@@ -1153,7 +1159,7 @@
       </p:grpSpPr>
       <p:sp>
         <p:nvSpPr>
-          <p:cNvPr id="227" name="Google Shape;227;g52e9283af1_4_1770:notes"/>
+          <p:cNvPr id="230" name="Google Shape;230;g52e9283af1_0_787:notes"/>
           <p:cNvSpPr/>
           <p:nvPr>
             <p:ph idx="2" type="sldImg"/>
@@ -1188,7 +1194,7 @@
       </p:sp>
       <p:sp>
         <p:nvSpPr>
-          <p:cNvPr id="228" name="Google Shape;228;g52e9283af1_4_1770:notes"/>
+          <p:cNvPr id="231" name="Google Shape;231;g52e9283af1_0_787:notes"/>
           <p:cNvSpPr txBox="1"/>
           <p:nvPr>
             <p:ph idx="1" type="body"/>
@@ -1238,7 +1244,7 @@
   <p:cSld>
     <p:spTree>
       <p:nvGrpSpPr>
-        <p:cNvPr id="233" name="Shape 233"/>
+        <p:cNvPr id="235" name="Shape 235"/>
         <p:cNvGrpSpPr/>
         <p:nvPr/>
       </p:nvGrpSpPr>
@@ -1252,7 +1258,7 @@
       </p:grpSpPr>
       <p:sp>
         <p:nvSpPr>
-          <p:cNvPr id="234" name="Google Shape;234;g52e9283af1_4_1776:notes"/>
+          <p:cNvPr id="236" name="Google Shape;236;g52e9283af1_0_797:notes"/>
           <p:cNvSpPr/>
           <p:nvPr>
             <p:ph idx="2" type="sldImg"/>
@@ -1287,7 +1293,7 @@
       </p:sp>
       <p:sp>
         <p:nvSpPr>
-          <p:cNvPr id="235" name="Google Shape;235;g52e9283af1_4_1776:notes"/>
+          <p:cNvPr id="237" name="Google Shape;237;g52e9283af1_0_797:notes"/>
           <p:cNvSpPr txBox="1"/>
           <p:nvPr>
             <p:ph idx="1" type="body"/>
@@ -1337,7 +1343,7 @@
   <p:cSld>
     <p:spTree>
       <p:nvGrpSpPr>
-        <p:cNvPr id="243" name="Shape 243"/>
+        <p:cNvPr id="242" name="Shape 242"/>
         <p:cNvGrpSpPr/>
         <p:nvPr/>
       </p:nvGrpSpPr>
@@ -1351,7 +1357,7 @@
       </p:grpSpPr>
       <p:sp>
         <p:nvSpPr>
-          <p:cNvPr id="244" name="Google Shape;244;g52e9283af1_4_1785:notes"/>
+          <p:cNvPr id="243" name="Google Shape;243;g52e9283af1_4_1770:notes"/>
           <p:cNvSpPr/>
           <p:nvPr>
             <p:ph idx="2" type="sldImg"/>
@@ -1386,7 +1392,7 @@
       </p:sp>
       <p:sp>
         <p:nvSpPr>
-          <p:cNvPr id="245" name="Google Shape;245;g52e9283af1_4_1785:notes"/>
+          <p:cNvPr id="244" name="Google Shape;244;g52e9283af1_4_1770:notes"/>
           <p:cNvSpPr txBox="1"/>
           <p:nvPr>
             <p:ph idx="1" type="body"/>
@@ -1436,7 +1442,7 @@
   <p:cSld>
     <p:spTree>
       <p:nvGrpSpPr>
-        <p:cNvPr id="250" name="Shape 250"/>
+        <p:cNvPr id="249" name="Shape 249"/>
         <p:cNvGrpSpPr/>
         <p:nvPr/>
       </p:nvGrpSpPr>
@@ -1450,7 +1456,7 @@
       </p:grpSpPr>
       <p:sp>
         <p:nvSpPr>
-          <p:cNvPr id="251" name="Google Shape;251;g52e9283af1_0_802:notes"/>
+          <p:cNvPr id="250" name="Google Shape;250;g52e9283af1_4_1776:notes"/>
           <p:cNvSpPr/>
           <p:nvPr>
             <p:ph idx="2" type="sldImg"/>
@@ -1485,7 +1491,7 @@
       </p:sp>
       <p:sp>
         <p:nvSpPr>
-          <p:cNvPr id="252" name="Google Shape;252;g52e9283af1_0_802:notes"/>
+          <p:cNvPr id="251" name="Google Shape;251;g52e9283af1_4_1776:notes"/>
           <p:cNvSpPr txBox="1"/>
           <p:nvPr>
             <p:ph idx="1" type="body"/>
@@ -1535,7 +1541,7 @@
   <p:cSld>
     <p:spTree>
       <p:nvGrpSpPr>
-        <p:cNvPr id="256" name="Shape 256"/>
+        <p:cNvPr id="259" name="Shape 259"/>
         <p:cNvGrpSpPr/>
         <p:nvPr/>
       </p:nvGrpSpPr>
@@ -1549,7 +1555,7 @@
       </p:grpSpPr>
       <p:sp>
         <p:nvSpPr>
-          <p:cNvPr id="257" name="Google Shape;257;g52e9283af1_0_787:notes"/>
+          <p:cNvPr id="260" name="Google Shape;260;g52e9283af1_4_1785:notes"/>
           <p:cNvSpPr/>
           <p:nvPr>
             <p:ph idx="2" type="sldImg"/>
@@ -1584,7 +1590,7 @@
       </p:sp>
       <p:sp>
         <p:nvSpPr>
-          <p:cNvPr id="258" name="Google Shape;258;g52e9283af1_0_787:notes"/>
+          <p:cNvPr id="261" name="Google Shape;261;g52e9283af1_4_1785:notes"/>
           <p:cNvSpPr txBox="1"/>
           <p:nvPr>
             <p:ph idx="1" type="body"/>
@@ -1634,7 +1640,7 @@
   <p:cSld>
     <p:spTree>
       <p:nvGrpSpPr>
-        <p:cNvPr id="262" name="Shape 262"/>
+        <p:cNvPr id="266" name="Shape 266"/>
         <p:cNvGrpSpPr/>
         <p:nvPr/>
       </p:nvGrpSpPr>
@@ -1648,7 +1654,7 @@
       </p:grpSpPr>
       <p:sp>
         <p:nvSpPr>
-          <p:cNvPr id="263" name="Google Shape;263;g52e9283af1_0_797:notes"/>
+          <p:cNvPr id="267" name="Google Shape;267;g52e9283af1_0_802:notes"/>
           <p:cNvSpPr/>
           <p:nvPr>
             <p:ph idx="2" type="sldImg"/>
@@ -1683,7 +1689,7 @@
       </p:sp>
       <p:sp>
         <p:nvSpPr>
-          <p:cNvPr id="264" name="Google Shape;264;g52e9283af1_0_797:notes"/>
+          <p:cNvPr id="268" name="Google Shape;268;g52e9283af1_0_802:notes"/>
           <p:cNvSpPr txBox="1"/>
           <p:nvPr>
             <p:ph idx="1" type="body"/>
@@ -1733,7 +1739,7 @@
   <p:cSld>
     <p:spTree>
       <p:nvGrpSpPr>
-        <p:cNvPr id="269" name="Shape 269"/>
+        <p:cNvPr id="272" name="Shape 272"/>
         <p:cNvGrpSpPr/>
         <p:nvPr/>
       </p:nvGrpSpPr>
@@ -1747,7 +1753,7 @@
       </p:grpSpPr>
       <p:sp>
         <p:nvSpPr>
-          <p:cNvPr id="270" name="Google Shape;270;g52e9283af1_0_807:notes"/>
+          <p:cNvPr id="273" name="Google Shape;273;g52e9283af1_0_807:notes"/>
           <p:cNvSpPr/>
           <p:nvPr>
             <p:ph idx="2" type="sldImg"/>
@@ -1782,7 +1788,7 @@
       </p:sp>
       <p:sp>
         <p:nvSpPr>
-          <p:cNvPr id="271" name="Google Shape;271;g52e9283af1_0_807:notes"/>
+          <p:cNvPr id="274" name="Google Shape;274;g52e9283af1_0_807:notes"/>
           <p:cNvSpPr txBox="1"/>
           <p:nvPr>
             <p:ph idx="1" type="body"/>
@@ -1931,7 +1937,7 @@
   <p:cSld>
     <p:spTree>
       <p:nvGrpSpPr>
-        <p:cNvPr id="275" name="Shape 275"/>
+        <p:cNvPr id="278" name="Shape 278"/>
         <p:cNvGrpSpPr/>
         <p:nvPr/>
       </p:nvGrpSpPr>
@@ -1945,7 +1951,7 @@
       </p:grpSpPr>
       <p:sp>
         <p:nvSpPr>
-          <p:cNvPr id="276" name="Google Shape;276;g52e9283af1_4_1798:notes"/>
+          <p:cNvPr id="279" name="Google Shape;279;g52e9283af1_4_1798:notes"/>
           <p:cNvSpPr/>
           <p:nvPr>
             <p:ph idx="2" type="sldImg"/>
@@ -1980,7 +1986,7 @@
       </p:sp>
       <p:sp>
         <p:nvSpPr>
-          <p:cNvPr id="277" name="Google Shape;277;g52e9283af1_4_1798:notes"/>
+          <p:cNvPr id="280" name="Google Shape;280;g52e9283af1_4_1798:notes"/>
           <p:cNvSpPr txBox="1"/>
           <p:nvPr>
             <p:ph idx="1" type="body"/>
@@ -2030,7 +2036,7 @@
   <p:cSld>
     <p:spTree>
       <p:nvGrpSpPr>
-        <p:cNvPr id="282" name="Shape 282"/>
+        <p:cNvPr id="285" name="Shape 285"/>
         <p:cNvGrpSpPr/>
         <p:nvPr/>
       </p:nvGrpSpPr>
@@ -2044,7 +2050,7 @@
       </p:grpSpPr>
       <p:sp>
         <p:nvSpPr>
-          <p:cNvPr id="283" name="Google Shape;283;g52e9283af1_4_1857:notes"/>
+          <p:cNvPr id="286" name="Google Shape;286;g52e9283af1_4_1857:notes"/>
           <p:cNvSpPr/>
           <p:nvPr>
             <p:ph idx="2" type="sldImg"/>
@@ -2079,7 +2085,7 @@
       </p:sp>
       <p:sp>
         <p:nvSpPr>
-          <p:cNvPr id="284" name="Google Shape;284;g52e9283af1_4_1857:notes"/>
+          <p:cNvPr id="287" name="Google Shape;287;g52e9283af1_4_1857:notes"/>
           <p:cNvSpPr txBox="1"/>
           <p:nvPr>
             <p:ph idx="1" type="body"/>
@@ -2129,7 +2135,7 @@
   <p:cSld>
     <p:spTree>
       <p:nvGrpSpPr>
-        <p:cNvPr id="293" name="Shape 293"/>
+        <p:cNvPr id="296" name="Shape 296"/>
         <p:cNvGrpSpPr/>
         <p:nvPr/>
       </p:nvGrpSpPr>
@@ -2143,7 +2149,7 @@
       </p:grpSpPr>
       <p:sp>
         <p:nvSpPr>
-          <p:cNvPr id="294" name="Google Shape;294;g52e9283af1_4_1804:notes"/>
+          <p:cNvPr id="297" name="Google Shape;297;g52e9283af1_4_1804:notes"/>
           <p:cNvSpPr/>
           <p:nvPr>
             <p:ph idx="2" type="sldImg"/>
@@ -2178,7 +2184,7 @@
       </p:sp>
       <p:sp>
         <p:nvSpPr>
-          <p:cNvPr id="295" name="Google Shape;295;g52e9283af1_4_1804:notes"/>
+          <p:cNvPr id="298" name="Google Shape;298;g52e9283af1_4_1804:notes"/>
           <p:cNvSpPr txBox="1"/>
           <p:nvPr>
             <p:ph idx="1" type="body"/>
@@ -2228,7 +2234,7 @@
   <p:cSld>
     <p:spTree>
       <p:nvGrpSpPr>
-        <p:cNvPr id="299" name="Shape 299"/>
+        <p:cNvPr id="302" name="Shape 302"/>
         <p:cNvGrpSpPr/>
         <p:nvPr/>
       </p:nvGrpSpPr>
@@ -2242,7 +2248,7 @@
       </p:grpSpPr>
       <p:sp>
         <p:nvSpPr>
-          <p:cNvPr id="300" name="Google Shape;300;g52e9283af1_4_1809:notes"/>
+          <p:cNvPr id="303" name="Google Shape;303;g52e9283af1_4_1809:notes"/>
           <p:cNvSpPr/>
           <p:nvPr>
             <p:ph idx="2" type="sldImg"/>
@@ -2277,7 +2283,7 @@
       </p:sp>
       <p:sp>
         <p:nvSpPr>
-          <p:cNvPr id="301" name="Google Shape;301;g52e9283af1_4_1809:notes"/>
+          <p:cNvPr id="304" name="Google Shape;304;g52e9283af1_4_1809:notes"/>
           <p:cNvSpPr txBox="1"/>
           <p:nvPr>
             <p:ph idx="1" type="body"/>
@@ -2327,7 +2333,7 @@
   <p:cSld>
     <p:spTree>
       <p:nvGrpSpPr>
-        <p:cNvPr id="307" name="Shape 307"/>
+        <p:cNvPr id="310" name="Shape 310"/>
         <p:cNvGrpSpPr/>
         <p:nvPr/>
       </p:nvGrpSpPr>
@@ -2341,7 +2347,7 @@
       </p:grpSpPr>
       <p:sp>
         <p:nvSpPr>
-          <p:cNvPr id="308" name="Google Shape;308;g52e9283af1_4_1821:notes"/>
+          <p:cNvPr id="311" name="Google Shape;311;g52e9283af1_4_1821:notes"/>
           <p:cNvSpPr/>
           <p:nvPr>
             <p:ph idx="2" type="sldImg"/>
@@ -2376,7 +2382,7 @@
       </p:sp>
       <p:sp>
         <p:nvSpPr>
-          <p:cNvPr id="309" name="Google Shape;309;g52e9283af1_4_1821:notes"/>
+          <p:cNvPr id="312" name="Google Shape;312;g52e9283af1_4_1821:notes"/>
           <p:cNvSpPr txBox="1"/>
           <p:nvPr>
             <p:ph idx="1" type="body"/>
@@ -2426,7 +2432,7 @@
   <p:cSld>
     <p:spTree>
       <p:nvGrpSpPr>
-        <p:cNvPr id="314" name="Shape 314"/>
+        <p:cNvPr id="317" name="Shape 317"/>
         <p:cNvGrpSpPr/>
         <p:nvPr/>
       </p:nvGrpSpPr>
@@ -2440,7 +2446,7 @@
       </p:grpSpPr>
       <p:sp>
         <p:nvSpPr>
-          <p:cNvPr id="315" name="Google Shape;315;g52e9283af1_4_1826:notes"/>
+          <p:cNvPr id="318" name="Google Shape;318;g52e9283af1_4_1826:notes"/>
           <p:cNvSpPr/>
           <p:nvPr>
             <p:ph idx="2" type="sldImg"/>
@@ -2475,7 +2481,7 @@
       </p:sp>
       <p:sp>
         <p:nvSpPr>
-          <p:cNvPr id="316" name="Google Shape;316;g52e9283af1_4_1826:notes"/>
+          <p:cNvPr id="319" name="Google Shape;319;g52e9283af1_4_1826:notes"/>
           <p:cNvSpPr txBox="1"/>
           <p:nvPr>
             <p:ph idx="1" type="body"/>
@@ -2525,7 +2531,7 @@
   <p:cSld>
     <p:spTree>
       <p:nvGrpSpPr>
-        <p:cNvPr id="322" name="Shape 322"/>
+        <p:cNvPr id="325" name="Shape 325"/>
         <p:cNvGrpSpPr/>
         <p:nvPr/>
       </p:nvGrpSpPr>
@@ -2539,7 +2545,7 @@
       </p:grpSpPr>
       <p:sp>
         <p:nvSpPr>
-          <p:cNvPr id="323" name="Google Shape;323;g52e9283af1_4_1831:notes"/>
+          <p:cNvPr id="326" name="Google Shape;326;g52e9283af1_4_1831:notes"/>
           <p:cNvSpPr/>
           <p:nvPr>
             <p:ph idx="2" type="sldImg"/>
@@ -2574,7 +2580,7 @@
       </p:sp>
       <p:sp>
         <p:nvSpPr>
-          <p:cNvPr id="324" name="Google Shape;324;g52e9283af1_4_1831:notes"/>
+          <p:cNvPr id="327" name="Google Shape;327;g52e9283af1_4_1831:notes"/>
           <p:cNvSpPr txBox="1"/>
           <p:nvPr>
             <p:ph idx="1" type="body"/>
@@ -2624,7 +2630,7 @@
   <p:cSld>
     <p:spTree>
       <p:nvGrpSpPr>
-        <p:cNvPr id="329" name="Shape 329"/>
+        <p:cNvPr id="332" name="Shape 332"/>
         <p:cNvGrpSpPr/>
         <p:nvPr/>
       </p:nvGrpSpPr>
@@ -2638,7 +2644,7 @@
       </p:grpSpPr>
       <p:sp>
         <p:nvSpPr>
-          <p:cNvPr id="330" name="Google Shape;330;g52e9283af1_4_1843:notes"/>
+          <p:cNvPr id="333" name="Google Shape;333;g52e9283af1_4_1843:notes"/>
           <p:cNvSpPr/>
           <p:nvPr>
             <p:ph idx="2" type="sldImg"/>
@@ -2673,7 +2679,7 @@
       </p:sp>
       <p:sp>
         <p:nvSpPr>
-          <p:cNvPr id="331" name="Google Shape;331;g52e9283af1_4_1843:notes"/>
+          <p:cNvPr id="334" name="Google Shape;334;g52e9283af1_4_1843:notes"/>
           <p:cNvSpPr txBox="1"/>
           <p:nvPr>
             <p:ph idx="1" type="body"/>
@@ -2723,7 +2729,7 @@
   <p:cSld>
     <p:spTree>
       <p:nvGrpSpPr>
-        <p:cNvPr id="335" name="Shape 335"/>
+        <p:cNvPr id="338" name="Shape 338"/>
         <p:cNvGrpSpPr/>
         <p:nvPr/>
       </p:nvGrpSpPr>
@@ -2737,7 +2743,7 @@
       </p:grpSpPr>
       <p:sp>
         <p:nvSpPr>
-          <p:cNvPr id="336" name="Google Shape;336;g52e9283af1_4_1848:notes"/>
+          <p:cNvPr id="339" name="Google Shape;339;g52e9283af1_4_1848:notes"/>
           <p:cNvSpPr/>
           <p:nvPr>
             <p:ph idx="2" type="sldImg"/>
@@ -2772,7 +2778,7 @@
       </p:sp>
       <p:sp>
         <p:nvSpPr>
-          <p:cNvPr id="337" name="Google Shape;337;g52e9283af1_4_1848:notes"/>
+          <p:cNvPr id="340" name="Google Shape;340;g52e9283af1_4_1848:notes"/>
           <p:cNvSpPr txBox="1"/>
           <p:nvPr>
             <p:ph idx="1" type="body"/>
@@ -2822,7 +2828,7 @@
   <p:cSld>
     <p:spTree>
       <p:nvGrpSpPr>
-        <p:cNvPr id="342" name="Shape 342"/>
+        <p:cNvPr id="345" name="Shape 345"/>
         <p:cNvGrpSpPr/>
         <p:nvPr/>
       </p:nvGrpSpPr>
@@ -2836,7 +2842,7 @@
       </p:grpSpPr>
       <p:sp>
         <p:nvSpPr>
-          <p:cNvPr id="343" name="Google Shape;343;g52e9283af1_4_1792:notes"/>
+          <p:cNvPr id="346" name="Google Shape;346;g84324e5a8a_7_0:notes"/>
           <p:cNvSpPr/>
           <p:nvPr>
             <p:ph idx="2" type="sldImg"/>
@@ -2871,7 +2877,7 @@
       </p:sp>
       <p:sp>
         <p:nvSpPr>
-          <p:cNvPr id="344" name="Google Shape;344;g52e9283af1_4_1792:notes"/>
+          <p:cNvPr id="347" name="Google Shape;347;g84324e5a8a_7_0:notes"/>
           <p:cNvSpPr txBox="1"/>
           <p:nvPr>
             <p:ph idx="1" type="body"/>
@@ -3020,7 +3026,7 @@
   <p:cSld>
     <p:spTree>
       <p:nvGrpSpPr>
-        <p:cNvPr id="348" name="Shape 348"/>
+        <p:cNvPr id="351" name="Shape 351"/>
         <p:cNvGrpSpPr/>
         <p:nvPr/>
       </p:nvGrpSpPr>
@@ -3034,7 +3040,7 @@
       </p:grpSpPr>
       <p:sp>
         <p:nvSpPr>
-          <p:cNvPr id="349" name="Google Shape;349;g52e9283af1_0_1210:notes"/>
+          <p:cNvPr id="352" name="Google Shape;352;g84324e5a8a_7_5:notes"/>
           <p:cNvSpPr/>
           <p:nvPr>
             <p:ph idx="2" type="sldImg"/>
@@ -3069,7 +3075,601 @@
       </p:sp>
       <p:sp>
         <p:nvSpPr>
-          <p:cNvPr id="350" name="Google Shape;350;g52e9283af1_0_1210:notes"/>
+          <p:cNvPr id="353" name="Google Shape;353;g84324e5a8a_7_5:notes"/>
+          <p:cNvSpPr txBox="1"/>
+          <p:nvPr>
+            <p:ph idx="1" type="body"/>
+          </p:nvPr>
+        </p:nvSpPr>
+        <p:spPr>
+          <a:xfrm>
+            <a:off x="685800" y="4343400"/>
+            <a:ext cx="5486400" cy="4114800"/>
+          </a:xfrm>
+          <a:prstGeom prst="rect">
+            <a:avLst/>
+          </a:prstGeom>
+        </p:spPr>
+        <p:txBody>
+          <a:bodyPr anchorCtr="0" anchor="t" bIns="91425" lIns="91425" spcFirstLastPara="1" rIns="91425" wrap="square" tIns="91425">
+            <a:noAutofit/>
+          </a:bodyPr>
+          <a:lstStyle/>
+          <a:p>
+            <a:pPr indent="0" lvl="0" marL="0" rtl="0" algn="l">
+              <a:spcBef>
+                <a:spcPts val="0"/>
+              </a:spcBef>
+              <a:spcAft>
+                <a:spcPts val="0"/>
+              </a:spcAft>
+              <a:buNone/>
+            </a:pPr>
+            <a:r>
+              <a:t/>
+            </a:r>
+            <a:endParaRPr/>
+          </a:p>
+        </p:txBody>
+      </p:sp>
+    </p:spTree>
+  </p:cSld>
+  <p:clrMapOvr>
+    <a:masterClrMapping/>
+  </p:clrMapOvr>
+</p:notes>
+</file>
+
+<file path=ppt/notesSlides/notesSlide31.xml><?xml version="1.0" encoding="utf-8"?>
+<p:notes xmlns:a="http://schemas.openxmlformats.org/drawingml/2006/main" xmlns:r="http://schemas.openxmlformats.org/officeDocument/2006/relationships" xmlns:mc="http://schemas.openxmlformats.org/markup-compatibility/2006" xmlns:mv="urn:schemas-microsoft-com:mac:vml" xmlns:p="http://schemas.openxmlformats.org/presentationml/2006/main" xmlns:c="http://schemas.openxmlformats.org/drawingml/2006/chart" xmlns:dgm="http://schemas.openxmlformats.org/drawingml/2006/diagram" xmlns:o="urn:schemas-microsoft-com:office:office" xmlns:v="urn:schemas-microsoft-com:vml" xmlns:pvml="urn:schemas-microsoft-com:office:powerpoint" xmlns:com="http://schemas.openxmlformats.org/drawingml/2006/compatibility" xmlns:p14="http://schemas.microsoft.com/office/powerpoint/2010/main" xmlns:p15="http://schemas.microsoft.com/office/powerpoint/2012/main" showMasterPhAnim="0" showMasterSp="0">
+  <p:cSld>
+    <p:spTree>
+      <p:nvGrpSpPr>
+        <p:cNvPr id="361" name="Shape 361"/>
+        <p:cNvGrpSpPr/>
+        <p:nvPr/>
+      </p:nvGrpSpPr>
+      <p:grpSpPr>
+        <a:xfrm>
+          <a:off x="0" y="0"/>
+          <a:ext cx="0" cy="0"/>
+          <a:chOff x="0" y="0"/>
+          <a:chExt cx="0" cy="0"/>
+        </a:xfrm>
+      </p:grpSpPr>
+      <p:sp>
+        <p:nvSpPr>
+          <p:cNvPr id="362" name="Google Shape;362;g84324e5a8a_7_14:notes"/>
+          <p:cNvSpPr/>
+          <p:nvPr>
+            <p:ph idx="2" type="sldImg"/>
+          </p:nvPr>
+        </p:nvSpPr>
+        <p:spPr>
+          <a:xfrm>
+            <a:off x="381300" y="685800"/>
+            <a:ext cx="6096000" cy="3429000"/>
+          </a:xfrm>
+          <a:custGeom>
+            <a:rect b="b" l="l" r="r" t="t"/>
+            <a:pathLst>
+              <a:path extrusionOk="0" h="120000" w="120000">
+                <a:moveTo>
+                  <a:pt x="0" y="0"/>
+                </a:moveTo>
+                <a:lnTo>
+                  <a:pt x="120000" y="0"/>
+                </a:lnTo>
+                <a:lnTo>
+                  <a:pt x="120000" y="120000"/>
+                </a:lnTo>
+                <a:lnTo>
+                  <a:pt x="0" y="120000"/>
+                </a:lnTo>
+                <a:close/>
+              </a:path>
+            </a:pathLst>
+          </a:custGeom>
+        </p:spPr>
+      </p:sp>
+      <p:sp>
+        <p:nvSpPr>
+          <p:cNvPr id="363" name="Google Shape;363;g84324e5a8a_7_14:notes"/>
+          <p:cNvSpPr txBox="1"/>
+          <p:nvPr>
+            <p:ph idx="1" type="body"/>
+          </p:nvPr>
+        </p:nvSpPr>
+        <p:spPr>
+          <a:xfrm>
+            <a:off x="685800" y="4343400"/>
+            <a:ext cx="5486400" cy="4114800"/>
+          </a:xfrm>
+          <a:prstGeom prst="rect">
+            <a:avLst/>
+          </a:prstGeom>
+        </p:spPr>
+        <p:txBody>
+          <a:bodyPr anchorCtr="0" anchor="t" bIns="91425" lIns="91425" spcFirstLastPara="1" rIns="91425" wrap="square" tIns="91425">
+            <a:noAutofit/>
+          </a:bodyPr>
+          <a:lstStyle/>
+          <a:p>
+            <a:pPr indent="0" lvl="0" marL="0" rtl="0" algn="l">
+              <a:spcBef>
+                <a:spcPts val="0"/>
+              </a:spcBef>
+              <a:spcAft>
+                <a:spcPts val="0"/>
+              </a:spcAft>
+              <a:buNone/>
+            </a:pPr>
+            <a:r>
+              <a:t/>
+            </a:r>
+            <a:endParaRPr/>
+          </a:p>
+        </p:txBody>
+      </p:sp>
+    </p:spTree>
+  </p:cSld>
+  <p:clrMapOvr>
+    <a:masterClrMapping/>
+  </p:clrMapOvr>
+</p:notes>
+</file>
+
+<file path=ppt/notesSlides/notesSlide32.xml><?xml version="1.0" encoding="utf-8"?>
+<p:notes xmlns:a="http://schemas.openxmlformats.org/drawingml/2006/main" xmlns:r="http://schemas.openxmlformats.org/officeDocument/2006/relationships" xmlns:mc="http://schemas.openxmlformats.org/markup-compatibility/2006" xmlns:mv="urn:schemas-microsoft-com:mac:vml" xmlns:p="http://schemas.openxmlformats.org/presentationml/2006/main" xmlns:c="http://schemas.openxmlformats.org/drawingml/2006/chart" xmlns:dgm="http://schemas.openxmlformats.org/drawingml/2006/diagram" xmlns:o="urn:schemas-microsoft-com:office:office" xmlns:v="urn:schemas-microsoft-com:vml" xmlns:pvml="urn:schemas-microsoft-com:office:powerpoint" xmlns:com="http://schemas.openxmlformats.org/drawingml/2006/compatibility" xmlns:p14="http://schemas.microsoft.com/office/powerpoint/2010/main" xmlns:p15="http://schemas.microsoft.com/office/powerpoint/2012/main" showMasterPhAnim="0" showMasterSp="0">
+  <p:cSld>
+    <p:spTree>
+      <p:nvGrpSpPr>
+        <p:cNvPr id="368" name="Shape 368"/>
+        <p:cNvGrpSpPr/>
+        <p:nvPr/>
+      </p:nvGrpSpPr>
+      <p:grpSpPr>
+        <a:xfrm>
+          <a:off x="0" y="0"/>
+          <a:ext cx="0" cy="0"/>
+          <a:chOff x="0" y="0"/>
+          <a:chExt cx="0" cy="0"/>
+        </a:xfrm>
+      </p:grpSpPr>
+      <p:sp>
+        <p:nvSpPr>
+          <p:cNvPr id="369" name="Google Shape;369;g84324e5a8a_7_20:notes"/>
+          <p:cNvSpPr/>
+          <p:nvPr>
+            <p:ph idx="2" type="sldImg"/>
+          </p:nvPr>
+        </p:nvSpPr>
+        <p:spPr>
+          <a:xfrm>
+            <a:off x="381300" y="685800"/>
+            <a:ext cx="6096000" cy="3429000"/>
+          </a:xfrm>
+          <a:custGeom>
+            <a:rect b="b" l="l" r="r" t="t"/>
+            <a:pathLst>
+              <a:path extrusionOk="0" h="120000" w="120000">
+                <a:moveTo>
+                  <a:pt x="0" y="0"/>
+                </a:moveTo>
+                <a:lnTo>
+                  <a:pt x="120000" y="0"/>
+                </a:lnTo>
+                <a:lnTo>
+                  <a:pt x="120000" y="120000"/>
+                </a:lnTo>
+                <a:lnTo>
+                  <a:pt x="0" y="120000"/>
+                </a:lnTo>
+                <a:close/>
+              </a:path>
+            </a:pathLst>
+          </a:custGeom>
+        </p:spPr>
+      </p:sp>
+      <p:sp>
+        <p:nvSpPr>
+          <p:cNvPr id="370" name="Google Shape;370;g84324e5a8a_7_20:notes"/>
+          <p:cNvSpPr txBox="1"/>
+          <p:nvPr>
+            <p:ph idx="1" type="body"/>
+          </p:nvPr>
+        </p:nvSpPr>
+        <p:spPr>
+          <a:xfrm>
+            <a:off x="685800" y="4343400"/>
+            <a:ext cx="5486400" cy="4114800"/>
+          </a:xfrm>
+          <a:prstGeom prst="rect">
+            <a:avLst/>
+          </a:prstGeom>
+        </p:spPr>
+        <p:txBody>
+          <a:bodyPr anchorCtr="0" anchor="t" bIns="91425" lIns="91425" spcFirstLastPara="1" rIns="91425" wrap="square" tIns="91425">
+            <a:noAutofit/>
+          </a:bodyPr>
+          <a:lstStyle/>
+          <a:p>
+            <a:pPr indent="0" lvl="0" marL="0" rtl="0" algn="l">
+              <a:spcBef>
+                <a:spcPts val="0"/>
+              </a:spcBef>
+              <a:spcAft>
+                <a:spcPts val="0"/>
+              </a:spcAft>
+              <a:buNone/>
+            </a:pPr>
+            <a:r>
+              <a:t/>
+            </a:r>
+            <a:endParaRPr/>
+          </a:p>
+        </p:txBody>
+      </p:sp>
+    </p:spTree>
+  </p:cSld>
+  <p:clrMapOvr>
+    <a:masterClrMapping/>
+  </p:clrMapOvr>
+</p:notes>
+</file>
+
+<file path=ppt/notesSlides/notesSlide33.xml><?xml version="1.0" encoding="utf-8"?>
+<p:notes xmlns:a="http://schemas.openxmlformats.org/drawingml/2006/main" xmlns:r="http://schemas.openxmlformats.org/officeDocument/2006/relationships" xmlns:mc="http://schemas.openxmlformats.org/markup-compatibility/2006" xmlns:mv="urn:schemas-microsoft-com:mac:vml" xmlns:p="http://schemas.openxmlformats.org/presentationml/2006/main" xmlns:c="http://schemas.openxmlformats.org/drawingml/2006/chart" xmlns:dgm="http://schemas.openxmlformats.org/drawingml/2006/diagram" xmlns:o="urn:schemas-microsoft-com:office:office" xmlns:v="urn:schemas-microsoft-com:vml" xmlns:pvml="urn:schemas-microsoft-com:office:powerpoint" xmlns:com="http://schemas.openxmlformats.org/drawingml/2006/compatibility" xmlns:p14="http://schemas.microsoft.com/office/powerpoint/2010/main" xmlns:p15="http://schemas.microsoft.com/office/powerpoint/2012/main" showMasterPhAnim="0" showMasterSp="0">
+  <p:cSld>
+    <p:spTree>
+      <p:nvGrpSpPr>
+        <p:cNvPr id="378" name="Shape 378"/>
+        <p:cNvGrpSpPr/>
+        <p:nvPr/>
+      </p:nvGrpSpPr>
+      <p:grpSpPr>
+        <a:xfrm>
+          <a:off x="0" y="0"/>
+          <a:ext cx="0" cy="0"/>
+          <a:chOff x="0" y="0"/>
+          <a:chExt cx="0" cy="0"/>
+        </a:xfrm>
+      </p:grpSpPr>
+      <p:sp>
+        <p:nvSpPr>
+          <p:cNvPr id="379" name="Google Shape;379;g84324e5a8a_7_29:notes"/>
+          <p:cNvSpPr/>
+          <p:nvPr>
+            <p:ph idx="2" type="sldImg"/>
+          </p:nvPr>
+        </p:nvSpPr>
+        <p:spPr>
+          <a:xfrm>
+            <a:off x="381300" y="685800"/>
+            <a:ext cx="6096000" cy="3429000"/>
+          </a:xfrm>
+          <a:custGeom>
+            <a:rect b="b" l="l" r="r" t="t"/>
+            <a:pathLst>
+              <a:path extrusionOk="0" h="120000" w="120000">
+                <a:moveTo>
+                  <a:pt x="0" y="0"/>
+                </a:moveTo>
+                <a:lnTo>
+                  <a:pt x="120000" y="0"/>
+                </a:lnTo>
+                <a:lnTo>
+                  <a:pt x="120000" y="120000"/>
+                </a:lnTo>
+                <a:lnTo>
+                  <a:pt x="0" y="120000"/>
+                </a:lnTo>
+                <a:close/>
+              </a:path>
+            </a:pathLst>
+          </a:custGeom>
+        </p:spPr>
+      </p:sp>
+      <p:sp>
+        <p:nvSpPr>
+          <p:cNvPr id="380" name="Google Shape;380;g84324e5a8a_7_29:notes"/>
+          <p:cNvSpPr txBox="1"/>
+          <p:nvPr>
+            <p:ph idx="1" type="body"/>
+          </p:nvPr>
+        </p:nvSpPr>
+        <p:spPr>
+          <a:xfrm>
+            <a:off x="685800" y="4343400"/>
+            <a:ext cx="5486400" cy="4114800"/>
+          </a:xfrm>
+          <a:prstGeom prst="rect">
+            <a:avLst/>
+          </a:prstGeom>
+        </p:spPr>
+        <p:txBody>
+          <a:bodyPr anchorCtr="0" anchor="t" bIns="91425" lIns="91425" spcFirstLastPara="1" rIns="91425" wrap="square" tIns="91425">
+            <a:noAutofit/>
+          </a:bodyPr>
+          <a:lstStyle/>
+          <a:p>
+            <a:pPr indent="0" lvl="0" marL="0" rtl="0" algn="l">
+              <a:spcBef>
+                <a:spcPts val="0"/>
+              </a:spcBef>
+              <a:spcAft>
+                <a:spcPts val="0"/>
+              </a:spcAft>
+              <a:buNone/>
+            </a:pPr>
+            <a:r>
+              <a:t/>
+            </a:r>
+            <a:endParaRPr/>
+          </a:p>
+        </p:txBody>
+      </p:sp>
+    </p:spTree>
+  </p:cSld>
+  <p:clrMapOvr>
+    <a:masterClrMapping/>
+  </p:clrMapOvr>
+</p:notes>
+</file>
+
+<file path=ppt/notesSlides/notesSlide34.xml><?xml version="1.0" encoding="utf-8"?>
+<p:notes xmlns:a="http://schemas.openxmlformats.org/drawingml/2006/main" xmlns:r="http://schemas.openxmlformats.org/officeDocument/2006/relationships" xmlns:mc="http://schemas.openxmlformats.org/markup-compatibility/2006" xmlns:mv="urn:schemas-microsoft-com:mac:vml" xmlns:p="http://schemas.openxmlformats.org/presentationml/2006/main" xmlns:c="http://schemas.openxmlformats.org/drawingml/2006/chart" xmlns:dgm="http://schemas.openxmlformats.org/drawingml/2006/diagram" xmlns:o="urn:schemas-microsoft-com:office:office" xmlns:v="urn:schemas-microsoft-com:vml" xmlns:pvml="urn:schemas-microsoft-com:office:powerpoint" xmlns:com="http://schemas.openxmlformats.org/drawingml/2006/compatibility" xmlns:p14="http://schemas.microsoft.com/office/powerpoint/2010/main" xmlns:p15="http://schemas.microsoft.com/office/powerpoint/2012/main" showMasterPhAnim="0" showMasterSp="0">
+  <p:cSld>
+    <p:spTree>
+      <p:nvGrpSpPr>
+        <p:cNvPr id="384" name="Shape 384"/>
+        <p:cNvGrpSpPr/>
+        <p:nvPr/>
+      </p:nvGrpSpPr>
+      <p:grpSpPr>
+        <a:xfrm>
+          <a:off x="0" y="0"/>
+          <a:ext cx="0" cy="0"/>
+          <a:chOff x="0" y="0"/>
+          <a:chExt cx="0" cy="0"/>
+        </a:xfrm>
+      </p:grpSpPr>
+      <p:sp>
+        <p:nvSpPr>
+          <p:cNvPr id="385" name="Google Shape;385;g52e9283af1_4_1792:notes"/>
+          <p:cNvSpPr/>
+          <p:nvPr>
+            <p:ph idx="2" type="sldImg"/>
+          </p:nvPr>
+        </p:nvSpPr>
+        <p:spPr>
+          <a:xfrm>
+            <a:off x="381300" y="685800"/>
+            <a:ext cx="6096000" cy="3429000"/>
+          </a:xfrm>
+          <a:custGeom>
+            <a:rect b="b" l="l" r="r" t="t"/>
+            <a:pathLst>
+              <a:path extrusionOk="0" h="120000" w="120000">
+                <a:moveTo>
+                  <a:pt x="0" y="0"/>
+                </a:moveTo>
+                <a:lnTo>
+                  <a:pt x="120000" y="0"/>
+                </a:lnTo>
+                <a:lnTo>
+                  <a:pt x="120000" y="120000"/>
+                </a:lnTo>
+                <a:lnTo>
+                  <a:pt x="0" y="120000"/>
+                </a:lnTo>
+                <a:close/>
+              </a:path>
+            </a:pathLst>
+          </a:custGeom>
+        </p:spPr>
+      </p:sp>
+      <p:sp>
+        <p:nvSpPr>
+          <p:cNvPr id="386" name="Google Shape;386;g52e9283af1_4_1792:notes"/>
+          <p:cNvSpPr txBox="1"/>
+          <p:nvPr>
+            <p:ph idx="1" type="body"/>
+          </p:nvPr>
+        </p:nvSpPr>
+        <p:spPr>
+          <a:xfrm>
+            <a:off x="685800" y="4343400"/>
+            <a:ext cx="5486400" cy="4114800"/>
+          </a:xfrm>
+          <a:prstGeom prst="rect">
+            <a:avLst/>
+          </a:prstGeom>
+        </p:spPr>
+        <p:txBody>
+          <a:bodyPr anchorCtr="0" anchor="t" bIns="91425" lIns="91425" spcFirstLastPara="1" rIns="91425" wrap="square" tIns="91425">
+            <a:noAutofit/>
+          </a:bodyPr>
+          <a:lstStyle/>
+          <a:p>
+            <a:pPr indent="0" lvl="0" marL="0" rtl="0" algn="l">
+              <a:spcBef>
+                <a:spcPts val="0"/>
+              </a:spcBef>
+              <a:spcAft>
+                <a:spcPts val="0"/>
+              </a:spcAft>
+              <a:buNone/>
+            </a:pPr>
+            <a:r>
+              <a:t/>
+            </a:r>
+            <a:endParaRPr/>
+          </a:p>
+        </p:txBody>
+      </p:sp>
+    </p:spTree>
+  </p:cSld>
+  <p:clrMapOvr>
+    <a:masterClrMapping/>
+  </p:clrMapOvr>
+</p:notes>
+</file>
+
+<file path=ppt/notesSlides/notesSlide35.xml><?xml version="1.0" encoding="utf-8"?>
+<p:notes xmlns:a="http://schemas.openxmlformats.org/drawingml/2006/main" xmlns:r="http://schemas.openxmlformats.org/officeDocument/2006/relationships" xmlns:mc="http://schemas.openxmlformats.org/markup-compatibility/2006" xmlns:mv="urn:schemas-microsoft-com:mac:vml" xmlns:p="http://schemas.openxmlformats.org/presentationml/2006/main" xmlns:c="http://schemas.openxmlformats.org/drawingml/2006/chart" xmlns:dgm="http://schemas.openxmlformats.org/drawingml/2006/diagram" xmlns:o="urn:schemas-microsoft-com:office:office" xmlns:v="urn:schemas-microsoft-com:vml" xmlns:pvml="urn:schemas-microsoft-com:office:powerpoint" xmlns:com="http://schemas.openxmlformats.org/drawingml/2006/compatibility" xmlns:p14="http://schemas.microsoft.com/office/powerpoint/2010/main" xmlns:p15="http://schemas.microsoft.com/office/powerpoint/2012/main" showMasterPhAnim="0" showMasterSp="0">
+  <p:cSld>
+    <p:spTree>
+      <p:nvGrpSpPr>
+        <p:cNvPr id="390" name="Shape 390"/>
+        <p:cNvGrpSpPr/>
+        <p:nvPr/>
+      </p:nvGrpSpPr>
+      <p:grpSpPr>
+        <a:xfrm>
+          <a:off x="0" y="0"/>
+          <a:ext cx="0" cy="0"/>
+          <a:chOff x="0" y="0"/>
+          <a:chExt cx="0" cy="0"/>
+        </a:xfrm>
+      </p:grpSpPr>
+      <p:sp>
+        <p:nvSpPr>
+          <p:cNvPr id="391" name="Google Shape;391;g52e9283af1_0_1210:notes"/>
+          <p:cNvSpPr/>
+          <p:nvPr>
+            <p:ph idx="2" type="sldImg"/>
+          </p:nvPr>
+        </p:nvSpPr>
+        <p:spPr>
+          <a:xfrm>
+            <a:off x="381300" y="685800"/>
+            <a:ext cx="6096000" cy="3429000"/>
+          </a:xfrm>
+          <a:custGeom>
+            <a:rect b="b" l="l" r="r" t="t"/>
+            <a:pathLst>
+              <a:path extrusionOk="0" h="120000" w="120000">
+                <a:moveTo>
+                  <a:pt x="0" y="0"/>
+                </a:moveTo>
+                <a:lnTo>
+                  <a:pt x="120000" y="0"/>
+                </a:lnTo>
+                <a:lnTo>
+                  <a:pt x="120000" y="120000"/>
+                </a:lnTo>
+                <a:lnTo>
+                  <a:pt x="0" y="120000"/>
+                </a:lnTo>
+                <a:close/>
+              </a:path>
+            </a:pathLst>
+          </a:custGeom>
+        </p:spPr>
+      </p:sp>
+      <p:sp>
+        <p:nvSpPr>
+          <p:cNvPr id="392" name="Google Shape;392;g52e9283af1_0_1210:notes"/>
+          <p:cNvSpPr txBox="1"/>
+          <p:nvPr>
+            <p:ph idx="1" type="body"/>
+          </p:nvPr>
+        </p:nvSpPr>
+        <p:spPr>
+          <a:xfrm>
+            <a:off x="685800" y="4343400"/>
+            <a:ext cx="5486400" cy="4114800"/>
+          </a:xfrm>
+          <a:prstGeom prst="rect">
+            <a:avLst/>
+          </a:prstGeom>
+        </p:spPr>
+        <p:txBody>
+          <a:bodyPr anchorCtr="0" anchor="t" bIns="91425" lIns="91425" spcFirstLastPara="1" rIns="91425" wrap="square" tIns="91425">
+            <a:noAutofit/>
+          </a:bodyPr>
+          <a:lstStyle/>
+          <a:p>
+            <a:pPr indent="0" lvl="0" marL="0" rtl="0" algn="l">
+              <a:spcBef>
+                <a:spcPts val="0"/>
+              </a:spcBef>
+              <a:spcAft>
+                <a:spcPts val="0"/>
+              </a:spcAft>
+              <a:buNone/>
+            </a:pPr>
+            <a:r>
+              <a:t/>
+            </a:r>
+            <a:endParaRPr/>
+          </a:p>
+        </p:txBody>
+      </p:sp>
+    </p:spTree>
+  </p:cSld>
+  <p:clrMapOvr>
+    <a:masterClrMapping/>
+  </p:clrMapOvr>
+</p:notes>
+</file>
+
+<file path=ppt/notesSlides/notesSlide36.xml><?xml version="1.0" encoding="utf-8"?>
+<p:notes xmlns:a="http://schemas.openxmlformats.org/drawingml/2006/main" xmlns:r="http://schemas.openxmlformats.org/officeDocument/2006/relationships" xmlns:mc="http://schemas.openxmlformats.org/markup-compatibility/2006" xmlns:mv="urn:schemas-microsoft-com:mac:vml" xmlns:p="http://schemas.openxmlformats.org/presentationml/2006/main" xmlns:c="http://schemas.openxmlformats.org/drawingml/2006/chart" xmlns:dgm="http://schemas.openxmlformats.org/drawingml/2006/diagram" xmlns:o="urn:schemas-microsoft-com:office:office" xmlns:v="urn:schemas-microsoft-com:vml" xmlns:pvml="urn:schemas-microsoft-com:office:powerpoint" xmlns:com="http://schemas.openxmlformats.org/drawingml/2006/compatibility" xmlns:p14="http://schemas.microsoft.com/office/powerpoint/2010/main" xmlns:p15="http://schemas.microsoft.com/office/powerpoint/2012/main" showMasterPhAnim="0" showMasterSp="0">
+  <p:cSld>
+    <p:spTree>
+      <p:nvGrpSpPr>
+        <p:cNvPr id="396" name="Shape 396"/>
+        <p:cNvGrpSpPr/>
+        <p:nvPr/>
+      </p:nvGrpSpPr>
+      <p:grpSpPr>
+        <a:xfrm>
+          <a:off x="0" y="0"/>
+          <a:ext cx="0" cy="0"/>
+          <a:chOff x="0" y="0"/>
+          <a:chExt cx="0" cy="0"/>
+        </a:xfrm>
+      </p:grpSpPr>
+      <p:sp>
+        <p:nvSpPr>
+          <p:cNvPr id="397" name="Google Shape;397;g7520527f75_7_0:notes"/>
+          <p:cNvSpPr/>
+          <p:nvPr>
+            <p:ph idx="2" type="sldImg"/>
+          </p:nvPr>
+        </p:nvSpPr>
+        <p:spPr>
+          <a:xfrm>
+            <a:off x="381300" y="685800"/>
+            <a:ext cx="6096000" cy="3429000"/>
+          </a:xfrm>
+          <a:custGeom>
+            <a:rect b="b" l="l" r="r" t="t"/>
+            <a:pathLst>
+              <a:path extrusionOk="0" h="120000" w="120000">
+                <a:moveTo>
+                  <a:pt x="0" y="0"/>
+                </a:moveTo>
+                <a:lnTo>
+                  <a:pt x="120000" y="0"/>
+                </a:lnTo>
+                <a:lnTo>
+                  <a:pt x="120000" y="120000"/>
+                </a:lnTo>
+                <a:lnTo>
+                  <a:pt x="0" y="120000"/>
+                </a:lnTo>
+                <a:close/>
+              </a:path>
+            </a:pathLst>
+          </a:custGeom>
+        </p:spPr>
+      </p:sp>
+      <p:sp>
+        <p:nvSpPr>
+          <p:cNvPr id="398" name="Google Shape;398;g7520527f75_7_0:notes"/>
           <p:cNvSpPr txBox="1"/>
           <p:nvPr>
             <p:ph idx="1" type="body"/>
@@ -3614,7 +4214,7 @@
   <p:cSld>
     <p:spTree>
       <p:nvGrpSpPr>
-        <p:cNvPr id="201" name="Shape 201"/>
+        <p:cNvPr id="204" name="Shape 204"/>
         <p:cNvGrpSpPr/>
         <p:nvPr/>
       </p:nvGrpSpPr>
@@ -3628,7 +4228,7 @@
       </p:grpSpPr>
       <p:sp>
         <p:nvSpPr>
-          <p:cNvPr id="202" name="Google Shape;202;g52e9283af1_0_772:notes"/>
+          <p:cNvPr id="205" name="Google Shape;205;g52e9283af1_0_772:notes"/>
           <p:cNvSpPr/>
           <p:nvPr>
             <p:ph idx="2" type="sldImg"/>
@@ -3663,7 +4263,7 @@
       </p:sp>
       <p:sp>
         <p:nvSpPr>
-          <p:cNvPr id="203" name="Google Shape;203;g52e9283af1_0_772:notes"/>
+          <p:cNvPr id="206" name="Google Shape;206;g52e9283af1_0_772:notes"/>
           <p:cNvSpPr txBox="1"/>
           <p:nvPr>
             <p:ph idx="1" type="body"/>
@@ -10850,7 +11450,7 @@
   <p:cSld>
     <p:spTree>
       <p:nvGrpSpPr>
-        <p:cNvPr id="210" name="Shape 210"/>
+        <p:cNvPr id="213" name="Shape 213"/>
         <p:cNvGrpSpPr/>
         <p:nvPr/>
       </p:nvGrpSpPr>
@@ -10864,7 +11464,7 @@
       </p:grpSpPr>
       <p:sp>
         <p:nvSpPr>
-          <p:cNvPr id="211" name="Google Shape;211;p22"/>
+          <p:cNvPr id="214" name="Google Shape;214;p22"/>
           <p:cNvSpPr txBox="1"/>
           <p:nvPr>
             <p:ph type="ctrTitle"/>
@@ -10919,7 +11519,7 @@
       </p:sp>
       <p:sp>
         <p:nvSpPr>
-          <p:cNvPr id="212" name="Google Shape;212;p22"/>
+          <p:cNvPr id="215" name="Google Shape;215;p22"/>
           <p:cNvSpPr txBox="1"/>
           <p:nvPr>
             <p:ph idx="1" type="subTitle"/>
@@ -11019,7 +11619,7 @@
                 <a:cs typeface="Times New Roman"/>
                 <a:sym typeface="Times New Roman"/>
               </a:rPr>
-              <a:t>Our data d</a:t>
+              <a:t>Though our data is </a:t>
             </a:r>
             <a:r>
               <a:rPr lang="en" sz="1400">
@@ -11031,7 +11631,31 @@
                 <a:cs typeface="Times New Roman"/>
                 <a:sym typeface="Times New Roman"/>
               </a:rPr>
-              <a:t>oes not capture the reality well</a:t>
+              <a:t>accurate</a:t>
+            </a:r>
+            <a:r>
+              <a:rPr lang="en" sz="1400">
+                <a:solidFill>
+                  <a:srgbClr val="000000"/>
+                </a:solidFill>
+                <a:latin typeface="Times New Roman"/>
+                <a:ea typeface="Times New Roman"/>
+                <a:cs typeface="Times New Roman"/>
+                <a:sym typeface="Times New Roman"/>
+              </a:rPr>
+              <a:t> and gives the idea about ridership, it d</a:t>
+            </a:r>
+            <a:r>
+              <a:rPr lang="en" sz="1400">
+                <a:solidFill>
+                  <a:srgbClr val="000000"/>
+                </a:solidFill>
+                <a:latin typeface="Times New Roman"/>
+                <a:ea typeface="Times New Roman"/>
+                <a:cs typeface="Times New Roman"/>
+                <a:sym typeface="Times New Roman"/>
+              </a:rPr>
+              <a:t>oes not capture the reality completely</a:t>
             </a:r>
             <a:endParaRPr sz="1400">
               <a:solidFill>
@@ -11156,7 +11780,7 @@
   <p:cSld>
     <p:spTree>
       <p:nvGrpSpPr>
-        <p:cNvPr id="216" name="Shape 216"/>
+        <p:cNvPr id="219" name="Shape 219"/>
         <p:cNvGrpSpPr/>
         <p:nvPr/>
       </p:nvGrpSpPr>
@@ -11170,7 +11794,7 @@
       </p:grpSpPr>
       <p:sp>
         <p:nvSpPr>
-          <p:cNvPr id="217" name="Google Shape;217;p23"/>
+          <p:cNvPr id="220" name="Google Shape;220;p23"/>
           <p:cNvSpPr txBox="1"/>
           <p:nvPr>
             <p:ph type="ctrTitle"/>
@@ -11210,7 +11834,7 @@
       </p:sp>
       <p:sp>
         <p:nvSpPr>
-          <p:cNvPr id="218" name="Google Shape;218;p23"/>
+          <p:cNvPr id="221" name="Google Shape;221;p23"/>
           <p:cNvSpPr txBox="1"/>
           <p:nvPr>
             <p:ph idx="1" type="subTitle"/>
@@ -11560,7 +12184,7 @@
   <p:cSld>
     <p:spTree>
       <p:nvGrpSpPr>
-        <p:cNvPr id="222" name="Shape 222"/>
+        <p:cNvPr id="225" name="Shape 225"/>
         <p:cNvGrpSpPr/>
         <p:nvPr/>
       </p:nvGrpSpPr>
@@ -11574,7 +12198,7 @@
       </p:grpSpPr>
       <p:sp>
         <p:nvSpPr>
-          <p:cNvPr id="223" name="Google Shape;223;p24"/>
+          <p:cNvPr id="226" name="Google Shape;226;p24"/>
           <p:cNvSpPr txBox="1"/>
           <p:nvPr>
             <p:ph type="ctrTitle"/>
@@ -11613,7 +12237,7 @@
       </p:sp>
       <p:sp>
         <p:nvSpPr>
-          <p:cNvPr id="224" name="Google Shape;224;p24"/>
+          <p:cNvPr id="227" name="Google Shape;227;p24"/>
           <p:cNvSpPr txBox="1"/>
           <p:nvPr>
             <p:ph idx="1" type="subTitle"/>
@@ -11652,7 +12276,7 @@
       </p:sp>
       <p:pic>
         <p:nvPicPr>
-          <p:cNvPr id="225" name="Google Shape;225;p24"/>
+          <p:cNvPr id="228" name="Google Shape;228;p24"/>
           <p:cNvPicPr preferRelativeResize="0"/>
           <p:nvPr/>
         </p:nvPicPr>
@@ -11691,7 +12315,7 @@
   <p:cSld>
     <p:spTree>
       <p:nvGrpSpPr>
-        <p:cNvPr id="229" name="Shape 229"/>
+        <p:cNvPr id="232" name="Shape 232"/>
         <p:cNvGrpSpPr/>
         <p:nvPr/>
       </p:nvGrpSpPr>
@@ -11705,7 +12329,7 @@
       </p:grpSpPr>
       <p:sp>
         <p:nvSpPr>
-          <p:cNvPr id="230" name="Google Shape;230;p25"/>
+          <p:cNvPr id="233" name="Google Shape;233;p25"/>
           <p:cNvSpPr txBox="1"/>
           <p:nvPr>
             <p:ph type="ctrTitle"/>
@@ -11713,8 +12337,8 @@
         </p:nvSpPr>
         <p:spPr>
           <a:xfrm>
-            <a:off x="216175" y="392125"/>
-            <a:ext cx="7688100" cy="731400"/>
+            <a:off x="0" y="360075"/>
+            <a:ext cx="7688100" cy="856800"/>
           </a:xfrm>
           <a:prstGeom prst="rect">
             <a:avLst/>
@@ -11726,7 +12350,7 @@
           </a:bodyPr>
           <a:lstStyle/>
           <a:p>
-            <a:pPr indent="0" lvl="0" marL="0" rtl="0" algn="l">
+            <a:pPr indent="0" lvl="0" marL="457200" rtl="0" algn="l">
               <a:spcBef>
                 <a:spcPts val="0"/>
               </a:spcBef>
@@ -11745,7 +12369,7 @@
       </p:sp>
       <p:sp>
         <p:nvSpPr>
-          <p:cNvPr id="231" name="Google Shape;231;p25"/>
+          <p:cNvPr id="234" name="Google Shape;234;p25"/>
           <p:cNvSpPr txBox="1"/>
           <p:nvPr>
             <p:ph idx="1" type="subTitle"/>
@@ -11753,8 +12377,8 @@
         </p:nvSpPr>
         <p:spPr>
           <a:xfrm>
-            <a:off x="267575" y="1476375"/>
-            <a:ext cx="8150100" cy="3304200"/>
+            <a:off x="321725" y="1551225"/>
+            <a:ext cx="7707600" cy="3118800"/>
           </a:xfrm>
           <a:prstGeom prst="rect">
             <a:avLst/>
@@ -11767,52 +12391,19 @@
           <a:lstStyle/>
           <a:p>
             <a:pPr indent="0" lvl="0" marL="0" rtl="0" algn="l">
-              <a:spcBef>
-                <a:spcPts val="0"/>
-              </a:spcBef>
-              <a:spcAft>
-                <a:spcPts val="0"/>
-              </a:spcAft>
-              <a:buNone/>
-            </a:pPr>
-            <a:r>
-              <a:rPr lang="en"/>
-              <a:t>Train</a:t>
-            </a:r>
-            <a:endParaRPr/>
-          </a:p>
-          <a:p>
-            <a:pPr indent="0" lvl="0" marL="0" rtl="0" algn="l">
-              <a:spcBef>
-                <a:spcPts val="0"/>
-              </a:spcBef>
-              <a:spcAft>
-                <a:spcPts val="0"/>
-              </a:spcAft>
-              <a:buNone/>
-            </a:pPr>
-            <a:r>
-              <a:t/>
-            </a:r>
-            <a:endParaRPr/>
-          </a:p>
-          <a:p>
-            <a:pPr indent="-317500" lvl="0" marL="457200" rtl="0" algn="l">
-              <a:spcBef>
-                <a:spcPts val="0"/>
-              </a:spcBef>
-              <a:spcAft>
-                <a:spcPts val="0"/>
-              </a:spcAft>
-              <a:buClr>
-                <a:srgbClr val="000000"/>
-              </a:buClr>
-              <a:buSzPts val="1400"/>
-              <a:buFont typeface="Times New Roman"/>
-              <a:buChar char="●"/>
-            </a:pPr>
-            <a:r>
-              <a:rPr lang="en" sz="1400">
+              <a:lnSpc>
+                <a:spcPct val="115000"/>
+              </a:lnSpc>
+              <a:spcBef>
+                <a:spcPts val="0"/>
+              </a:spcBef>
+              <a:spcAft>
+                <a:spcPts val="0"/>
+              </a:spcAft>
+              <a:buNone/>
+            </a:pPr>
+            <a:r>
+              <a:rPr lang="en">
                 <a:solidFill>
                   <a:srgbClr val="000000"/>
                 </a:solidFill>
@@ -11821,7 +12412,99 @@
                 <a:cs typeface="Times New Roman"/>
                 <a:sym typeface="Times New Roman"/>
               </a:rPr>
-              <a:t>The CTA train ridership has plummeted not just on weekends due to office holidays but also on weekdays over the past 4 years</a:t>
+              <a:t>Hypothesis</a:t>
+            </a:r>
+            <a:endParaRPr b="1">
+              <a:solidFill>
+                <a:srgbClr val="000000"/>
+              </a:solidFill>
+              <a:latin typeface="Times New Roman"/>
+              <a:ea typeface="Times New Roman"/>
+              <a:cs typeface="Times New Roman"/>
+              <a:sym typeface="Times New Roman"/>
+            </a:endParaRPr>
+          </a:p>
+          <a:p>
+            <a:pPr indent="0" lvl="0" marL="457200" rtl="0" algn="l">
+              <a:lnSpc>
+                <a:spcPct val="115000"/>
+              </a:lnSpc>
+              <a:spcBef>
+                <a:spcPts val="0"/>
+              </a:spcBef>
+              <a:spcAft>
+                <a:spcPts val="0"/>
+              </a:spcAft>
+              <a:buNone/>
+            </a:pPr>
+            <a:r>
+              <a:t/>
+            </a:r>
+            <a:endParaRPr>
+              <a:solidFill>
+                <a:srgbClr val="000000"/>
+              </a:solidFill>
+              <a:latin typeface="Times New Roman"/>
+              <a:ea typeface="Times New Roman"/>
+              <a:cs typeface="Times New Roman"/>
+              <a:sym typeface="Times New Roman"/>
+            </a:endParaRPr>
+          </a:p>
+          <a:p>
+            <a:pPr indent="-330200" lvl="0" marL="457200" rtl="0" algn="l">
+              <a:lnSpc>
+                <a:spcPct val="115000"/>
+              </a:lnSpc>
+              <a:spcBef>
+                <a:spcPts val="0"/>
+              </a:spcBef>
+              <a:spcAft>
+                <a:spcPts val="0"/>
+              </a:spcAft>
+              <a:buClr>
+                <a:srgbClr val="000000"/>
+              </a:buClr>
+              <a:buSzPts val="1600"/>
+              <a:buFont typeface="Times New Roman"/>
+              <a:buChar char="➔"/>
+            </a:pPr>
+            <a:r>
+              <a:rPr lang="en">
+                <a:solidFill>
+                  <a:srgbClr val="000000"/>
+                </a:solidFill>
+                <a:latin typeface="Times New Roman"/>
+                <a:ea typeface="Times New Roman"/>
+                <a:cs typeface="Times New Roman"/>
+                <a:sym typeface="Times New Roman"/>
+              </a:rPr>
+              <a:t>In many of the CTA annual reports, it is stated that the bus ridership declined at some points due to decrease in GAS prices. </a:t>
+            </a:r>
+            <a:endParaRPr>
+              <a:solidFill>
+                <a:srgbClr val="000000"/>
+              </a:solidFill>
+              <a:latin typeface="Times New Roman"/>
+              <a:ea typeface="Times New Roman"/>
+              <a:cs typeface="Times New Roman"/>
+              <a:sym typeface="Times New Roman"/>
+            </a:endParaRPr>
+          </a:p>
+          <a:p>
+            <a:pPr indent="0" lvl="0" marL="457200" rtl="0" algn="l">
+              <a:lnSpc>
+                <a:spcPct val="115000"/>
+              </a:lnSpc>
+              <a:spcBef>
+                <a:spcPts val="0"/>
+              </a:spcBef>
+              <a:spcAft>
+                <a:spcPts val="0"/>
+              </a:spcAft>
+              <a:buNone/>
+            </a:pPr>
+            <a:r>
+              <a:t/>
             </a:r>
             <a:endParaRPr sz="1400">
               <a:solidFill>
@@ -11834,6 +12517,380 @@
             </a:endParaRPr>
           </a:p>
           <a:p>
+            <a:pPr indent="-317500" lvl="0" marL="457200" rtl="0" algn="l">
+              <a:lnSpc>
+                <a:spcPct val="115000"/>
+              </a:lnSpc>
+              <a:spcBef>
+                <a:spcPts val="0"/>
+              </a:spcBef>
+              <a:spcAft>
+                <a:spcPts val="0"/>
+              </a:spcAft>
+              <a:buClr>
+                <a:srgbClr val="000000"/>
+              </a:buClr>
+              <a:buSzPts val="1400"/>
+              <a:buFont typeface="Times New Roman"/>
+              <a:buChar char="●"/>
+            </a:pPr>
+            <a:r>
+              <a:rPr lang="en" sz="1400">
+                <a:solidFill>
+                  <a:srgbClr val="000000"/>
+                </a:solidFill>
+                <a:latin typeface="Times New Roman"/>
+                <a:ea typeface="Times New Roman"/>
+                <a:cs typeface="Times New Roman"/>
+                <a:sym typeface="Times New Roman"/>
+              </a:rPr>
+              <a:t>We tested the correlation between the GAS price and total ridership. </a:t>
+            </a:r>
+            <a:endParaRPr sz="1400">
+              <a:solidFill>
+                <a:srgbClr val="000000"/>
+              </a:solidFill>
+              <a:latin typeface="Times New Roman"/>
+              <a:ea typeface="Times New Roman"/>
+              <a:cs typeface="Times New Roman"/>
+              <a:sym typeface="Times New Roman"/>
+            </a:endParaRPr>
+          </a:p>
+          <a:p>
+            <a:pPr indent="-317500" lvl="0" marL="457200" rtl="0" algn="l">
+              <a:lnSpc>
+                <a:spcPct val="115000"/>
+              </a:lnSpc>
+              <a:spcBef>
+                <a:spcPts val="0"/>
+              </a:spcBef>
+              <a:spcAft>
+                <a:spcPts val="0"/>
+              </a:spcAft>
+              <a:buClr>
+                <a:srgbClr val="000000"/>
+              </a:buClr>
+              <a:buSzPts val="1400"/>
+              <a:buFont typeface="Times New Roman"/>
+              <a:buChar char="●"/>
+            </a:pPr>
+            <a:r>
+              <a:rPr lang="en" sz="1400">
+                <a:solidFill>
+                  <a:srgbClr val="000000"/>
+                </a:solidFill>
+                <a:latin typeface="Times New Roman"/>
+                <a:ea typeface="Times New Roman"/>
+                <a:cs typeface="Times New Roman"/>
+                <a:sym typeface="Times New Roman"/>
+              </a:rPr>
+              <a:t>It turned out to be a mere </a:t>
+            </a:r>
+            <a:r>
+              <a:rPr b="1" lang="en" sz="1400">
+                <a:solidFill>
+                  <a:srgbClr val="000000"/>
+                </a:solidFill>
+                <a:latin typeface="Times New Roman"/>
+                <a:ea typeface="Times New Roman"/>
+                <a:cs typeface="Times New Roman"/>
+                <a:sym typeface="Times New Roman"/>
+              </a:rPr>
+              <a:t>0.095</a:t>
+            </a:r>
+            <a:r>
+              <a:rPr lang="en" sz="1400">
+                <a:solidFill>
+                  <a:srgbClr val="000000"/>
+                </a:solidFill>
+                <a:latin typeface="Times New Roman"/>
+                <a:ea typeface="Times New Roman"/>
+                <a:cs typeface="Times New Roman"/>
+                <a:sym typeface="Times New Roman"/>
+              </a:rPr>
+              <a:t>. </a:t>
+            </a:r>
+            <a:endParaRPr sz="1400">
+              <a:solidFill>
+                <a:srgbClr val="000000"/>
+              </a:solidFill>
+              <a:latin typeface="Times New Roman"/>
+              <a:ea typeface="Times New Roman"/>
+              <a:cs typeface="Times New Roman"/>
+              <a:sym typeface="Times New Roman"/>
+            </a:endParaRPr>
+          </a:p>
+          <a:p>
+            <a:pPr indent="-317500" lvl="0" marL="457200" rtl="0" algn="l">
+              <a:lnSpc>
+                <a:spcPct val="115000"/>
+              </a:lnSpc>
+              <a:spcBef>
+                <a:spcPts val="0"/>
+              </a:spcBef>
+              <a:spcAft>
+                <a:spcPts val="0"/>
+              </a:spcAft>
+              <a:buClr>
+                <a:srgbClr val="000000"/>
+              </a:buClr>
+              <a:buSzPts val="1400"/>
+              <a:buFont typeface="Times New Roman"/>
+              <a:buChar char="●"/>
+            </a:pPr>
+            <a:r>
+              <a:rPr lang="en" sz="1400">
+                <a:solidFill>
+                  <a:srgbClr val="000000"/>
+                </a:solidFill>
+                <a:latin typeface="Times New Roman"/>
+                <a:ea typeface="Times New Roman"/>
+                <a:cs typeface="Times New Roman"/>
+                <a:sym typeface="Times New Roman"/>
+              </a:rPr>
+              <a:t>Ridership is not correlated to GAS prices</a:t>
+            </a:r>
+            <a:endParaRPr sz="1400">
+              <a:solidFill>
+                <a:srgbClr val="000000"/>
+              </a:solidFill>
+              <a:latin typeface="Times New Roman"/>
+              <a:ea typeface="Times New Roman"/>
+              <a:cs typeface="Times New Roman"/>
+              <a:sym typeface="Times New Roman"/>
+            </a:endParaRPr>
+          </a:p>
+          <a:p>
+            <a:pPr indent="0" lvl="0" marL="0" rtl="0" algn="l">
+              <a:lnSpc>
+                <a:spcPct val="115000"/>
+              </a:lnSpc>
+              <a:spcBef>
+                <a:spcPts val="0"/>
+              </a:spcBef>
+              <a:spcAft>
+                <a:spcPts val="0"/>
+              </a:spcAft>
+              <a:buNone/>
+            </a:pPr>
+            <a:r>
+              <a:t/>
+            </a:r>
+            <a:endParaRPr sz="1400">
+              <a:solidFill>
+                <a:srgbClr val="000000"/>
+              </a:solidFill>
+              <a:latin typeface="Times New Roman"/>
+              <a:ea typeface="Times New Roman"/>
+              <a:cs typeface="Times New Roman"/>
+              <a:sym typeface="Times New Roman"/>
+            </a:endParaRPr>
+          </a:p>
+          <a:p>
+            <a:pPr indent="0" lvl="0" marL="0" rtl="0" algn="l">
+              <a:lnSpc>
+                <a:spcPct val="115000"/>
+              </a:lnSpc>
+              <a:spcBef>
+                <a:spcPts val="0"/>
+              </a:spcBef>
+              <a:spcAft>
+                <a:spcPts val="0"/>
+              </a:spcAft>
+              <a:buNone/>
+            </a:pPr>
+            <a:r>
+              <a:t/>
+            </a:r>
+            <a:endParaRPr sz="1400">
+              <a:solidFill>
+                <a:srgbClr val="000000"/>
+              </a:solidFill>
+              <a:latin typeface="Times New Roman"/>
+              <a:ea typeface="Times New Roman"/>
+              <a:cs typeface="Times New Roman"/>
+              <a:sym typeface="Times New Roman"/>
+            </a:endParaRPr>
+          </a:p>
+          <a:p>
+            <a:pPr indent="0" lvl="0" marL="0" rtl="0" algn="l">
+              <a:lnSpc>
+                <a:spcPct val="115000"/>
+              </a:lnSpc>
+              <a:spcBef>
+                <a:spcPts val="0"/>
+              </a:spcBef>
+              <a:spcAft>
+                <a:spcPts val="0"/>
+              </a:spcAft>
+              <a:buNone/>
+            </a:pPr>
+            <a:r>
+              <a:rPr lang="en" sz="1100">
+                <a:solidFill>
+                  <a:srgbClr val="000000"/>
+                </a:solidFill>
+                <a:latin typeface="Arial"/>
+                <a:ea typeface="Arial"/>
+                <a:cs typeface="Arial"/>
+                <a:sym typeface="Arial"/>
+              </a:rPr>
+              <a:t>This hypothesis is taken from the official CTA annual reports : </a:t>
+            </a:r>
+            <a:r>
+              <a:rPr b="1" lang="en" sz="1100" u="sng">
+                <a:solidFill>
+                  <a:srgbClr val="1155CC"/>
+                </a:solidFill>
+                <a:latin typeface="Arial"/>
+                <a:ea typeface="Arial"/>
+                <a:cs typeface="Arial"/>
+                <a:sym typeface="Arial"/>
+                <a:hlinkClick r:id="rId3"/>
+              </a:rPr>
+              <a:t>https://www.transitchicago.com/ridership/</a:t>
+            </a:r>
+            <a:endParaRPr sz="1100">
+              <a:solidFill>
+                <a:srgbClr val="000000"/>
+              </a:solidFill>
+              <a:latin typeface="Arial"/>
+              <a:ea typeface="Arial"/>
+              <a:cs typeface="Arial"/>
+              <a:sym typeface="Arial"/>
+            </a:endParaRPr>
+          </a:p>
+          <a:p>
+            <a:pPr indent="0" lvl="0" marL="0" rtl="0" algn="l">
+              <a:lnSpc>
+                <a:spcPct val="115000"/>
+              </a:lnSpc>
+              <a:spcBef>
+                <a:spcPts val="0"/>
+              </a:spcBef>
+              <a:spcAft>
+                <a:spcPts val="0"/>
+              </a:spcAft>
+              <a:buNone/>
+            </a:pPr>
+            <a:r>
+              <a:t/>
+            </a:r>
+            <a:endParaRPr sz="1400">
+              <a:solidFill>
+                <a:srgbClr val="000000"/>
+              </a:solidFill>
+              <a:latin typeface="Times New Roman"/>
+              <a:ea typeface="Times New Roman"/>
+              <a:cs typeface="Times New Roman"/>
+              <a:sym typeface="Times New Roman"/>
+            </a:endParaRPr>
+          </a:p>
+        </p:txBody>
+      </p:sp>
+    </p:spTree>
+  </p:cSld>
+  <p:clrMapOvr>
+    <a:masterClrMapping/>
+  </p:clrMapOvr>
+</p:sld>
+</file>
+
+<file path=ppt/slides/slide14.xml><?xml version="1.0" encoding="utf-8"?>
+<p:sld xmlns:a="http://schemas.openxmlformats.org/drawingml/2006/main" xmlns:r="http://schemas.openxmlformats.org/officeDocument/2006/relationships" xmlns:mc="http://schemas.openxmlformats.org/markup-compatibility/2006" xmlns:mv="urn:schemas-microsoft-com:mac:vml" xmlns:p="http://schemas.openxmlformats.org/presentationml/2006/main" xmlns:c="http://schemas.openxmlformats.org/drawingml/2006/chart" xmlns:dgm="http://schemas.openxmlformats.org/drawingml/2006/diagram" xmlns:o="urn:schemas-microsoft-com:office:office" xmlns:v="urn:schemas-microsoft-com:vml" xmlns:pvml="urn:schemas-microsoft-com:office:powerpoint" xmlns:com="http://schemas.openxmlformats.org/drawingml/2006/compatibility" xmlns:p14="http://schemas.microsoft.com/office/powerpoint/2010/main" xmlns:p15="http://schemas.microsoft.com/office/powerpoint/2012/main">
+  <p:cSld>
+    <p:spTree>
+      <p:nvGrpSpPr>
+        <p:cNvPr id="238" name="Shape 238"/>
+        <p:cNvGrpSpPr/>
+        <p:nvPr/>
+      </p:nvGrpSpPr>
+      <p:grpSpPr>
+        <a:xfrm>
+          <a:off x="0" y="0"/>
+          <a:ext cx="0" cy="0"/>
+          <a:chOff x="0" y="0"/>
+          <a:chExt cx="0" cy="0"/>
+        </a:xfrm>
+      </p:grpSpPr>
+      <p:sp>
+        <p:nvSpPr>
+          <p:cNvPr id="239" name="Google Shape;239;p26"/>
+          <p:cNvSpPr txBox="1"/>
+          <p:nvPr>
+            <p:ph type="ctrTitle"/>
+          </p:nvPr>
+        </p:nvSpPr>
+        <p:spPr>
+          <a:xfrm>
+            <a:off x="729450" y="1322450"/>
+            <a:ext cx="7688100" cy="1664700"/>
+          </a:xfrm>
+          <a:prstGeom prst="rect">
+            <a:avLst/>
+          </a:prstGeom>
+        </p:spPr>
+        <p:txBody>
+          <a:bodyPr anchorCtr="0" anchor="t" bIns="91425" lIns="91425" spcFirstLastPara="1" rIns="91425" wrap="square" tIns="91425">
+            <a:noAutofit/>
+          </a:bodyPr>
+          <a:lstStyle/>
+          <a:p>
+            <a:pPr indent="0" lvl="0" marL="0" rtl="0" algn="l">
+              <a:spcBef>
+                <a:spcPts val="0"/>
+              </a:spcBef>
+              <a:spcAft>
+                <a:spcPts val="0"/>
+              </a:spcAft>
+              <a:buNone/>
+            </a:pPr>
+            <a:r>
+              <a:rPr lang="en"/>
+              <a:t>Visualizations</a:t>
+            </a:r>
+            <a:endParaRPr/>
+          </a:p>
+          <a:p>
+            <a:pPr indent="0" lvl="0" marL="0" rtl="0" algn="l">
+              <a:spcBef>
+                <a:spcPts val="0"/>
+              </a:spcBef>
+              <a:spcAft>
+                <a:spcPts val="0"/>
+              </a:spcAft>
+              <a:buNone/>
+            </a:pPr>
+            <a:r>
+              <a:t/>
+            </a:r>
+            <a:endParaRPr/>
+          </a:p>
+        </p:txBody>
+      </p:sp>
+      <p:sp>
+        <p:nvSpPr>
+          <p:cNvPr id="240" name="Google Shape;240;p26"/>
+          <p:cNvSpPr txBox="1"/>
+          <p:nvPr>
+            <p:ph idx="1" type="subTitle"/>
+          </p:nvPr>
+        </p:nvSpPr>
+        <p:spPr>
+          <a:xfrm>
+            <a:off x="729627" y="3172900"/>
+            <a:ext cx="7688100" cy="541200"/>
+          </a:xfrm>
+          <a:prstGeom prst="rect">
+            <a:avLst/>
+          </a:prstGeom>
+        </p:spPr>
+        <p:txBody>
+          <a:bodyPr anchorCtr="0" anchor="t" bIns="91425" lIns="91425" spcFirstLastPara="1" rIns="91425" wrap="square" tIns="91425">
+            <a:noAutofit/>
+          </a:bodyPr>
+          <a:lstStyle/>
+          <a:p>
             <a:pPr indent="0" lvl="0" marL="0" rtl="0" algn="l">
               <a:spcBef>
                 <a:spcPts val="0"/>
@@ -11852,7 +12909,7 @@
       </p:sp>
       <p:pic>
         <p:nvPicPr>
-          <p:cNvPr id="232" name="Google Shape;232;p25"/>
+          <p:cNvPr id="241" name="Google Shape;241;p26"/>
           <p:cNvPicPr preferRelativeResize="0"/>
           <p:nvPr/>
         </p:nvPicPr>
@@ -11866,8 +12923,8 @@
         </p:blipFill>
         <p:spPr>
           <a:xfrm>
-            <a:off x="3742050" y="2353225"/>
-            <a:ext cx="4543925" cy="2740150"/>
+            <a:off x="0" y="449825"/>
+            <a:ext cx="9143999" cy="4693675"/>
           </a:xfrm>
           <a:prstGeom prst="rect">
             <a:avLst/>
@@ -11886,12 +12943,12 @@
 </p:sld>
 </file>
 
-<file path=ppt/slides/slide14.xml><?xml version="1.0" encoding="utf-8"?>
+<file path=ppt/slides/slide15.xml><?xml version="1.0" encoding="utf-8"?>
 <p:sld xmlns:a="http://schemas.openxmlformats.org/drawingml/2006/main" xmlns:r="http://schemas.openxmlformats.org/officeDocument/2006/relationships" xmlns:mc="http://schemas.openxmlformats.org/markup-compatibility/2006" xmlns:mv="urn:schemas-microsoft-com:mac:vml" xmlns:p="http://schemas.openxmlformats.org/presentationml/2006/main" xmlns:c="http://schemas.openxmlformats.org/drawingml/2006/chart" xmlns:dgm="http://schemas.openxmlformats.org/drawingml/2006/diagram" xmlns:o="urn:schemas-microsoft-com:office:office" xmlns:v="urn:schemas-microsoft-com:vml" xmlns:pvml="urn:schemas-microsoft-com:office:powerpoint" xmlns:com="http://schemas.openxmlformats.org/drawingml/2006/compatibility" xmlns:p14="http://schemas.microsoft.com/office/powerpoint/2010/main" xmlns:p15="http://schemas.microsoft.com/office/powerpoint/2012/main">
   <p:cSld>
     <p:spTree>
       <p:nvGrpSpPr>
-        <p:cNvPr id="236" name="Shape 236"/>
+        <p:cNvPr id="245" name="Shape 245"/>
         <p:cNvGrpSpPr/>
         <p:nvPr/>
       </p:nvGrpSpPr>
@@ -11905,7 +12962,207 @@
       </p:grpSpPr>
       <p:sp>
         <p:nvSpPr>
-          <p:cNvPr id="237" name="Google Shape;237;p26"/>
+          <p:cNvPr id="246" name="Google Shape;246;p27"/>
+          <p:cNvSpPr txBox="1"/>
+          <p:nvPr>
+            <p:ph type="ctrTitle"/>
+          </p:nvPr>
+        </p:nvSpPr>
+        <p:spPr>
+          <a:xfrm>
+            <a:off x="216175" y="392125"/>
+            <a:ext cx="7688100" cy="731400"/>
+          </a:xfrm>
+          <a:prstGeom prst="rect">
+            <a:avLst/>
+          </a:prstGeom>
+        </p:spPr>
+        <p:txBody>
+          <a:bodyPr anchorCtr="0" anchor="t" bIns="91425" lIns="91425" spcFirstLastPara="1" rIns="91425" wrap="square" tIns="91425">
+            <a:noAutofit/>
+          </a:bodyPr>
+          <a:lstStyle/>
+          <a:p>
+            <a:pPr indent="0" lvl="0" marL="0" rtl="0" algn="l">
+              <a:spcBef>
+                <a:spcPts val="0"/>
+              </a:spcBef>
+              <a:spcAft>
+                <a:spcPts val="0"/>
+              </a:spcAft>
+              <a:buNone/>
+            </a:pPr>
+            <a:r>
+              <a:rPr lang="en"/>
+              <a:t>Insights</a:t>
+            </a:r>
+            <a:endParaRPr/>
+          </a:p>
+        </p:txBody>
+      </p:sp>
+      <p:sp>
+        <p:nvSpPr>
+          <p:cNvPr id="247" name="Google Shape;247;p27"/>
+          <p:cNvSpPr txBox="1"/>
+          <p:nvPr>
+            <p:ph idx="1" type="subTitle"/>
+          </p:nvPr>
+        </p:nvSpPr>
+        <p:spPr>
+          <a:xfrm>
+            <a:off x="267575" y="1476375"/>
+            <a:ext cx="3197400" cy="3304200"/>
+          </a:xfrm>
+          <a:prstGeom prst="rect">
+            <a:avLst/>
+          </a:prstGeom>
+        </p:spPr>
+        <p:txBody>
+          <a:bodyPr anchorCtr="0" anchor="t" bIns="91425" lIns="91425" spcFirstLastPara="1" rIns="91425" wrap="square" tIns="91425">
+            <a:noAutofit/>
+          </a:bodyPr>
+          <a:lstStyle/>
+          <a:p>
+            <a:pPr indent="0" lvl="0" marL="0" rtl="0" algn="l">
+              <a:spcBef>
+                <a:spcPts val="0"/>
+              </a:spcBef>
+              <a:spcAft>
+                <a:spcPts val="0"/>
+              </a:spcAft>
+              <a:buNone/>
+            </a:pPr>
+            <a:r>
+              <a:rPr lang="en"/>
+              <a:t>Train</a:t>
+            </a:r>
+            <a:endParaRPr/>
+          </a:p>
+          <a:p>
+            <a:pPr indent="0" lvl="0" marL="0" rtl="0" algn="l">
+              <a:spcBef>
+                <a:spcPts val="0"/>
+              </a:spcBef>
+              <a:spcAft>
+                <a:spcPts val="0"/>
+              </a:spcAft>
+              <a:buNone/>
+            </a:pPr>
+            <a:r>
+              <a:t/>
+            </a:r>
+            <a:endParaRPr/>
+          </a:p>
+          <a:p>
+            <a:pPr indent="-317500" lvl="0" marL="457200" rtl="0" algn="l">
+              <a:spcBef>
+                <a:spcPts val="0"/>
+              </a:spcBef>
+              <a:spcAft>
+                <a:spcPts val="0"/>
+              </a:spcAft>
+              <a:buClr>
+                <a:srgbClr val="000000"/>
+              </a:buClr>
+              <a:buSzPts val="1400"/>
+              <a:buFont typeface="Times New Roman"/>
+              <a:buChar char="●"/>
+            </a:pPr>
+            <a:r>
+              <a:rPr lang="en" sz="1400">
+                <a:solidFill>
+                  <a:srgbClr val="000000"/>
+                </a:solidFill>
+                <a:latin typeface="Times New Roman"/>
+                <a:ea typeface="Times New Roman"/>
+                <a:cs typeface="Times New Roman"/>
+                <a:sym typeface="Times New Roman"/>
+              </a:rPr>
+              <a:t>The CTA train ridership has plummeted not just on weekends due to office holidays but also on weekdays over the past 4 years</a:t>
+            </a:r>
+            <a:endParaRPr sz="1400">
+              <a:solidFill>
+                <a:srgbClr val="000000"/>
+              </a:solidFill>
+              <a:latin typeface="Times New Roman"/>
+              <a:ea typeface="Times New Roman"/>
+              <a:cs typeface="Times New Roman"/>
+              <a:sym typeface="Times New Roman"/>
+            </a:endParaRPr>
+          </a:p>
+          <a:p>
+            <a:pPr indent="0" lvl="0" marL="0" rtl="0" algn="l">
+              <a:spcBef>
+                <a:spcPts val="0"/>
+              </a:spcBef>
+              <a:spcAft>
+                <a:spcPts val="0"/>
+              </a:spcAft>
+              <a:buNone/>
+            </a:pPr>
+            <a:r>
+              <a:t/>
+            </a:r>
+            <a:endParaRPr/>
+          </a:p>
+        </p:txBody>
+      </p:sp>
+      <p:pic>
+        <p:nvPicPr>
+          <p:cNvPr id="248" name="Google Shape;248;p27"/>
+          <p:cNvPicPr preferRelativeResize="0"/>
+          <p:nvPr/>
+        </p:nvPicPr>
+        <p:blipFill>
+          <a:blip r:embed="rId3">
+            <a:alphaModFix/>
+          </a:blip>
+          <a:stretch>
+            <a:fillRect/>
+          </a:stretch>
+        </p:blipFill>
+        <p:spPr>
+          <a:xfrm>
+            <a:off x="3709975" y="1925500"/>
+            <a:ext cx="4734492" cy="2855075"/>
+          </a:xfrm>
+          <a:prstGeom prst="rect">
+            <a:avLst/>
+          </a:prstGeom>
+          <a:noFill/>
+          <a:ln>
+            <a:noFill/>
+          </a:ln>
+        </p:spPr>
+      </p:pic>
+    </p:spTree>
+  </p:cSld>
+  <p:clrMapOvr>
+    <a:masterClrMapping/>
+  </p:clrMapOvr>
+</p:sld>
+</file>
+
+<file path=ppt/slides/slide16.xml><?xml version="1.0" encoding="utf-8"?>
+<p:sld xmlns:a="http://schemas.openxmlformats.org/drawingml/2006/main" xmlns:r="http://schemas.openxmlformats.org/officeDocument/2006/relationships" xmlns:mc="http://schemas.openxmlformats.org/markup-compatibility/2006" xmlns:mv="urn:schemas-microsoft-com:mac:vml" xmlns:p="http://schemas.openxmlformats.org/presentationml/2006/main" xmlns:c="http://schemas.openxmlformats.org/drawingml/2006/chart" xmlns:dgm="http://schemas.openxmlformats.org/drawingml/2006/diagram" xmlns:o="urn:schemas-microsoft-com:office:office" xmlns:v="urn:schemas-microsoft-com:vml" xmlns:pvml="urn:schemas-microsoft-com:office:powerpoint" xmlns:com="http://schemas.openxmlformats.org/drawingml/2006/compatibility" xmlns:p14="http://schemas.microsoft.com/office/powerpoint/2010/main" xmlns:p15="http://schemas.microsoft.com/office/powerpoint/2012/main">
+  <p:cSld>
+    <p:spTree>
+      <p:nvGrpSpPr>
+        <p:cNvPr id="252" name="Shape 252"/>
+        <p:cNvGrpSpPr/>
+        <p:nvPr/>
+      </p:nvGrpSpPr>
+      <p:grpSpPr>
+        <a:xfrm>
+          <a:off x="0" y="0"/>
+          <a:ext cx="0" cy="0"/>
+          <a:chOff x="0" y="0"/>
+          <a:chExt cx="0" cy="0"/>
+        </a:xfrm>
+      </p:grpSpPr>
+      <p:sp>
+        <p:nvSpPr>
+          <p:cNvPr id="253" name="Google Shape;253;p28"/>
           <p:cNvSpPr txBox="1"/>
           <p:nvPr>
             <p:ph type="ctrTitle"/>
@@ -11944,7 +13201,7 @@
       </p:sp>
       <p:sp>
         <p:nvSpPr>
-          <p:cNvPr id="238" name="Google Shape;238;p26"/>
+          <p:cNvPr id="254" name="Google Shape;254;p28"/>
           <p:cNvSpPr txBox="1"/>
           <p:nvPr>
             <p:ph idx="1" type="subTitle"/>
@@ -11983,7 +13240,7 @@
       </p:sp>
       <p:pic>
         <p:nvPicPr>
-          <p:cNvPr id="239" name="Google Shape;239;p26" title="animation.mp4">
+          <p:cNvPr id="255" name="Google Shape;255;p28" title="animation.mp4">
             <a:hlinkClick r:id="rId3"/>
           </p:cNvPr>
           <p:cNvPicPr preferRelativeResize="0"/>
@@ -12013,7 +13270,7 @@
       </p:pic>
       <p:sp>
         <p:nvSpPr>
-          <p:cNvPr id="240" name="Google Shape;240;p26"/>
+          <p:cNvPr id="256" name="Google Shape;256;p28"/>
           <p:cNvSpPr txBox="1"/>
           <p:nvPr/>
         </p:nvSpPr>
@@ -12059,7 +13316,7 @@
       </p:sp>
       <p:sp>
         <p:nvSpPr>
-          <p:cNvPr id="241" name="Google Shape;241;p26"/>
+          <p:cNvPr id="257" name="Google Shape;257;p28"/>
           <p:cNvSpPr txBox="1"/>
           <p:nvPr/>
         </p:nvSpPr>
@@ -12105,7 +13362,7 @@
       </p:sp>
       <p:sp>
         <p:nvSpPr>
-          <p:cNvPr id="242" name="Google Shape;242;p26"/>
+          <p:cNvPr id="258" name="Google Shape;258;p28"/>
           <p:cNvSpPr txBox="1"/>
           <p:nvPr/>
         </p:nvSpPr>
@@ -12163,12 +13420,12 @@
 </p:sld>
 </file>
 
-<file path=ppt/slides/slide15.xml><?xml version="1.0" encoding="utf-8"?>
+<file path=ppt/slides/slide17.xml><?xml version="1.0" encoding="utf-8"?>
 <p:sld xmlns:a="http://schemas.openxmlformats.org/drawingml/2006/main" xmlns:r="http://schemas.openxmlformats.org/officeDocument/2006/relationships" xmlns:mc="http://schemas.openxmlformats.org/markup-compatibility/2006" xmlns:mv="urn:schemas-microsoft-com:mac:vml" xmlns:p="http://schemas.openxmlformats.org/presentationml/2006/main" xmlns:c="http://schemas.openxmlformats.org/drawingml/2006/chart" xmlns:dgm="http://schemas.openxmlformats.org/drawingml/2006/diagram" xmlns:o="urn:schemas-microsoft-com:office:office" xmlns:v="urn:schemas-microsoft-com:vml" xmlns:pvml="urn:schemas-microsoft-com:office:powerpoint" xmlns:com="http://schemas.openxmlformats.org/drawingml/2006/compatibility" xmlns:p14="http://schemas.microsoft.com/office/powerpoint/2010/main" xmlns:p15="http://schemas.microsoft.com/office/powerpoint/2012/main">
   <p:cSld>
     <p:spTree>
       <p:nvGrpSpPr>
-        <p:cNvPr id="246" name="Shape 246"/>
+        <p:cNvPr id="262" name="Shape 262"/>
         <p:cNvGrpSpPr/>
         <p:nvPr/>
       </p:nvGrpSpPr>
@@ -12182,7 +13439,7 @@
       </p:grpSpPr>
       <p:sp>
         <p:nvSpPr>
-          <p:cNvPr id="247" name="Google Shape;247;p27"/>
+          <p:cNvPr id="263" name="Google Shape;263;p29"/>
           <p:cNvSpPr txBox="1"/>
           <p:nvPr>
             <p:ph type="ctrTitle"/>
@@ -12230,7 +13487,7 @@
       </p:sp>
       <p:sp>
         <p:nvSpPr>
-          <p:cNvPr id="248" name="Google Shape;248;p27"/>
+          <p:cNvPr id="264" name="Google Shape;264;p29"/>
           <p:cNvSpPr txBox="1"/>
           <p:nvPr>
             <p:ph idx="1" type="subTitle"/>
@@ -12584,7 +13841,7 @@
       </p:sp>
       <p:sp>
         <p:nvSpPr>
-          <p:cNvPr id="249" name="Google Shape;249;p27"/>
+          <p:cNvPr id="265" name="Google Shape;265;p29"/>
           <p:cNvSpPr txBox="1"/>
           <p:nvPr/>
         </p:nvSpPr>
@@ -12651,7 +13908,7 @@
 </p:sld>
 </file>
 
-<file path=ppt/slides/slide16.xml><?xml version="1.0" encoding="utf-8"?>
+<file path=ppt/slides/slide18.xml><?xml version="1.0" encoding="utf-8"?>
 <p:sld xmlns:a="http://schemas.openxmlformats.org/drawingml/2006/main" xmlns:r="http://schemas.openxmlformats.org/officeDocument/2006/relationships" xmlns:mc="http://schemas.openxmlformats.org/markup-compatibility/2006" xmlns:mv="urn:schemas-microsoft-com:mac:vml" xmlns:p="http://schemas.openxmlformats.org/presentationml/2006/main" xmlns:c="http://schemas.openxmlformats.org/drawingml/2006/chart" xmlns:dgm="http://schemas.openxmlformats.org/drawingml/2006/diagram" xmlns:o="urn:schemas-microsoft-com:office:office" xmlns:v="urn:schemas-microsoft-com:vml" xmlns:pvml="urn:schemas-microsoft-com:office:powerpoint" xmlns:com="http://schemas.openxmlformats.org/drawingml/2006/compatibility" xmlns:p14="http://schemas.microsoft.com/office/powerpoint/2010/main" xmlns:p15="http://schemas.microsoft.com/office/powerpoint/2012/main">
   <p:cSld>
     <p:bg>
@@ -12663,7 +13920,7 @@
     </p:bg>
     <p:spTree>
       <p:nvGrpSpPr>
-        <p:cNvPr id="253" name="Shape 253"/>
+        <p:cNvPr id="269" name="Shape 269"/>
         <p:cNvGrpSpPr/>
         <p:nvPr/>
       </p:nvGrpSpPr>
@@ -12677,7 +13934,7 @@
       </p:grpSpPr>
       <p:pic>
         <p:nvPicPr>
-          <p:cNvPr id="254" name="Google Shape;254;p28"/>
+          <p:cNvPr id="270" name="Google Shape;270;p30"/>
           <p:cNvPicPr preferRelativeResize="0"/>
           <p:nvPr/>
         </p:nvPicPr>
@@ -12705,7 +13962,7 @@
       </p:pic>
       <p:sp>
         <p:nvSpPr>
-          <p:cNvPr id="255" name="Google Shape;255;p28"/>
+          <p:cNvPr id="271" name="Google Shape;271;p30"/>
           <p:cNvSpPr txBox="1"/>
           <p:nvPr/>
         </p:nvSpPr>
@@ -12813,12 +14070,12 @@
 </p:sld>
 </file>
 
-<file path=ppt/slides/slide17.xml><?xml version="1.0" encoding="utf-8"?>
+<file path=ppt/slides/slide19.xml><?xml version="1.0" encoding="utf-8"?>
 <p:sld xmlns:a="http://schemas.openxmlformats.org/drawingml/2006/main" xmlns:r="http://schemas.openxmlformats.org/officeDocument/2006/relationships" xmlns:mc="http://schemas.openxmlformats.org/markup-compatibility/2006" xmlns:mv="urn:schemas-microsoft-com:mac:vml" xmlns:p="http://schemas.openxmlformats.org/presentationml/2006/main" xmlns:c="http://schemas.openxmlformats.org/drawingml/2006/chart" xmlns:dgm="http://schemas.openxmlformats.org/drawingml/2006/diagram" xmlns:o="urn:schemas-microsoft-com:office:office" xmlns:v="urn:schemas-microsoft-com:vml" xmlns:pvml="urn:schemas-microsoft-com:office:powerpoint" xmlns:com="http://schemas.openxmlformats.org/drawingml/2006/compatibility" xmlns:p14="http://schemas.microsoft.com/office/powerpoint/2010/main" xmlns:p15="http://schemas.microsoft.com/office/powerpoint/2012/main">
   <p:cSld>
     <p:spTree>
       <p:nvGrpSpPr>
-        <p:cNvPr id="259" name="Shape 259"/>
+        <p:cNvPr id="275" name="Shape 275"/>
         <p:cNvGrpSpPr/>
         <p:nvPr/>
       </p:nvGrpSpPr>
@@ -12832,7 +14089,7 @@
       </p:grpSpPr>
       <p:sp>
         <p:nvSpPr>
-          <p:cNvPr id="260" name="Google Shape;260;p29"/>
+          <p:cNvPr id="276" name="Google Shape;276;p31"/>
           <p:cNvSpPr txBox="1"/>
           <p:nvPr>
             <p:ph type="ctrTitle"/>
@@ -12840,8 +14097,8 @@
         </p:nvSpPr>
         <p:spPr>
           <a:xfrm>
-            <a:off x="0" y="360075"/>
-            <a:ext cx="7688100" cy="856800"/>
+            <a:off x="77150" y="488350"/>
+            <a:ext cx="8702400" cy="774300"/>
           </a:xfrm>
           <a:prstGeom prst="rect">
             <a:avLst/>
@@ -12853,505 +14110,6 @@
           </a:bodyPr>
           <a:lstStyle/>
           <a:p>
-            <a:pPr indent="0" lvl="0" marL="457200" rtl="0" algn="l">
-              <a:spcBef>
-                <a:spcPts val="0"/>
-              </a:spcBef>
-              <a:spcAft>
-                <a:spcPts val="0"/>
-              </a:spcAft>
-              <a:buNone/>
-            </a:pPr>
-            <a:r>
-              <a:rPr lang="en"/>
-              <a:t>Insights</a:t>
-            </a:r>
-            <a:endParaRPr/>
-          </a:p>
-        </p:txBody>
-      </p:sp>
-      <p:sp>
-        <p:nvSpPr>
-          <p:cNvPr id="261" name="Google Shape;261;p29"/>
-          <p:cNvSpPr txBox="1"/>
-          <p:nvPr>
-            <p:ph idx="1" type="subTitle"/>
-          </p:nvPr>
-        </p:nvSpPr>
-        <p:spPr>
-          <a:xfrm>
-            <a:off x="321725" y="1551225"/>
-            <a:ext cx="7707600" cy="3118800"/>
-          </a:xfrm>
-          <a:prstGeom prst="rect">
-            <a:avLst/>
-          </a:prstGeom>
-        </p:spPr>
-        <p:txBody>
-          <a:bodyPr anchorCtr="0" anchor="t" bIns="91425" lIns="91425" spcFirstLastPara="1" rIns="91425" wrap="square" tIns="91425">
-            <a:noAutofit/>
-          </a:bodyPr>
-          <a:lstStyle/>
-          <a:p>
-            <a:pPr indent="0" lvl="0" marL="0" rtl="0" algn="l">
-              <a:lnSpc>
-                <a:spcPct val="115000"/>
-              </a:lnSpc>
-              <a:spcBef>
-                <a:spcPts val="0"/>
-              </a:spcBef>
-              <a:spcAft>
-                <a:spcPts val="0"/>
-              </a:spcAft>
-              <a:buNone/>
-            </a:pPr>
-            <a:r>
-              <a:rPr lang="en">
-                <a:solidFill>
-                  <a:srgbClr val="000000"/>
-                </a:solidFill>
-                <a:latin typeface="Times New Roman"/>
-                <a:ea typeface="Times New Roman"/>
-                <a:cs typeface="Times New Roman"/>
-                <a:sym typeface="Times New Roman"/>
-              </a:rPr>
-              <a:t>Hypothesis</a:t>
-            </a:r>
-            <a:endParaRPr b="1">
-              <a:solidFill>
-                <a:srgbClr val="000000"/>
-              </a:solidFill>
-              <a:latin typeface="Times New Roman"/>
-              <a:ea typeface="Times New Roman"/>
-              <a:cs typeface="Times New Roman"/>
-              <a:sym typeface="Times New Roman"/>
-            </a:endParaRPr>
-          </a:p>
-          <a:p>
-            <a:pPr indent="0" lvl="0" marL="457200" rtl="0" algn="l">
-              <a:lnSpc>
-                <a:spcPct val="115000"/>
-              </a:lnSpc>
-              <a:spcBef>
-                <a:spcPts val="0"/>
-              </a:spcBef>
-              <a:spcAft>
-                <a:spcPts val="0"/>
-              </a:spcAft>
-              <a:buNone/>
-            </a:pPr>
-            <a:r>
-              <a:t/>
-            </a:r>
-            <a:endParaRPr>
-              <a:solidFill>
-                <a:srgbClr val="000000"/>
-              </a:solidFill>
-              <a:latin typeface="Times New Roman"/>
-              <a:ea typeface="Times New Roman"/>
-              <a:cs typeface="Times New Roman"/>
-              <a:sym typeface="Times New Roman"/>
-            </a:endParaRPr>
-          </a:p>
-          <a:p>
-            <a:pPr indent="-330200" lvl="0" marL="457200" rtl="0" algn="l">
-              <a:lnSpc>
-                <a:spcPct val="115000"/>
-              </a:lnSpc>
-              <a:spcBef>
-                <a:spcPts val="0"/>
-              </a:spcBef>
-              <a:spcAft>
-                <a:spcPts val="0"/>
-              </a:spcAft>
-              <a:buClr>
-                <a:srgbClr val="000000"/>
-              </a:buClr>
-              <a:buSzPts val="1600"/>
-              <a:buFont typeface="Times New Roman"/>
-              <a:buChar char="➔"/>
-            </a:pPr>
-            <a:r>
-              <a:rPr lang="en">
-                <a:solidFill>
-                  <a:srgbClr val="000000"/>
-                </a:solidFill>
-                <a:latin typeface="Times New Roman"/>
-                <a:ea typeface="Times New Roman"/>
-                <a:cs typeface="Times New Roman"/>
-                <a:sym typeface="Times New Roman"/>
-              </a:rPr>
-              <a:t>In many of the CTA annual reports, it is stated that the ridership declined at some points due to decrease in GAS prices. </a:t>
-            </a:r>
-            <a:endParaRPr>
-              <a:solidFill>
-                <a:srgbClr val="000000"/>
-              </a:solidFill>
-              <a:latin typeface="Times New Roman"/>
-              <a:ea typeface="Times New Roman"/>
-              <a:cs typeface="Times New Roman"/>
-              <a:sym typeface="Times New Roman"/>
-            </a:endParaRPr>
-          </a:p>
-          <a:p>
-            <a:pPr indent="0" lvl="0" marL="457200" rtl="0" algn="l">
-              <a:lnSpc>
-                <a:spcPct val="115000"/>
-              </a:lnSpc>
-              <a:spcBef>
-                <a:spcPts val="0"/>
-              </a:spcBef>
-              <a:spcAft>
-                <a:spcPts val="0"/>
-              </a:spcAft>
-              <a:buNone/>
-            </a:pPr>
-            <a:r>
-              <a:t/>
-            </a:r>
-            <a:endParaRPr sz="1400">
-              <a:solidFill>
-                <a:srgbClr val="000000"/>
-              </a:solidFill>
-              <a:latin typeface="Times New Roman"/>
-              <a:ea typeface="Times New Roman"/>
-              <a:cs typeface="Times New Roman"/>
-              <a:sym typeface="Times New Roman"/>
-            </a:endParaRPr>
-          </a:p>
-          <a:p>
-            <a:pPr indent="-317500" lvl="0" marL="457200" rtl="0" algn="l">
-              <a:lnSpc>
-                <a:spcPct val="115000"/>
-              </a:lnSpc>
-              <a:spcBef>
-                <a:spcPts val="0"/>
-              </a:spcBef>
-              <a:spcAft>
-                <a:spcPts val="0"/>
-              </a:spcAft>
-              <a:buClr>
-                <a:srgbClr val="000000"/>
-              </a:buClr>
-              <a:buSzPts val="1400"/>
-              <a:buFont typeface="Times New Roman"/>
-              <a:buChar char="●"/>
-            </a:pPr>
-            <a:r>
-              <a:rPr lang="en" sz="1400">
-                <a:solidFill>
-                  <a:srgbClr val="000000"/>
-                </a:solidFill>
-                <a:latin typeface="Times New Roman"/>
-                <a:ea typeface="Times New Roman"/>
-                <a:cs typeface="Times New Roman"/>
-                <a:sym typeface="Times New Roman"/>
-              </a:rPr>
-              <a:t>We tested the correlation between the GAS price and total ridership. </a:t>
-            </a:r>
-            <a:endParaRPr sz="1400">
-              <a:solidFill>
-                <a:srgbClr val="000000"/>
-              </a:solidFill>
-              <a:latin typeface="Times New Roman"/>
-              <a:ea typeface="Times New Roman"/>
-              <a:cs typeface="Times New Roman"/>
-              <a:sym typeface="Times New Roman"/>
-            </a:endParaRPr>
-          </a:p>
-          <a:p>
-            <a:pPr indent="-317500" lvl="0" marL="457200" rtl="0" algn="l">
-              <a:lnSpc>
-                <a:spcPct val="115000"/>
-              </a:lnSpc>
-              <a:spcBef>
-                <a:spcPts val="0"/>
-              </a:spcBef>
-              <a:spcAft>
-                <a:spcPts val="0"/>
-              </a:spcAft>
-              <a:buClr>
-                <a:srgbClr val="000000"/>
-              </a:buClr>
-              <a:buSzPts val="1400"/>
-              <a:buFont typeface="Times New Roman"/>
-              <a:buChar char="●"/>
-            </a:pPr>
-            <a:r>
-              <a:rPr lang="en" sz="1400">
-                <a:solidFill>
-                  <a:srgbClr val="000000"/>
-                </a:solidFill>
-                <a:latin typeface="Times New Roman"/>
-                <a:ea typeface="Times New Roman"/>
-                <a:cs typeface="Times New Roman"/>
-                <a:sym typeface="Times New Roman"/>
-              </a:rPr>
-              <a:t>It turned out to be a mere </a:t>
-            </a:r>
-            <a:r>
-              <a:rPr b="1" lang="en" sz="1400">
-                <a:solidFill>
-                  <a:srgbClr val="000000"/>
-                </a:solidFill>
-                <a:latin typeface="Times New Roman"/>
-                <a:ea typeface="Times New Roman"/>
-                <a:cs typeface="Times New Roman"/>
-                <a:sym typeface="Times New Roman"/>
-              </a:rPr>
-              <a:t>0.095</a:t>
-            </a:r>
-            <a:r>
-              <a:rPr lang="en" sz="1400">
-                <a:solidFill>
-                  <a:srgbClr val="000000"/>
-                </a:solidFill>
-                <a:latin typeface="Times New Roman"/>
-                <a:ea typeface="Times New Roman"/>
-                <a:cs typeface="Times New Roman"/>
-                <a:sym typeface="Times New Roman"/>
-              </a:rPr>
-              <a:t>. </a:t>
-            </a:r>
-            <a:endParaRPr sz="1400">
-              <a:solidFill>
-                <a:srgbClr val="000000"/>
-              </a:solidFill>
-              <a:latin typeface="Times New Roman"/>
-              <a:ea typeface="Times New Roman"/>
-              <a:cs typeface="Times New Roman"/>
-              <a:sym typeface="Times New Roman"/>
-            </a:endParaRPr>
-          </a:p>
-          <a:p>
-            <a:pPr indent="-317500" lvl="0" marL="457200" rtl="0" algn="l">
-              <a:lnSpc>
-                <a:spcPct val="115000"/>
-              </a:lnSpc>
-              <a:spcBef>
-                <a:spcPts val="0"/>
-              </a:spcBef>
-              <a:spcAft>
-                <a:spcPts val="0"/>
-              </a:spcAft>
-              <a:buClr>
-                <a:srgbClr val="000000"/>
-              </a:buClr>
-              <a:buSzPts val="1400"/>
-              <a:buFont typeface="Times New Roman"/>
-              <a:buChar char="●"/>
-            </a:pPr>
-            <a:r>
-              <a:rPr lang="en" sz="1400">
-                <a:solidFill>
-                  <a:srgbClr val="000000"/>
-                </a:solidFill>
-                <a:latin typeface="Times New Roman"/>
-                <a:ea typeface="Times New Roman"/>
-                <a:cs typeface="Times New Roman"/>
-                <a:sym typeface="Times New Roman"/>
-              </a:rPr>
-              <a:t>Ridership is not correlated to GAS prices</a:t>
-            </a:r>
-            <a:endParaRPr sz="2200"/>
-          </a:p>
-        </p:txBody>
-      </p:sp>
-    </p:spTree>
-  </p:cSld>
-  <p:clrMapOvr>
-    <a:masterClrMapping/>
-  </p:clrMapOvr>
-</p:sld>
-</file>
-
-<file path=ppt/slides/slide18.xml><?xml version="1.0" encoding="utf-8"?>
-<p:sld xmlns:a="http://schemas.openxmlformats.org/drawingml/2006/main" xmlns:r="http://schemas.openxmlformats.org/officeDocument/2006/relationships" xmlns:mc="http://schemas.openxmlformats.org/markup-compatibility/2006" xmlns:mv="urn:schemas-microsoft-com:mac:vml" xmlns:p="http://schemas.openxmlformats.org/presentationml/2006/main" xmlns:c="http://schemas.openxmlformats.org/drawingml/2006/chart" xmlns:dgm="http://schemas.openxmlformats.org/drawingml/2006/diagram" xmlns:o="urn:schemas-microsoft-com:office:office" xmlns:v="urn:schemas-microsoft-com:vml" xmlns:pvml="urn:schemas-microsoft-com:office:powerpoint" xmlns:com="http://schemas.openxmlformats.org/drawingml/2006/compatibility" xmlns:p14="http://schemas.microsoft.com/office/powerpoint/2010/main" xmlns:p15="http://schemas.microsoft.com/office/powerpoint/2012/main">
-  <p:cSld>
-    <p:spTree>
-      <p:nvGrpSpPr>
-        <p:cNvPr id="265" name="Shape 265"/>
-        <p:cNvGrpSpPr/>
-        <p:nvPr/>
-      </p:nvGrpSpPr>
-      <p:grpSpPr>
-        <a:xfrm>
-          <a:off x="0" y="0"/>
-          <a:ext cx="0" cy="0"/>
-          <a:chOff x="0" y="0"/>
-          <a:chExt cx="0" cy="0"/>
-        </a:xfrm>
-      </p:grpSpPr>
-      <p:sp>
-        <p:nvSpPr>
-          <p:cNvPr id="266" name="Google Shape;266;p30"/>
-          <p:cNvSpPr txBox="1"/>
-          <p:nvPr>
-            <p:ph type="ctrTitle"/>
-          </p:nvPr>
-        </p:nvSpPr>
-        <p:spPr>
-          <a:xfrm>
-            <a:off x="729450" y="1322450"/>
-            <a:ext cx="7688100" cy="1664700"/>
-          </a:xfrm>
-          <a:prstGeom prst="rect">
-            <a:avLst/>
-          </a:prstGeom>
-        </p:spPr>
-        <p:txBody>
-          <a:bodyPr anchorCtr="0" anchor="t" bIns="91425" lIns="91425" spcFirstLastPara="1" rIns="91425" wrap="square" tIns="91425">
-            <a:noAutofit/>
-          </a:bodyPr>
-          <a:lstStyle/>
-          <a:p>
-            <a:pPr indent="0" lvl="0" marL="0" rtl="0" algn="l">
-              <a:spcBef>
-                <a:spcPts val="0"/>
-              </a:spcBef>
-              <a:spcAft>
-                <a:spcPts val="0"/>
-              </a:spcAft>
-              <a:buNone/>
-            </a:pPr>
-            <a:r>
-              <a:rPr lang="en"/>
-              <a:t>Visualizations</a:t>
-            </a:r>
-            <a:endParaRPr/>
-          </a:p>
-          <a:p>
-            <a:pPr indent="0" lvl="0" marL="0" rtl="0" algn="l">
-              <a:spcBef>
-                <a:spcPts val="0"/>
-              </a:spcBef>
-              <a:spcAft>
-                <a:spcPts val="0"/>
-              </a:spcAft>
-              <a:buNone/>
-            </a:pPr>
-            <a:r>
-              <a:t/>
-            </a:r>
-            <a:endParaRPr/>
-          </a:p>
-        </p:txBody>
-      </p:sp>
-      <p:sp>
-        <p:nvSpPr>
-          <p:cNvPr id="267" name="Google Shape;267;p30"/>
-          <p:cNvSpPr txBox="1"/>
-          <p:nvPr>
-            <p:ph idx="1" type="subTitle"/>
-          </p:nvPr>
-        </p:nvSpPr>
-        <p:spPr>
-          <a:xfrm>
-            <a:off x="729627" y="3172900"/>
-            <a:ext cx="7688100" cy="541200"/>
-          </a:xfrm>
-          <a:prstGeom prst="rect">
-            <a:avLst/>
-          </a:prstGeom>
-        </p:spPr>
-        <p:txBody>
-          <a:bodyPr anchorCtr="0" anchor="t" bIns="91425" lIns="91425" spcFirstLastPara="1" rIns="91425" wrap="square" tIns="91425">
-            <a:noAutofit/>
-          </a:bodyPr>
-          <a:lstStyle/>
-          <a:p>
-            <a:pPr indent="0" lvl="0" marL="0" rtl="0" algn="l">
-              <a:spcBef>
-                <a:spcPts val="0"/>
-              </a:spcBef>
-              <a:spcAft>
-                <a:spcPts val="0"/>
-              </a:spcAft>
-              <a:buNone/>
-            </a:pPr>
-            <a:r>
-              <a:t/>
-            </a:r>
-            <a:endParaRPr/>
-          </a:p>
-        </p:txBody>
-      </p:sp>
-      <p:pic>
-        <p:nvPicPr>
-          <p:cNvPr id="268" name="Google Shape;268;p30"/>
-          <p:cNvPicPr preferRelativeResize="0"/>
-          <p:nvPr/>
-        </p:nvPicPr>
-        <p:blipFill>
-          <a:blip r:embed="rId3">
-            <a:alphaModFix/>
-          </a:blip>
-          <a:stretch>
-            <a:fillRect/>
-          </a:stretch>
-        </p:blipFill>
-        <p:spPr>
-          <a:xfrm>
-            <a:off x="0" y="449825"/>
-            <a:ext cx="9143999" cy="4693675"/>
-          </a:xfrm>
-          <a:prstGeom prst="rect">
-            <a:avLst/>
-          </a:prstGeom>
-          <a:noFill/>
-          <a:ln>
-            <a:noFill/>
-          </a:ln>
-        </p:spPr>
-      </p:pic>
-    </p:spTree>
-  </p:cSld>
-  <p:clrMapOvr>
-    <a:masterClrMapping/>
-  </p:clrMapOvr>
-</p:sld>
-</file>
-
-<file path=ppt/slides/slide19.xml><?xml version="1.0" encoding="utf-8"?>
-<p:sld xmlns:a="http://schemas.openxmlformats.org/drawingml/2006/main" xmlns:r="http://schemas.openxmlformats.org/officeDocument/2006/relationships" xmlns:mc="http://schemas.openxmlformats.org/markup-compatibility/2006" xmlns:mv="urn:schemas-microsoft-com:mac:vml" xmlns:p="http://schemas.openxmlformats.org/presentationml/2006/main" xmlns:c="http://schemas.openxmlformats.org/drawingml/2006/chart" xmlns:dgm="http://schemas.openxmlformats.org/drawingml/2006/diagram" xmlns:o="urn:schemas-microsoft-com:office:office" xmlns:v="urn:schemas-microsoft-com:vml" xmlns:pvml="urn:schemas-microsoft-com:office:powerpoint" xmlns:com="http://schemas.openxmlformats.org/drawingml/2006/compatibility" xmlns:p14="http://schemas.microsoft.com/office/powerpoint/2010/main" xmlns:p15="http://schemas.microsoft.com/office/powerpoint/2012/main">
-  <p:cSld>
-    <p:spTree>
-      <p:nvGrpSpPr>
-        <p:cNvPr id="272" name="Shape 272"/>
-        <p:cNvGrpSpPr/>
-        <p:nvPr/>
-      </p:nvGrpSpPr>
-      <p:grpSpPr>
-        <a:xfrm>
-          <a:off x="0" y="0"/>
-          <a:ext cx="0" cy="0"/>
-          <a:chOff x="0" y="0"/>
-          <a:chExt cx="0" cy="0"/>
-        </a:xfrm>
-      </p:grpSpPr>
-      <p:sp>
-        <p:nvSpPr>
-          <p:cNvPr id="273" name="Google Shape;273;p31"/>
-          <p:cNvSpPr txBox="1"/>
-          <p:nvPr>
-            <p:ph type="ctrTitle"/>
-          </p:nvPr>
-        </p:nvSpPr>
-        <p:spPr>
-          <a:xfrm>
-            <a:off x="77150" y="488350"/>
-            <a:ext cx="8702400" cy="774300"/>
-          </a:xfrm>
-          <a:prstGeom prst="rect">
-            <a:avLst/>
-          </a:prstGeom>
-        </p:spPr>
-        <p:txBody>
-          <a:bodyPr anchorCtr="0" anchor="t" bIns="91425" lIns="91425" spcFirstLastPara="1" rIns="91425" wrap="square" tIns="91425">
-            <a:noAutofit/>
-          </a:bodyPr>
-          <a:lstStyle/>
-          <a:p>
             <a:pPr indent="0" lvl="0" marL="0" rtl="0" algn="l">
               <a:spcBef>
                 <a:spcPts val="0"/>
@@ -13381,7 +14139,7 @@
       </p:sp>
       <p:sp>
         <p:nvSpPr>
-          <p:cNvPr id="274" name="Google Shape;274;p31"/>
+          <p:cNvPr id="277" name="Google Shape;277;p31"/>
           <p:cNvSpPr txBox="1"/>
           <p:nvPr>
             <p:ph idx="1" type="subTitle"/>
@@ -14435,7 +15193,7 @@
   <p:cSld>
     <p:spTree>
       <p:nvGrpSpPr>
-        <p:cNvPr id="278" name="Shape 278"/>
+        <p:cNvPr id="281" name="Shape 281"/>
         <p:cNvGrpSpPr/>
         <p:nvPr/>
       </p:nvGrpSpPr>
@@ -14449,7 +15207,7 @@
       </p:grpSpPr>
       <p:sp>
         <p:nvSpPr>
-          <p:cNvPr id="279" name="Google Shape;279;p32"/>
+          <p:cNvPr id="282" name="Google Shape;282;p32"/>
           <p:cNvSpPr txBox="1"/>
           <p:nvPr>
             <p:ph type="ctrTitle"/>
@@ -14506,7 +15264,7 @@
       </p:sp>
       <p:sp>
         <p:nvSpPr>
-          <p:cNvPr id="280" name="Google Shape;280;p32"/>
+          <p:cNvPr id="283" name="Google Shape;283;p32"/>
           <p:cNvSpPr txBox="1"/>
           <p:nvPr>
             <p:ph idx="1" type="subTitle"/>
@@ -14697,7 +15455,7 @@
       </p:sp>
       <p:sp>
         <p:nvSpPr>
-          <p:cNvPr id="281" name="Google Shape;281;p32"/>
+          <p:cNvPr id="284" name="Google Shape;284;p32"/>
           <p:cNvSpPr/>
           <p:nvPr/>
         </p:nvSpPr>
@@ -14768,7 +15526,7 @@
     </p:bg>
     <p:spTree>
       <p:nvGrpSpPr>
-        <p:cNvPr id="285" name="Shape 285"/>
+        <p:cNvPr id="288" name="Shape 288"/>
         <p:cNvGrpSpPr/>
         <p:nvPr/>
       </p:nvGrpSpPr>
@@ -14782,7 +15540,7 @@
       </p:grpSpPr>
       <p:sp>
         <p:nvSpPr>
-          <p:cNvPr id="286" name="Google Shape;286;p33"/>
+          <p:cNvPr id="289" name="Google Shape;289;p33"/>
           <p:cNvSpPr txBox="1"/>
           <p:nvPr>
             <p:ph type="ctrTitle"/>
@@ -14832,7 +15590,7 @@
       </p:sp>
       <p:sp>
         <p:nvSpPr>
-          <p:cNvPr id="287" name="Google Shape;287;p33"/>
+          <p:cNvPr id="290" name="Google Shape;290;p33"/>
           <p:cNvSpPr txBox="1"/>
           <p:nvPr>
             <p:ph idx="1" type="subTitle"/>
@@ -14871,7 +15629,7 @@
       </p:sp>
       <p:pic>
         <p:nvPicPr>
-          <p:cNvPr id="288" name="Google Shape;288;p33"/>
+          <p:cNvPr id="291" name="Google Shape;291;p33"/>
           <p:cNvPicPr preferRelativeResize="0"/>
           <p:nvPr/>
         </p:nvPicPr>
@@ -14899,7 +15657,7 @@
       </p:pic>
       <p:pic>
         <p:nvPicPr>
-          <p:cNvPr id="289" name="Google Shape;289;p33"/>
+          <p:cNvPr id="292" name="Google Shape;292;p33"/>
           <p:cNvPicPr preferRelativeResize="0"/>
           <p:nvPr/>
         </p:nvPicPr>
@@ -14927,7 +15685,7 @@
       </p:pic>
       <p:sp>
         <p:nvSpPr>
-          <p:cNvPr id="290" name="Google Shape;290;p33"/>
+          <p:cNvPr id="293" name="Google Shape;293;p33"/>
           <p:cNvSpPr txBox="1"/>
           <p:nvPr/>
         </p:nvSpPr>
@@ -14979,7 +15737,7 @@
       </p:sp>
       <p:sp>
         <p:nvSpPr>
-          <p:cNvPr id="291" name="Google Shape;291;p33"/>
+          <p:cNvPr id="294" name="Google Shape;294;p33"/>
           <p:cNvSpPr txBox="1"/>
           <p:nvPr/>
         </p:nvSpPr>
@@ -15031,7 +15789,7 @@
       </p:sp>
       <p:sp>
         <p:nvSpPr>
-          <p:cNvPr id="292" name="Google Shape;292;p33"/>
+          <p:cNvPr id="295" name="Google Shape;295;p33"/>
           <p:cNvSpPr/>
           <p:nvPr/>
         </p:nvSpPr>
@@ -15094,7 +15852,7 @@
   <p:cSld>
     <p:spTree>
       <p:nvGrpSpPr>
-        <p:cNvPr id="296" name="Shape 296"/>
+        <p:cNvPr id="299" name="Shape 299"/>
         <p:cNvGrpSpPr/>
         <p:nvPr/>
       </p:nvGrpSpPr>
@@ -15108,7 +15866,7 @@
       </p:grpSpPr>
       <p:sp>
         <p:nvSpPr>
-          <p:cNvPr id="297" name="Google Shape;297;p34"/>
+          <p:cNvPr id="300" name="Google Shape;300;p34"/>
           <p:cNvSpPr txBox="1"/>
           <p:nvPr>
             <p:ph type="ctrTitle"/>
@@ -15139,10 +15897,15 @@
               <a:buNone/>
             </a:pPr>
             <a:r>
-              <a:rPr lang="en"/>
+              <a:rPr lang="en" sz="3500">
+                <a:latin typeface="Times New Roman"/>
+                <a:ea typeface="Times New Roman"/>
+                <a:cs typeface="Times New Roman"/>
+                <a:sym typeface="Times New Roman"/>
+              </a:rPr>
               <a:t>Bus Ridership Prediction- LSTM</a:t>
             </a:r>
-            <a:endParaRPr sz="2800">
+            <a:endParaRPr sz="2100">
               <a:latin typeface="Times New Roman"/>
               <a:ea typeface="Times New Roman"/>
               <a:cs typeface="Times New Roman"/>
@@ -15153,7 +15916,7 @@
       </p:sp>
       <p:sp>
         <p:nvSpPr>
-          <p:cNvPr id="298" name="Google Shape;298;p34"/>
+          <p:cNvPr id="301" name="Google Shape;301;p34"/>
           <p:cNvSpPr txBox="1"/>
           <p:nvPr>
             <p:ph idx="1" type="subTitle"/>
@@ -15431,7 +16194,7 @@
     </p:bg>
     <p:spTree>
       <p:nvGrpSpPr>
-        <p:cNvPr id="302" name="Shape 302"/>
+        <p:cNvPr id="305" name="Shape 305"/>
         <p:cNvGrpSpPr/>
         <p:nvPr/>
       </p:nvGrpSpPr>
@@ -15445,7 +16208,7 @@
       </p:grpSpPr>
       <p:sp>
         <p:nvSpPr>
-          <p:cNvPr id="303" name="Google Shape;303;p35"/>
+          <p:cNvPr id="306" name="Google Shape;306;p35"/>
           <p:cNvSpPr txBox="1"/>
           <p:nvPr>
             <p:ph type="ctrTitle"/>
@@ -15504,7 +16267,7 @@
       </p:sp>
       <p:sp>
         <p:nvSpPr>
-          <p:cNvPr id="304" name="Google Shape;304;p35"/>
+          <p:cNvPr id="307" name="Google Shape;307;p35"/>
           <p:cNvSpPr txBox="1"/>
           <p:nvPr>
             <p:ph idx="1" type="subTitle"/>
@@ -15543,7 +16306,7 @@
       </p:sp>
       <p:pic>
         <p:nvPicPr>
-          <p:cNvPr id="305" name="Google Shape;305;p35"/>
+          <p:cNvPr id="308" name="Google Shape;308;p35"/>
           <p:cNvPicPr preferRelativeResize="0"/>
           <p:nvPr/>
         </p:nvPicPr>
@@ -15571,7 +16334,7 @@
       </p:pic>
       <p:sp>
         <p:nvSpPr>
-          <p:cNvPr id="306" name="Google Shape;306;p35"/>
+          <p:cNvPr id="309" name="Google Shape;309;p35"/>
           <p:cNvSpPr txBox="1"/>
           <p:nvPr/>
         </p:nvSpPr>
@@ -15635,7 +16398,7 @@
     </p:bg>
     <p:spTree>
       <p:nvGrpSpPr>
-        <p:cNvPr id="310" name="Shape 310"/>
+        <p:cNvPr id="313" name="Shape 313"/>
         <p:cNvGrpSpPr/>
         <p:nvPr/>
       </p:nvGrpSpPr>
@@ -15649,7 +16412,7 @@
       </p:grpSpPr>
       <p:sp>
         <p:nvSpPr>
-          <p:cNvPr id="311" name="Google Shape;311;p36"/>
+          <p:cNvPr id="314" name="Google Shape;314;p36"/>
           <p:cNvSpPr txBox="1"/>
           <p:nvPr>
             <p:ph type="ctrTitle"/>
@@ -15714,7 +16477,7 @@
       </p:sp>
       <p:sp>
         <p:nvSpPr>
-          <p:cNvPr id="312" name="Google Shape;312;p36"/>
+          <p:cNvPr id="315" name="Google Shape;315;p36"/>
           <p:cNvSpPr txBox="1"/>
           <p:nvPr>
             <p:ph idx="1" type="subTitle"/>
@@ -15753,7 +16516,7 @@
       </p:sp>
       <p:pic>
         <p:nvPicPr>
-          <p:cNvPr id="313" name="Google Shape;313;p36"/>
+          <p:cNvPr id="316" name="Google Shape;316;p36"/>
           <p:cNvPicPr preferRelativeResize="0"/>
           <p:nvPr/>
         </p:nvPicPr>
@@ -15799,7 +16562,7 @@
     </p:bg>
     <p:spTree>
       <p:nvGrpSpPr>
-        <p:cNvPr id="317" name="Shape 317"/>
+        <p:cNvPr id="320" name="Shape 320"/>
         <p:cNvGrpSpPr/>
         <p:nvPr/>
       </p:nvGrpSpPr>
@@ -15813,7 +16576,7 @@
       </p:grpSpPr>
       <p:sp>
         <p:nvSpPr>
-          <p:cNvPr id="318" name="Google Shape;318;p37"/>
+          <p:cNvPr id="321" name="Google Shape;321;p37"/>
           <p:cNvSpPr txBox="1"/>
           <p:nvPr>
             <p:ph type="ctrTitle"/>
@@ -15852,7 +16615,7 @@
       </p:sp>
       <p:sp>
         <p:nvSpPr>
-          <p:cNvPr id="319" name="Google Shape;319;p37"/>
+          <p:cNvPr id="322" name="Google Shape;322;p37"/>
           <p:cNvSpPr txBox="1"/>
           <p:nvPr>
             <p:ph idx="1" type="subTitle"/>
@@ -15891,7 +16654,7 @@
       </p:sp>
       <p:pic>
         <p:nvPicPr>
-          <p:cNvPr id="320" name="Google Shape;320;p37"/>
+          <p:cNvPr id="323" name="Google Shape;323;p37"/>
           <p:cNvPicPr preferRelativeResize="0"/>
           <p:nvPr/>
         </p:nvPicPr>
@@ -15919,7 +16682,7 @@
       </p:pic>
       <p:sp>
         <p:nvSpPr>
-          <p:cNvPr id="321" name="Google Shape;321;p37"/>
+          <p:cNvPr id="324" name="Google Shape;324;p37"/>
           <p:cNvSpPr txBox="1"/>
           <p:nvPr/>
         </p:nvSpPr>
@@ -16015,7 +16778,7 @@
     </p:bg>
     <p:spTree>
       <p:nvGrpSpPr>
-        <p:cNvPr id="325" name="Shape 325"/>
+        <p:cNvPr id="328" name="Shape 328"/>
         <p:cNvGrpSpPr/>
         <p:nvPr/>
       </p:nvGrpSpPr>
@@ -16029,7 +16792,7 @@
       </p:grpSpPr>
       <p:sp>
         <p:nvSpPr>
-          <p:cNvPr id="326" name="Google Shape;326;p38"/>
+          <p:cNvPr id="329" name="Google Shape;329;p38"/>
           <p:cNvSpPr txBox="1"/>
           <p:nvPr>
             <p:ph type="ctrTitle"/>
@@ -16079,7 +16842,7 @@
       </p:sp>
       <p:sp>
         <p:nvSpPr>
-          <p:cNvPr id="327" name="Google Shape;327;p38"/>
+          <p:cNvPr id="330" name="Google Shape;330;p38"/>
           <p:cNvSpPr txBox="1"/>
           <p:nvPr>
             <p:ph idx="1" type="subTitle"/>
@@ -16118,7 +16881,7 @@
       </p:sp>
       <p:pic>
         <p:nvPicPr>
-          <p:cNvPr id="328" name="Google Shape;328;p38"/>
+          <p:cNvPr id="331" name="Google Shape;331;p38"/>
           <p:cNvPicPr preferRelativeResize="0"/>
           <p:nvPr/>
         </p:nvPicPr>
@@ -16157,7 +16920,7 @@
   <p:cSld>
     <p:spTree>
       <p:nvGrpSpPr>
-        <p:cNvPr id="332" name="Shape 332"/>
+        <p:cNvPr id="335" name="Shape 335"/>
         <p:cNvGrpSpPr/>
         <p:nvPr/>
       </p:nvGrpSpPr>
@@ -16171,7 +16934,7 @@
       </p:grpSpPr>
       <p:sp>
         <p:nvSpPr>
-          <p:cNvPr id="333" name="Google Shape;333;p39"/>
+          <p:cNvPr id="336" name="Google Shape;336;p39"/>
           <p:cNvSpPr txBox="1"/>
           <p:nvPr>
             <p:ph type="ctrTitle"/>
@@ -16221,7 +16984,7 @@
       </p:sp>
       <p:sp>
         <p:nvSpPr>
-          <p:cNvPr id="334" name="Google Shape;334;p39"/>
+          <p:cNvPr id="337" name="Google Shape;337;p39"/>
           <p:cNvSpPr txBox="1"/>
           <p:nvPr>
             <p:ph idx="1" type="subTitle"/>
@@ -16558,7 +17321,7 @@
   <p:cSld>
     <p:spTree>
       <p:nvGrpSpPr>
-        <p:cNvPr id="338" name="Shape 338"/>
+        <p:cNvPr id="341" name="Shape 341"/>
         <p:cNvGrpSpPr/>
         <p:nvPr/>
       </p:nvGrpSpPr>
@@ -16572,7 +17335,7 @@
       </p:grpSpPr>
       <p:sp>
         <p:nvSpPr>
-          <p:cNvPr id="339" name="Google Shape;339;p40"/>
+          <p:cNvPr id="342" name="Google Shape;342;p40"/>
           <p:cNvSpPr txBox="1"/>
           <p:nvPr>
             <p:ph type="ctrTitle"/>
@@ -16612,7 +17375,7 @@
       </p:sp>
       <p:sp>
         <p:nvSpPr>
-          <p:cNvPr id="340" name="Google Shape;340;p40"/>
+          <p:cNvPr id="343" name="Google Shape;343;p40"/>
           <p:cNvSpPr txBox="1"/>
           <p:nvPr>
             <p:ph idx="1" type="subTitle"/>
@@ -16738,7 +17501,7 @@
       </p:sp>
       <p:pic>
         <p:nvPicPr>
-          <p:cNvPr id="341" name="Google Shape;341;p40"/>
+          <p:cNvPr id="344" name="Google Shape;344;p40"/>
           <p:cNvPicPr preferRelativeResize="0"/>
           <p:nvPr/>
         </p:nvPicPr>
@@ -16776,7 +17539,7 @@
   <p:cSld>
     <p:spTree>
       <p:nvGrpSpPr>
-        <p:cNvPr id="345" name="Shape 345"/>
+        <p:cNvPr id="348" name="Shape 348"/>
         <p:cNvGrpSpPr/>
         <p:nvPr/>
       </p:nvGrpSpPr>
@@ -16790,7 +17553,7 @@
       </p:grpSpPr>
       <p:sp>
         <p:nvSpPr>
-          <p:cNvPr id="346" name="Google Shape;346;p41"/>
+          <p:cNvPr id="349" name="Google Shape;349;p41"/>
           <p:cNvSpPr txBox="1"/>
           <p:nvPr>
             <p:ph type="ctrTitle"/>
@@ -16798,8 +17561,8 @@
         </p:nvSpPr>
         <p:spPr>
           <a:xfrm>
-            <a:off x="216175" y="466975"/>
-            <a:ext cx="7688100" cy="592500"/>
+            <a:off x="77150" y="488350"/>
+            <a:ext cx="8702400" cy="774300"/>
           </a:xfrm>
           <a:prstGeom prst="rect">
             <a:avLst/>
@@ -16821,16 +17584,26 @@
               <a:buNone/>
             </a:pPr>
             <a:r>
-              <a:rPr lang="en"/>
-              <a:t>Evaluation</a:t>
-            </a:r>
-            <a:endParaRPr/>
+              <a:rPr lang="en" sz="2300">
+                <a:latin typeface="Times New Roman"/>
+                <a:ea typeface="Times New Roman"/>
+                <a:cs typeface="Times New Roman"/>
+                <a:sym typeface="Times New Roman"/>
+              </a:rPr>
+              <a:t>Predicting the ridership of buses and trains using ARIMA</a:t>
+            </a:r>
+            <a:endParaRPr sz="2300">
+              <a:latin typeface="Times New Roman"/>
+              <a:ea typeface="Times New Roman"/>
+              <a:cs typeface="Times New Roman"/>
+              <a:sym typeface="Times New Roman"/>
+            </a:endParaRPr>
           </a:p>
         </p:txBody>
       </p:sp>
       <p:sp>
         <p:nvSpPr>
-          <p:cNvPr id="347" name="Google Shape;347;p41"/>
+          <p:cNvPr id="350" name="Google Shape;350;p41"/>
           <p:cNvSpPr txBox="1"/>
           <p:nvPr>
             <p:ph idx="1" type="subTitle"/>
@@ -16838,8 +17611,8 @@
         </p:nvSpPr>
         <p:spPr>
           <a:xfrm>
-            <a:off x="171350" y="2053825"/>
-            <a:ext cx="8246400" cy="2598300"/>
+            <a:off x="203425" y="1572625"/>
+            <a:ext cx="8702400" cy="3400500"/>
           </a:xfrm>
           <a:prstGeom prst="rect">
             <a:avLst/>
@@ -16852,6 +17625,9 @@
           <a:lstStyle/>
           <a:p>
             <a:pPr indent="-317500" lvl="0" marL="457200" rtl="0" algn="l">
+              <a:lnSpc>
+                <a:spcPct val="115000"/>
+              </a:lnSpc>
               <a:spcBef>
                 <a:spcPts val="1000"/>
               </a:spcBef>
@@ -16862,7 +17638,7 @@
                 <a:srgbClr val="000000"/>
               </a:buClr>
               <a:buSzPts val="1400"/>
-              <a:buFont typeface="Times New Roman"/>
+              <a:buFont typeface="Arial"/>
               <a:buChar char="●"/>
             </a:pPr>
             <a:r>
@@ -16870,25 +17646,28 @@
                 <a:solidFill>
                   <a:srgbClr val="000000"/>
                 </a:solidFill>
-                <a:latin typeface="Times New Roman"/>
-                <a:ea typeface="Times New Roman"/>
-                <a:cs typeface="Times New Roman"/>
-                <a:sym typeface="Times New Roman"/>
+                <a:latin typeface="Arial"/>
+                <a:ea typeface="Arial"/>
+                <a:cs typeface="Arial"/>
+                <a:sym typeface="Arial"/>
               </a:rPr>
-              <a:t>We could predict the ridership values with very high accuracy.</a:t>
+              <a:t>ARIMA: Auto-Regressive Integrated Moving Average</a:t>
             </a:r>
             <a:endParaRPr sz="1400">
               <a:solidFill>
                 <a:srgbClr val="000000"/>
               </a:solidFill>
-              <a:latin typeface="Times New Roman"/>
-              <a:ea typeface="Times New Roman"/>
-              <a:cs typeface="Times New Roman"/>
-              <a:sym typeface="Times New Roman"/>
+              <a:latin typeface="Arial"/>
+              <a:ea typeface="Arial"/>
+              <a:cs typeface="Arial"/>
+              <a:sym typeface="Arial"/>
             </a:endParaRPr>
           </a:p>
           <a:p>
             <a:pPr indent="-317500" lvl="0" marL="457200" rtl="0" algn="l">
+              <a:lnSpc>
+                <a:spcPct val="115000"/>
+              </a:lnSpc>
               <a:spcBef>
                 <a:spcPts val="1000"/>
               </a:spcBef>
@@ -16899,7 +17678,7 @@
                 <a:srgbClr val="000000"/>
               </a:buClr>
               <a:buSzPts val="1400"/>
-              <a:buFont typeface="Times New Roman"/>
+              <a:buFont typeface="Arial"/>
               <a:buChar char="●"/>
             </a:pPr>
             <a:r>
@@ -16907,36 +17686,39 @@
                 <a:solidFill>
                   <a:srgbClr val="000000"/>
                 </a:solidFill>
-                <a:latin typeface="Times New Roman"/>
-                <a:ea typeface="Times New Roman"/>
-                <a:cs typeface="Times New Roman"/>
-                <a:sym typeface="Times New Roman"/>
+                <a:latin typeface="Arial"/>
+                <a:ea typeface="Arial"/>
+                <a:cs typeface="Arial"/>
+                <a:sym typeface="Arial"/>
               </a:rPr>
-              <a:t>Our model performed well on the dataset</a:t>
+              <a:t>ARIMA allows us to train and tune the model based on it’s 3 hyperparameters (p, d, q)</a:t>
             </a:r>
             <a:endParaRPr sz="1400">
               <a:solidFill>
                 <a:srgbClr val="000000"/>
               </a:solidFill>
-              <a:latin typeface="Times New Roman"/>
-              <a:ea typeface="Times New Roman"/>
-              <a:cs typeface="Times New Roman"/>
-              <a:sym typeface="Times New Roman"/>
+              <a:latin typeface="Arial"/>
+              <a:ea typeface="Arial"/>
+              <a:cs typeface="Arial"/>
+              <a:sym typeface="Arial"/>
             </a:endParaRPr>
           </a:p>
           <a:p>
             <a:pPr indent="-317500" lvl="0" marL="457200" rtl="0" algn="l">
+              <a:lnSpc>
+                <a:spcPct val="115000"/>
+              </a:lnSpc>
               <a:spcBef>
                 <a:spcPts val="1000"/>
               </a:spcBef>
               <a:spcAft>
-                <a:spcPts val="1000"/>
+                <a:spcPts val="0"/>
               </a:spcAft>
               <a:buClr>
                 <a:srgbClr val="000000"/>
               </a:buClr>
               <a:buSzPts val="1400"/>
-              <a:buFont typeface="Times New Roman"/>
+              <a:buFont typeface="Arial"/>
               <a:buChar char="●"/>
             </a:pPr>
             <a:r>
@@ -16944,70 +17726,223 @@
                 <a:solidFill>
                   <a:srgbClr val="000000"/>
                 </a:solidFill>
-                <a:latin typeface="Times New Roman"/>
-                <a:ea typeface="Times New Roman"/>
-                <a:cs typeface="Times New Roman"/>
-                <a:sym typeface="Times New Roman"/>
+                <a:latin typeface="Arial"/>
+                <a:ea typeface="Arial"/>
+                <a:cs typeface="Arial"/>
+                <a:sym typeface="Arial"/>
               </a:rPr>
-              <a:t>Achieved an accuracy of  </a:t>
-            </a:r>
-            <a:r>
-              <a:rPr b="1" lang="en" sz="1400">
-                <a:solidFill>
-                  <a:srgbClr val="000000"/>
-                </a:solidFill>
-                <a:latin typeface="Times New Roman"/>
-                <a:ea typeface="Times New Roman"/>
-                <a:cs typeface="Times New Roman"/>
-                <a:sym typeface="Times New Roman"/>
-              </a:rPr>
-              <a:t>93.6% </a:t>
-            </a:r>
-            <a:r>
-              <a:rPr lang="en" sz="1400">
-                <a:solidFill>
-                  <a:srgbClr val="000000"/>
-                </a:solidFill>
-                <a:latin typeface="Times New Roman"/>
-                <a:ea typeface="Times New Roman"/>
-                <a:cs typeface="Times New Roman"/>
-                <a:sym typeface="Times New Roman"/>
-              </a:rPr>
-              <a:t> for </a:t>
-            </a:r>
-            <a:r>
-              <a:rPr b="1" lang="en" sz="1400">
-                <a:solidFill>
-                  <a:srgbClr val="000000"/>
-                </a:solidFill>
-                <a:latin typeface="Times New Roman"/>
-                <a:ea typeface="Times New Roman"/>
-                <a:cs typeface="Times New Roman"/>
-                <a:sym typeface="Times New Roman"/>
-              </a:rPr>
-              <a:t>bus ridership</a:t>
-            </a:r>
-            <a:r>
-              <a:rPr lang="en" sz="1400">
-                <a:solidFill>
-                  <a:srgbClr val="000000"/>
-                </a:solidFill>
-                <a:latin typeface="Times New Roman"/>
-                <a:ea typeface="Times New Roman"/>
-                <a:cs typeface="Times New Roman"/>
-                <a:sym typeface="Times New Roman"/>
-              </a:rPr>
-              <a:t> prediction</a:t>
+              <a:t>These hyperparameters tune the seasonality and the trend factor into the model.</a:t>
             </a:r>
             <a:endParaRPr sz="1400">
               <a:solidFill>
                 <a:srgbClr val="000000"/>
               </a:solidFill>
-              <a:latin typeface="Times New Roman"/>
-              <a:ea typeface="Times New Roman"/>
-              <a:cs typeface="Times New Roman"/>
-              <a:sym typeface="Times New Roman"/>
+              <a:latin typeface="Arial"/>
+              <a:ea typeface="Arial"/>
+              <a:cs typeface="Arial"/>
+              <a:sym typeface="Arial"/>
             </a:endParaRPr>
+          </a:p>
+          <a:p>
+            <a:pPr indent="-317500" lvl="0" marL="457200" rtl="0" algn="l">
+              <a:lnSpc>
+                <a:spcPct val="115000"/>
+              </a:lnSpc>
+              <a:spcBef>
+                <a:spcPts val="1000"/>
+              </a:spcBef>
+              <a:spcAft>
+                <a:spcPts val="0"/>
+              </a:spcAft>
+              <a:buClr>
+                <a:srgbClr val="000000"/>
+              </a:buClr>
+              <a:buSzPts val="1400"/>
+              <a:buFont typeface="Arial"/>
+              <a:buChar char="●"/>
+            </a:pPr>
+            <a:r>
+              <a:rPr lang="en" sz="1400">
+                <a:solidFill>
+                  <a:srgbClr val="000000"/>
+                </a:solidFill>
+                <a:latin typeface="Arial"/>
+                <a:ea typeface="Arial"/>
+                <a:cs typeface="Arial"/>
+                <a:sym typeface="Arial"/>
+              </a:rPr>
+              <a:t>Hyperparameters:</a:t>
+            </a:r>
+            <a:endParaRPr sz="1400">
+              <a:solidFill>
+                <a:srgbClr val="000000"/>
+              </a:solidFill>
+              <a:latin typeface="Arial"/>
+              <a:ea typeface="Arial"/>
+              <a:cs typeface="Arial"/>
+              <a:sym typeface="Arial"/>
+            </a:endParaRPr>
+          </a:p>
+          <a:p>
+            <a:pPr indent="-317500" lvl="1" marL="914400" rtl="0" algn="l">
+              <a:lnSpc>
+                <a:spcPct val="115000"/>
+              </a:lnSpc>
+              <a:spcBef>
+                <a:spcPts val="0"/>
+              </a:spcBef>
+              <a:spcAft>
+                <a:spcPts val="0"/>
+              </a:spcAft>
+              <a:buClr>
+                <a:srgbClr val="000000"/>
+              </a:buClr>
+              <a:buSzPts val="1400"/>
+              <a:buFont typeface="Arial"/>
+              <a:buChar char="○"/>
+            </a:pPr>
+            <a:r>
+              <a:rPr lang="en" sz="1400">
+                <a:solidFill>
+                  <a:srgbClr val="000000"/>
+                </a:solidFill>
+                <a:latin typeface="Arial"/>
+                <a:ea typeface="Arial"/>
+                <a:cs typeface="Arial"/>
+                <a:sym typeface="Arial"/>
+              </a:rPr>
+              <a:t>p - controls the auto-regressive aspect of the value trend</a:t>
+            </a:r>
+            <a:endParaRPr sz="1400">
+              <a:solidFill>
+                <a:srgbClr val="000000"/>
+              </a:solidFill>
+              <a:latin typeface="Arial"/>
+              <a:ea typeface="Arial"/>
+              <a:cs typeface="Arial"/>
+              <a:sym typeface="Arial"/>
+            </a:endParaRPr>
+          </a:p>
+          <a:p>
+            <a:pPr indent="-317500" lvl="1" marL="914400" rtl="0" algn="l">
+              <a:lnSpc>
+                <a:spcPct val="115000"/>
+              </a:lnSpc>
+              <a:spcBef>
+                <a:spcPts val="0"/>
+              </a:spcBef>
+              <a:spcAft>
+                <a:spcPts val="0"/>
+              </a:spcAft>
+              <a:buClr>
+                <a:srgbClr val="000000"/>
+              </a:buClr>
+              <a:buSzPts val="1400"/>
+              <a:buFont typeface="Arial"/>
+              <a:buChar char="○"/>
+            </a:pPr>
+            <a:r>
+              <a:rPr lang="en" sz="1400">
+                <a:solidFill>
+                  <a:srgbClr val="000000"/>
+                </a:solidFill>
+                <a:latin typeface="Arial"/>
+                <a:ea typeface="Arial"/>
+                <a:cs typeface="Arial"/>
+                <a:sym typeface="Arial"/>
+              </a:rPr>
+              <a:t>d - controls the differencing factor between successive values</a:t>
+            </a:r>
+            <a:endParaRPr sz="1400">
+              <a:solidFill>
+                <a:srgbClr val="000000"/>
+              </a:solidFill>
+              <a:latin typeface="Arial"/>
+              <a:ea typeface="Arial"/>
+              <a:cs typeface="Arial"/>
+              <a:sym typeface="Arial"/>
+            </a:endParaRPr>
+          </a:p>
+          <a:p>
+            <a:pPr indent="-317500" lvl="1" marL="914400" rtl="0" algn="l">
+              <a:lnSpc>
+                <a:spcPct val="115000"/>
+              </a:lnSpc>
+              <a:spcBef>
+                <a:spcPts val="0"/>
+              </a:spcBef>
+              <a:spcAft>
+                <a:spcPts val="0"/>
+              </a:spcAft>
+              <a:buClr>
+                <a:srgbClr val="000000"/>
+              </a:buClr>
+              <a:buSzPts val="1400"/>
+              <a:buFont typeface="Arial"/>
+              <a:buChar char="○"/>
+            </a:pPr>
+            <a:r>
+              <a:rPr lang="en" sz="1400">
+                <a:solidFill>
+                  <a:srgbClr val="000000"/>
+                </a:solidFill>
+                <a:latin typeface="Arial"/>
+                <a:ea typeface="Arial"/>
+                <a:cs typeface="Arial"/>
+                <a:sym typeface="Arial"/>
+              </a:rPr>
+              <a:t>q - controls the weightage of the moving average</a:t>
+            </a:r>
+            <a:endParaRPr sz="1400">
+              <a:solidFill>
+                <a:srgbClr val="000000"/>
+              </a:solidFill>
+              <a:latin typeface="Arial"/>
+              <a:ea typeface="Arial"/>
+              <a:cs typeface="Arial"/>
+              <a:sym typeface="Arial"/>
+            </a:endParaRPr>
+          </a:p>
+          <a:p>
+            <a:pPr indent="0" lvl="0" marL="0" rtl="0" algn="l">
+              <a:lnSpc>
+                <a:spcPct val="115000"/>
+              </a:lnSpc>
+              <a:spcBef>
+                <a:spcPts val="0"/>
+              </a:spcBef>
+              <a:spcAft>
+                <a:spcPts val="0"/>
+              </a:spcAft>
+              <a:buNone/>
+            </a:pPr>
+            <a:r>
+              <a:t/>
+            </a:r>
+            <a:endParaRPr sz="1400">
+              <a:solidFill>
+                <a:srgbClr val="000000"/>
+              </a:solidFill>
+              <a:latin typeface="Arial"/>
+              <a:ea typeface="Arial"/>
+              <a:cs typeface="Arial"/>
+              <a:sym typeface="Arial"/>
+            </a:endParaRPr>
+          </a:p>
+          <a:p>
+            <a:pPr indent="0" lvl="0" marL="0" rtl="0" algn="l">
+              <a:spcBef>
+                <a:spcPts val="0"/>
+              </a:spcBef>
+              <a:spcAft>
+                <a:spcPts val="0"/>
+              </a:spcAft>
+              <a:buNone/>
+            </a:pPr>
+            <a:r>
+              <a:t/>
+            </a:r>
+            <a:endParaRPr/>
           </a:p>
         </p:txBody>
       </p:sp>
@@ -18177,7 +19112,7 @@
   <p:cSld>
     <p:spTree>
       <p:nvGrpSpPr>
-        <p:cNvPr id="351" name="Shape 351"/>
+        <p:cNvPr id="354" name="Shape 354"/>
         <p:cNvGrpSpPr/>
         <p:nvPr/>
       </p:nvGrpSpPr>
@@ -18191,7 +19126,1646 @@
       </p:grpSpPr>
       <p:sp>
         <p:nvSpPr>
-          <p:cNvPr id="352" name="Google Shape;352;p42"/>
+          <p:cNvPr id="355" name="Google Shape;355;p42"/>
+          <p:cNvSpPr txBox="1"/>
+          <p:nvPr>
+            <p:ph type="ctrTitle"/>
+          </p:nvPr>
+        </p:nvSpPr>
+        <p:spPr>
+          <a:xfrm>
+            <a:off x="77150" y="488350"/>
+            <a:ext cx="8702400" cy="774300"/>
+          </a:xfrm>
+          <a:prstGeom prst="rect">
+            <a:avLst/>
+          </a:prstGeom>
+        </p:spPr>
+        <p:txBody>
+          <a:bodyPr anchorCtr="0" anchor="t" bIns="91425" lIns="91425" spcFirstLastPara="1" rIns="91425" wrap="square" tIns="91425">
+            <a:noAutofit/>
+          </a:bodyPr>
+          <a:lstStyle/>
+          <a:p>
+            <a:pPr indent="0" lvl="0" marL="0" rtl="0" algn="l">
+              <a:spcBef>
+                <a:spcPts val="0"/>
+              </a:spcBef>
+              <a:spcAft>
+                <a:spcPts val="0"/>
+              </a:spcAft>
+              <a:buNone/>
+            </a:pPr>
+            <a:r>
+              <a:rPr lang="en" sz="2300">
+                <a:latin typeface="Times New Roman"/>
+                <a:ea typeface="Times New Roman"/>
+                <a:cs typeface="Times New Roman"/>
+                <a:sym typeface="Times New Roman"/>
+              </a:rPr>
+              <a:t>Predicting the ridership of buses and trains using ARIMA</a:t>
+            </a:r>
+            <a:endParaRPr sz="2300">
+              <a:latin typeface="Times New Roman"/>
+              <a:ea typeface="Times New Roman"/>
+              <a:cs typeface="Times New Roman"/>
+              <a:sym typeface="Times New Roman"/>
+            </a:endParaRPr>
+          </a:p>
+        </p:txBody>
+      </p:sp>
+      <p:sp>
+        <p:nvSpPr>
+          <p:cNvPr id="356" name="Google Shape;356;p42"/>
+          <p:cNvSpPr txBox="1"/>
+          <p:nvPr>
+            <p:ph idx="1" type="subTitle"/>
+          </p:nvPr>
+        </p:nvSpPr>
+        <p:spPr>
+          <a:xfrm>
+            <a:off x="203425" y="1572625"/>
+            <a:ext cx="8702400" cy="3400500"/>
+          </a:xfrm>
+          <a:prstGeom prst="rect">
+            <a:avLst/>
+          </a:prstGeom>
+        </p:spPr>
+        <p:txBody>
+          <a:bodyPr anchorCtr="0" anchor="t" bIns="91425" lIns="91425" spcFirstLastPara="1" rIns="91425" wrap="square" tIns="91425">
+            <a:noAutofit/>
+          </a:bodyPr>
+          <a:lstStyle/>
+          <a:p>
+            <a:pPr indent="0" lvl="0" marL="0" rtl="0" algn="l">
+              <a:lnSpc>
+                <a:spcPct val="115000"/>
+              </a:lnSpc>
+              <a:spcBef>
+                <a:spcPts val="1000"/>
+              </a:spcBef>
+              <a:spcAft>
+                <a:spcPts val="0"/>
+              </a:spcAft>
+              <a:buNone/>
+            </a:pPr>
+            <a:r>
+              <a:t/>
+            </a:r>
+            <a:endParaRPr sz="1400">
+              <a:solidFill>
+                <a:srgbClr val="000000"/>
+              </a:solidFill>
+              <a:latin typeface="Arial"/>
+              <a:ea typeface="Arial"/>
+              <a:cs typeface="Arial"/>
+              <a:sym typeface="Arial"/>
+            </a:endParaRPr>
+          </a:p>
+          <a:p>
+            <a:pPr indent="0" lvl="0" marL="0" rtl="0" algn="l">
+              <a:lnSpc>
+                <a:spcPct val="115000"/>
+              </a:lnSpc>
+              <a:spcBef>
+                <a:spcPts val="1000"/>
+              </a:spcBef>
+              <a:spcAft>
+                <a:spcPts val="0"/>
+              </a:spcAft>
+              <a:buNone/>
+            </a:pPr>
+            <a:r>
+              <a:t/>
+            </a:r>
+            <a:endParaRPr sz="1400">
+              <a:solidFill>
+                <a:srgbClr val="000000"/>
+              </a:solidFill>
+              <a:latin typeface="Arial"/>
+              <a:ea typeface="Arial"/>
+              <a:cs typeface="Arial"/>
+              <a:sym typeface="Arial"/>
+            </a:endParaRPr>
+          </a:p>
+          <a:p>
+            <a:pPr indent="0" lvl="0" marL="0" rtl="0" algn="l">
+              <a:spcBef>
+                <a:spcPts val="0"/>
+              </a:spcBef>
+              <a:spcAft>
+                <a:spcPts val="0"/>
+              </a:spcAft>
+              <a:buNone/>
+            </a:pPr>
+            <a:r>
+              <a:t/>
+            </a:r>
+            <a:endParaRPr/>
+          </a:p>
+        </p:txBody>
+      </p:sp>
+      <p:pic>
+        <p:nvPicPr>
+          <p:cNvPr id="357" name="Google Shape;357;p42"/>
+          <p:cNvPicPr preferRelativeResize="0"/>
+          <p:nvPr/>
+        </p:nvPicPr>
+        <p:blipFill>
+          <a:blip r:embed="rId3">
+            <a:alphaModFix/>
+          </a:blip>
+          <a:stretch>
+            <a:fillRect/>
+          </a:stretch>
+        </p:blipFill>
+        <p:spPr>
+          <a:xfrm>
+            <a:off x="203425" y="1572613"/>
+            <a:ext cx="3867150" cy="2562225"/>
+          </a:xfrm>
+          <a:prstGeom prst="rect">
+            <a:avLst/>
+          </a:prstGeom>
+          <a:noFill/>
+          <a:ln>
+            <a:noFill/>
+          </a:ln>
+        </p:spPr>
+      </p:pic>
+      <p:pic>
+        <p:nvPicPr>
+          <p:cNvPr id="358" name="Google Shape;358;p42"/>
+          <p:cNvPicPr preferRelativeResize="0"/>
+          <p:nvPr/>
+        </p:nvPicPr>
+        <p:blipFill>
+          <a:blip r:embed="rId4">
+            <a:alphaModFix/>
+          </a:blip>
+          <a:stretch>
+            <a:fillRect/>
+          </a:stretch>
+        </p:blipFill>
+        <p:spPr>
+          <a:xfrm>
+            <a:off x="4969550" y="1572613"/>
+            <a:ext cx="3810000" cy="2533650"/>
+          </a:xfrm>
+          <a:prstGeom prst="rect">
+            <a:avLst/>
+          </a:prstGeom>
+          <a:noFill/>
+          <a:ln>
+            <a:noFill/>
+          </a:ln>
+        </p:spPr>
+      </p:pic>
+      <p:sp>
+        <p:nvSpPr>
+          <p:cNvPr id="359" name="Google Shape;359;p42"/>
+          <p:cNvSpPr txBox="1"/>
+          <p:nvPr/>
+        </p:nvSpPr>
+        <p:spPr>
+          <a:xfrm>
+            <a:off x="307075" y="4166450"/>
+            <a:ext cx="3763500" cy="363000"/>
+          </a:xfrm>
+          <a:prstGeom prst="rect">
+            <a:avLst/>
+          </a:prstGeom>
+          <a:noFill/>
+          <a:ln>
+            <a:noFill/>
+          </a:ln>
+        </p:spPr>
+        <p:txBody>
+          <a:bodyPr anchorCtr="0" anchor="t" bIns="91425" lIns="91425" spcFirstLastPara="1" rIns="91425" wrap="square" tIns="91425">
+            <a:noAutofit/>
+          </a:bodyPr>
+          <a:lstStyle/>
+          <a:p>
+            <a:pPr indent="0" lvl="0" marL="0" rtl="0" algn="ctr">
+              <a:spcBef>
+                <a:spcPts val="0"/>
+              </a:spcBef>
+              <a:spcAft>
+                <a:spcPts val="0"/>
+              </a:spcAft>
+              <a:buNone/>
+            </a:pPr>
+            <a:r>
+              <a:rPr lang="en" sz="1000">
+                <a:latin typeface="Lato"/>
+                <a:ea typeface="Lato"/>
+                <a:cs typeface="Lato"/>
+                <a:sym typeface="Lato"/>
+              </a:rPr>
+              <a:t>Fig. Shows the yearly trend in ridership for trains</a:t>
+            </a:r>
+            <a:endParaRPr sz="1000">
+              <a:latin typeface="Lato"/>
+              <a:ea typeface="Lato"/>
+              <a:cs typeface="Lato"/>
+              <a:sym typeface="Lato"/>
+            </a:endParaRPr>
+          </a:p>
+        </p:txBody>
+      </p:sp>
+      <p:sp>
+        <p:nvSpPr>
+          <p:cNvPr id="360" name="Google Shape;360;p42"/>
+          <p:cNvSpPr txBox="1"/>
+          <p:nvPr/>
+        </p:nvSpPr>
+        <p:spPr>
+          <a:xfrm>
+            <a:off x="4992800" y="4106275"/>
+            <a:ext cx="3763500" cy="363000"/>
+          </a:xfrm>
+          <a:prstGeom prst="rect">
+            <a:avLst/>
+          </a:prstGeom>
+          <a:noFill/>
+          <a:ln>
+            <a:noFill/>
+          </a:ln>
+        </p:spPr>
+        <p:txBody>
+          <a:bodyPr anchorCtr="0" anchor="t" bIns="91425" lIns="91425" spcFirstLastPara="1" rIns="91425" wrap="square" tIns="91425">
+            <a:noAutofit/>
+          </a:bodyPr>
+          <a:lstStyle/>
+          <a:p>
+            <a:pPr indent="0" lvl="0" marL="0" rtl="0" algn="ctr">
+              <a:spcBef>
+                <a:spcPts val="0"/>
+              </a:spcBef>
+              <a:spcAft>
+                <a:spcPts val="0"/>
+              </a:spcAft>
+              <a:buNone/>
+            </a:pPr>
+            <a:r>
+              <a:rPr lang="en" sz="1000">
+                <a:latin typeface="Lato"/>
+                <a:ea typeface="Lato"/>
+                <a:cs typeface="Lato"/>
+                <a:sym typeface="Lato"/>
+              </a:rPr>
+              <a:t>Fig. Auto-correlation between ridership of successive years</a:t>
+            </a:r>
+            <a:endParaRPr sz="1000">
+              <a:latin typeface="Lato"/>
+              <a:ea typeface="Lato"/>
+              <a:cs typeface="Lato"/>
+              <a:sym typeface="Lato"/>
+            </a:endParaRPr>
+          </a:p>
+        </p:txBody>
+      </p:sp>
+    </p:spTree>
+  </p:cSld>
+  <p:clrMapOvr>
+    <a:masterClrMapping/>
+  </p:clrMapOvr>
+</p:sld>
+</file>
+
+<file path=ppt/slides/slide31.xml><?xml version="1.0" encoding="utf-8"?>
+<p:sld xmlns:a="http://schemas.openxmlformats.org/drawingml/2006/main" xmlns:r="http://schemas.openxmlformats.org/officeDocument/2006/relationships" xmlns:mc="http://schemas.openxmlformats.org/markup-compatibility/2006" xmlns:mv="urn:schemas-microsoft-com:mac:vml" xmlns:p="http://schemas.openxmlformats.org/presentationml/2006/main" xmlns:c="http://schemas.openxmlformats.org/drawingml/2006/chart" xmlns:dgm="http://schemas.openxmlformats.org/drawingml/2006/diagram" xmlns:o="urn:schemas-microsoft-com:office:office" xmlns:v="urn:schemas-microsoft-com:vml" xmlns:pvml="urn:schemas-microsoft-com:office:powerpoint" xmlns:com="http://schemas.openxmlformats.org/drawingml/2006/compatibility" xmlns:p14="http://schemas.microsoft.com/office/powerpoint/2010/main" xmlns:p15="http://schemas.microsoft.com/office/powerpoint/2012/main">
+  <p:cSld>
+    <p:spTree>
+      <p:nvGrpSpPr>
+        <p:cNvPr id="364" name="Shape 364"/>
+        <p:cNvGrpSpPr/>
+        <p:nvPr/>
+      </p:nvGrpSpPr>
+      <p:grpSpPr>
+        <a:xfrm>
+          <a:off x="0" y="0"/>
+          <a:ext cx="0" cy="0"/>
+          <a:chOff x="0" y="0"/>
+          <a:chExt cx="0" cy="0"/>
+        </a:xfrm>
+      </p:grpSpPr>
+      <p:sp>
+        <p:nvSpPr>
+          <p:cNvPr id="365" name="Google Shape;365;p43"/>
+          <p:cNvSpPr txBox="1"/>
+          <p:nvPr>
+            <p:ph type="ctrTitle"/>
+          </p:nvPr>
+        </p:nvSpPr>
+        <p:spPr>
+          <a:xfrm>
+            <a:off x="77150" y="488350"/>
+            <a:ext cx="8702400" cy="774300"/>
+          </a:xfrm>
+          <a:prstGeom prst="rect">
+            <a:avLst/>
+          </a:prstGeom>
+        </p:spPr>
+        <p:txBody>
+          <a:bodyPr anchorCtr="0" anchor="t" bIns="91425" lIns="91425" spcFirstLastPara="1" rIns="91425" wrap="square" tIns="91425">
+            <a:noAutofit/>
+          </a:bodyPr>
+          <a:lstStyle/>
+          <a:p>
+            <a:pPr indent="0" lvl="0" marL="0" rtl="0" algn="l">
+              <a:spcBef>
+                <a:spcPts val="0"/>
+              </a:spcBef>
+              <a:spcAft>
+                <a:spcPts val="0"/>
+              </a:spcAft>
+              <a:buNone/>
+            </a:pPr>
+            <a:r>
+              <a:rPr lang="en" sz="2300">
+                <a:latin typeface="Times New Roman"/>
+                <a:ea typeface="Times New Roman"/>
+                <a:cs typeface="Times New Roman"/>
+                <a:sym typeface="Times New Roman"/>
+              </a:rPr>
+              <a:t>Predicting the ridership of buses and trains using ARIMA</a:t>
+            </a:r>
+            <a:endParaRPr sz="2300">
+              <a:latin typeface="Times New Roman"/>
+              <a:ea typeface="Times New Roman"/>
+              <a:cs typeface="Times New Roman"/>
+              <a:sym typeface="Times New Roman"/>
+            </a:endParaRPr>
+          </a:p>
+        </p:txBody>
+      </p:sp>
+      <p:sp>
+        <p:nvSpPr>
+          <p:cNvPr id="366" name="Google Shape;366;p43"/>
+          <p:cNvSpPr txBox="1"/>
+          <p:nvPr>
+            <p:ph idx="1" type="subTitle"/>
+          </p:nvPr>
+        </p:nvSpPr>
+        <p:spPr>
+          <a:xfrm>
+            <a:off x="203425" y="1572625"/>
+            <a:ext cx="8702400" cy="3400500"/>
+          </a:xfrm>
+          <a:prstGeom prst="rect">
+            <a:avLst/>
+          </a:prstGeom>
+        </p:spPr>
+        <p:txBody>
+          <a:bodyPr anchorCtr="0" anchor="t" bIns="91425" lIns="91425" spcFirstLastPara="1" rIns="91425" wrap="square" tIns="91425">
+            <a:noAutofit/>
+          </a:bodyPr>
+          <a:lstStyle/>
+          <a:p>
+            <a:pPr indent="-317500" lvl="0" marL="457200" rtl="0" algn="l">
+              <a:lnSpc>
+                <a:spcPct val="115000"/>
+              </a:lnSpc>
+              <a:spcBef>
+                <a:spcPts val="1000"/>
+              </a:spcBef>
+              <a:spcAft>
+                <a:spcPts val="0"/>
+              </a:spcAft>
+              <a:buClr>
+                <a:srgbClr val="000000"/>
+              </a:buClr>
+              <a:buSzPts val="1400"/>
+              <a:buFont typeface="Arial"/>
+              <a:buChar char="●"/>
+            </a:pPr>
+            <a:r>
+              <a:rPr lang="en" sz="1400">
+                <a:solidFill>
+                  <a:srgbClr val="000000"/>
+                </a:solidFill>
+                <a:latin typeface="Arial"/>
+                <a:ea typeface="Arial"/>
+                <a:cs typeface="Arial"/>
+                <a:sym typeface="Arial"/>
+              </a:rPr>
+              <a:t>Optimal Hyper-parameters: (p, d, q) = (8, 1, 1)</a:t>
+            </a:r>
+            <a:endParaRPr sz="1400">
+              <a:solidFill>
+                <a:srgbClr val="000000"/>
+              </a:solidFill>
+              <a:latin typeface="Arial"/>
+              <a:ea typeface="Arial"/>
+              <a:cs typeface="Arial"/>
+              <a:sym typeface="Arial"/>
+            </a:endParaRPr>
+          </a:p>
+          <a:p>
+            <a:pPr indent="-317500" lvl="0" marL="457200" rtl="0" algn="l">
+              <a:lnSpc>
+                <a:spcPct val="115000"/>
+              </a:lnSpc>
+              <a:spcBef>
+                <a:spcPts val="1000"/>
+              </a:spcBef>
+              <a:spcAft>
+                <a:spcPts val="0"/>
+              </a:spcAft>
+              <a:buClr>
+                <a:srgbClr val="000000"/>
+              </a:buClr>
+              <a:buSzPts val="1400"/>
+              <a:buFont typeface="Arial"/>
+              <a:buChar char="●"/>
+            </a:pPr>
+            <a:r>
+              <a:rPr lang="en" sz="1400">
+                <a:solidFill>
+                  <a:srgbClr val="000000"/>
+                </a:solidFill>
+                <a:latin typeface="Arial"/>
+                <a:ea typeface="Arial"/>
+                <a:cs typeface="Arial"/>
+                <a:sym typeface="Arial"/>
+              </a:rPr>
+              <a:t>This means the model performs optimally when consider previous 8 values into our prediction, with single differencing and normal weightage to the moving average.</a:t>
+            </a:r>
+            <a:endParaRPr sz="1400">
+              <a:solidFill>
+                <a:srgbClr val="000000"/>
+              </a:solidFill>
+              <a:latin typeface="Arial"/>
+              <a:ea typeface="Arial"/>
+              <a:cs typeface="Arial"/>
+              <a:sym typeface="Arial"/>
+            </a:endParaRPr>
+          </a:p>
+          <a:p>
+            <a:pPr indent="-317500" lvl="0" marL="457200" rtl="0" algn="l">
+              <a:lnSpc>
+                <a:spcPct val="115000"/>
+              </a:lnSpc>
+              <a:spcBef>
+                <a:spcPts val="1000"/>
+              </a:spcBef>
+              <a:spcAft>
+                <a:spcPts val="0"/>
+              </a:spcAft>
+              <a:buClr>
+                <a:srgbClr val="000000"/>
+              </a:buClr>
+              <a:buSzPts val="1400"/>
+              <a:buFont typeface="Arial"/>
+              <a:buChar char="●"/>
+            </a:pPr>
+            <a:r>
+              <a:rPr lang="en" sz="1400">
+                <a:solidFill>
+                  <a:srgbClr val="000000"/>
+                </a:solidFill>
+                <a:latin typeface="Arial"/>
+                <a:ea typeface="Arial"/>
+                <a:cs typeface="Arial"/>
+                <a:sym typeface="Arial"/>
+              </a:rPr>
+              <a:t>This can be confirmed by looking at the chart. It does not mean that we only take the previous 8 years of values, but that that taking 8 years of data is sufficient for accurate predictions.</a:t>
+            </a:r>
+            <a:endParaRPr sz="1400">
+              <a:solidFill>
+                <a:srgbClr val="000000"/>
+              </a:solidFill>
+              <a:latin typeface="Arial"/>
+              <a:ea typeface="Arial"/>
+              <a:cs typeface="Arial"/>
+              <a:sym typeface="Arial"/>
+            </a:endParaRPr>
+          </a:p>
+          <a:p>
+            <a:pPr indent="0" lvl="0" marL="0" rtl="0" algn="l">
+              <a:lnSpc>
+                <a:spcPct val="115000"/>
+              </a:lnSpc>
+              <a:spcBef>
+                <a:spcPts val="1000"/>
+              </a:spcBef>
+              <a:spcAft>
+                <a:spcPts val="0"/>
+              </a:spcAft>
+              <a:buNone/>
+            </a:pPr>
+            <a:r>
+              <a:t/>
+            </a:r>
+            <a:endParaRPr sz="1400">
+              <a:solidFill>
+                <a:srgbClr val="000000"/>
+              </a:solidFill>
+              <a:latin typeface="Arial"/>
+              <a:ea typeface="Arial"/>
+              <a:cs typeface="Arial"/>
+              <a:sym typeface="Arial"/>
+            </a:endParaRPr>
+          </a:p>
+          <a:p>
+            <a:pPr indent="0" lvl="0" marL="0" rtl="0" algn="l">
+              <a:spcBef>
+                <a:spcPts val="0"/>
+              </a:spcBef>
+              <a:spcAft>
+                <a:spcPts val="0"/>
+              </a:spcAft>
+              <a:buNone/>
+            </a:pPr>
+            <a:r>
+              <a:t/>
+            </a:r>
+            <a:endParaRPr/>
+          </a:p>
+        </p:txBody>
+      </p:sp>
+      <p:pic>
+        <p:nvPicPr>
+          <p:cNvPr id="367" name="Google Shape;367;p43"/>
+          <p:cNvPicPr preferRelativeResize="0"/>
+          <p:nvPr/>
+        </p:nvPicPr>
+        <p:blipFill>
+          <a:blip r:embed="rId3">
+            <a:alphaModFix/>
+          </a:blip>
+          <a:stretch>
+            <a:fillRect/>
+          </a:stretch>
+        </p:blipFill>
+        <p:spPr>
+          <a:xfrm>
+            <a:off x="3167125" y="3287225"/>
+            <a:ext cx="2522450" cy="1685900"/>
+          </a:xfrm>
+          <a:prstGeom prst="rect">
+            <a:avLst/>
+          </a:prstGeom>
+          <a:noFill/>
+          <a:ln>
+            <a:noFill/>
+          </a:ln>
+        </p:spPr>
+      </p:pic>
+    </p:spTree>
+  </p:cSld>
+  <p:clrMapOvr>
+    <a:masterClrMapping/>
+  </p:clrMapOvr>
+</p:sld>
+</file>
+
+<file path=ppt/slides/slide32.xml><?xml version="1.0" encoding="utf-8"?>
+<p:sld xmlns:a="http://schemas.openxmlformats.org/drawingml/2006/main" xmlns:r="http://schemas.openxmlformats.org/officeDocument/2006/relationships" xmlns:mc="http://schemas.openxmlformats.org/markup-compatibility/2006" xmlns:mv="urn:schemas-microsoft-com:mac:vml" xmlns:p="http://schemas.openxmlformats.org/presentationml/2006/main" xmlns:c="http://schemas.openxmlformats.org/drawingml/2006/chart" xmlns:dgm="http://schemas.openxmlformats.org/drawingml/2006/diagram" xmlns:o="urn:schemas-microsoft-com:office:office" xmlns:v="urn:schemas-microsoft-com:vml" xmlns:pvml="urn:schemas-microsoft-com:office:powerpoint" xmlns:com="http://schemas.openxmlformats.org/drawingml/2006/compatibility" xmlns:p14="http://schemas.microsoft.com/office/powerpoint/2010/main" xmlns:p15="http://schemas.microsoft.com/office/powerpoint/2012/main">
+  <p:cSld>
+    <p:spTree>
+      <p:nvGrpSpPr>
+        <p:cNvPr id="371" name="Shape 371"/>
+        <p:cNvGrpSpPr/>
+        <p:nvPr/>
+      </p:nvGrpSpPr>
+      <p:grpSpPr>
+        <a:xfrm>
+          <a:off x="0" y="0"/>
+          <a:ext cx="0" cy="0"/>
+          <a:chOff x="0" y="0"/>
+          <a:chExt cx="0" cy="0"/>
+        </a:xfrm>
+      </p:grpSpPr>
+      <p:sp>
+        <p:nvSpPr>
+          <p:cNvPr id="372" name="Google Shape;372;p44"/>
+          <p:cNvSpPr txBox="1"/>
+          <p:nvPr>
+            <p:ph type="ctrTitle"/>
+          </p:nvPr>
+        </p:nvSpPr>
+        <p:spPr>
+          <a:xfrm>
+            <a:off x="77150" y="488350"/>
+            <a:ext cx="8702400" cy="774300"/>
+          </a:xfrm>
+          <a:prstGeom prst="rect">
+            <a:avLst/>
+          </a:prstGeom>
+        </p:spPr>
+        <p:txBody>
+          <a:bodyPr anchorCtr="0" anchor="t" bIns="91425" lIns="91425" spcFirstLastPara="1" rIns="91425" wrap="square" tIns="91425">
+            <a:noAutofit/>
+          </a:bodyPr>
+          <a:lstStyle/>
+          <a:p>
+            <a:pPr indent="0" lvl="0" marL="0" rtl="0" algn="l">
+              <a:spcBef>
+                <a:spcPts val="0"/>
+              </a:spcBef>
+              <a:spcAft>
+                <a:spcPts val="0"/>
+              </a:spcAft>
+              <a:buNone/>
+            </a:pPr>
+            <a:r>
+              <a:rPr lang="en" sz="2300">
+                <a:latin typeface="Times New Roman"/>
+                <a:ea typeface="Times New Roman"/>
+                <a:cs typeface="Times New Roman"/>
+                <a:sym typeface="Times New Roman"/>
+              </a:rPr>
+              <a:t>Predicting the ridership of buses and trains using ARIMA</a:t>
+            </a:r>
+            <a:endParaRPr sz="2300">
+              <a:latin typeface="Times New Roman"/>
+              <a:ea typeface="Times New Roman"/>
+              <a:cs typeface="Times New Roman"/>
+              <a:sym typeface="Times New Roman"/>
+            </a:endParaRPr>
+          </a:p>
+        </p:txBody>
+      </p:sp>
+      <p:sp>
+        <p:nvSpPr>
+          <p:cNvPr id="373" name="Google Shape;373;p44"/>
+          <p:cNvSpPr txBox="1"/>
+          <p:nvPr>
+            <p:ph idx="1" type="subTitle"/>
+          </p:nvPr>
+        </p:nvSpPr>
+        <p:spPr>
+          <a:xfrm>
+            <a:off x="203425" y="1572625"/>
+            <a:ext cx="8702400" cy="3400500"/>
+          </a:xfrm>
+          <a:prstGeom prst="rect">
+            <a:avLst/>
+          </a:prstGeom>
+        </p:spPr>
+        <p:txBody>
+          <a:bodyPr anchorCtr="0" anchor="t" bIns="91425" lIns="91425" spcFirstLastPara="1" rIns="91425" wrap="square" tIns="91425">
+            <a:noAutofit/>
+          </a:bodyPr>
+          <a:lstStyle/>
+          <a:p>
+            <a:pPr indent="0" lvl="0" marL="0" rtl="0" algn="l">
+              <a:lnSpc>
+                <a:spcPct val="115000"/>
+              </a:lnSpc>
+              <a:spcBef>
+                <a:spcPts val="1000"/>
+              </a:spcBef>
+              <a:spcAft>
+                <a:spcPts val="0"/>
+              </a:spcAft>
+              <a:buNone/>
+            </a:pPr>
+            <a:r>
+              <a:t/>
+            </a:r>
+            <a:endParaRPr sz="1400">
+              <a:solidFill>
+                <a:srgbClr val="000000"/>
+              </a:solidFill>
+              <a:latin typeface="Arial"/>
+              <a:ea typeface="Arial"/>
+              <a:cs typeface="Arial"/>
+              <a:sym typeface="Arial"/>
+            </a:endParaRPr>
+          </a:p>
+          <a:p>
+            <a:pPr indent="0" lvl="0" marL="0" rtl="0" algn="l">
+              <a:lnSpc>
+                <a:spcPct val="115000"/>
+              </a:lnSpc>
+              <a:spcBef>
+                <a:spcPts val="1000"/>
+              </a:spcBef>
+              <a:spcAft>
+                <a:spcPts val="0"/>
+              </a:spcAft>
+              <a:buNone/>
+            </a:pPr>
+            <a:r>
+              <a:t/>
+            </a:r>
+            <a:endParaRPr sz="1400">
+              <a:solidFill>
+                <a:srgbClr val="000000"/>
+              </a:solidFill>
+              <a:latin typeface="Arial"/>
+              <a:ea typeface="Arial"/>
+              <a:cs typeface="Arial"/>
+              <a:sym typeface="Arial"/>
+            </a:endParaRPr>
+          </a:p>
+          <a:p>
+            <a:pPr indent="0" lvl="0" marL="0" rtl="0" algn="l">
+              <a:spcBef>
+                <a:spcPts val="0"/>
+              </a:spcBef>
+              <a:spcAft>
+                <a:spcPts val="0"/>
+              </a:spcAft>
+              <a:buNone/>
+            </a:pPr>
+            <a:r>
+              <a:t/>
+            </a:r>
+            <a:endParaRPr/>
+          </a:p>
+        </p:txBody>
+      </p:sp>
+      <p:sp>
+        <p:nvSpPr>
+          <p:cNvPr id="374" name="Google Shape;374;p44"/>
+          <p:cNvSpPr txBox="1"/>
+          <p:nvPr/>
+        </p:nvSpPr>
+        <p:spPr>
+          <a:xfrm>
+            <a:off x="307075" y="4166450"/>
+            <a:ext cx="3763500" cy="363000"/>
+          </a:xfrm>
+          <a:prstGeom prst="rect">
+            <a:avLst/>
+          </a:prstGeom>
+          <a:noFill/>
+          <a:ln>
+            <a:noFill/>
+          </a:ln>
+        </p:spPr>
+        <p:txBody>
+          <a:bodyPr anchorCtr="0" anchor="t" bIns="91425" lIns="91425" spcFirstLastPara="1" rIns="91425" wrap="square" tIns="91425">
+            <a:noAutofit/>
+          </a:bodyPr>
+          <a:lstStyle/>
+          <a:p>
+            <a:pPr indent="0" lvl="0" marL="0" rtl="0" algn="ctr">
+              <a:spcBef>
+                <a:spcPts val="0"/>
+              </a:spcBef>
+              <a:spcAft>
+                <a:spcPts val="0"/>
+              </a:spcAft>
+              <a:buNone/>
+            </a:pPr>
+            <a:r>
+              <a:rPr lang="en" sz="1000">
+                <a:latin typeface="Lato"/>
+                <a:ea typeface="Lato"/>
+                <a:cs typeface="Lato"/>
+                <a:sym typeface="Lato"/>
+              </a:rPr>
+              <a:t>Fig. Rolling predictions for bus dataset</a:t>
+            </a:r>
+            <a:endParaRPr sz="1000">
+              <a:latin typeface="Lato"/>
+              <a:ea typeface="Lato"/>
+              <a:cs typeface="Lato"/>
+              <a:sym typeface="Lato"/>
+            </a:endParaRPr>
+          </a:p>
+        </p:txBody>
+      </p:sp>
+      <p:sp>
+        <p:nvSpPr>
+          <p:cNvPr id="375" name="Google Shape;375;p44"/>
+          <p:cNvSpPr txBox="1"/>
+          <p:nvPr/>
+        </p:nvSpPr>
+        <p:spPr>
+          <a:xfrm>
+            <a:off x="4992800" y="4166450"/>
+            <a:ext cx="3763500" cy="363000"/>
+          </a:xfrm>
+          <a:prstGeom prst="rect">
+            <a:avLst/>
+          </a:prstGeom>
+          <a:noFill/>
+          <a:ln>
+            <a:noFill/>
+          </a:ln>
+        </p:spPr>
+        <p:txBody>
+          <a:bodyPr anchorCtr="0" anchor="t" bIns="91425" lIns="91425" spcFirstLastPara="1" rIns="91425" wrap="square" tIns="91425">
+            <a:noAutofit/>
+          </a:bodyPr>
+          <a:lstStyle/>
+          <a:p>
+            <a:pPr indent="0" lvl="0" marL="0" rtl="0" algn="ctr">
+              <a:spcBef>
+                <a:spcPts val="0"/>
+              </a:spcBef>
+              <a:spcAft>
+                <a:spcPts val="0"/>
+              </a:spcAft>
+              <a:buNone/>
+            </a:pPr>
+            <a:r>
+              <a:rPr lang="en" sz="1000">
+                <a:latin typeface="Lato"/>
+                <a:ea typeface="Lato"/>
+                <a:cs typeface="Lato"/>
+                <a:sym typeface="Lato"/>
+              </a:rPr>
+              <a:t>Fig. Rolling predictions for trains dataset</a:t>
+            </a:r>
+            <a:endParaRPr sz="1000">
+              <a:latin typeface="Lato"/>
+              <a:ea typeface="Lato"/>
+              <a:cs typeface="Lato"/>
+              <a:sym typeface="Lato"/>
+            </a:endParaRPr>
+          </a:p>
+        </p:txBody>
+      </p:sp>
+      <p:pic>
+        <p:nvPicPr>
+          <p:cNvPr id="376" name="Google Shape;376;p44"/>
+          <p:cNvPicPr preferRelativeResize="0"/>
+          <p:nvPr/>
+        </p:nvPicPr>
+        <p:blipFill>
+          <a:blip r:embed="rId3">
+            <a:alphaModFix/>
+          </a:blip>
+          <a:stretch>
+            <a:fillRect/>
+          </a:stretch>
+        </p:blipFill>
+        <p:spPr>
+          <a:xfrm>
+            <a:off x="198100" y="1572625"/>
+            <a:ext cx="3981450" cy="2609850"/>
+          </a:xfrm>
+          <a:prstGeom prst="rect">
+            <a:avLst/>
+          </a:prstGeom>
+          <a:noFill/>
+          <a:ln>
+            <a:noFill/>
+          </a:ln>
+        </p:spPr>
+      </p:pic>
+      <p:pic>
+        <p:nvPicPr>
+          <p:cNvPr id="377" name="Google Shape;377;p44"/>
+          <p:cNvPicPr preferRelativeResize="0"/>
+          <p:nvPr/>
+        </p:nvPicPr>
+        <p:blipFill>
+          <a:blip r:embed="rId4">
+            <a:alphaModFix/>
+          </a:blip>
+          <a:stretch>
+            <a:fillRect/>
+          </a:stretch>
+        </p:blipFill>
+        <p:spPr>
+          <a:xfrm>
+            <a:off x="4960025" y="1553575"/>
+            <a:ext cx="3829050" cy="2647950"/>
+          </a:xfrm>
+          <a:prstGeom prst="rect">
+            <a:avLst/>
+          </a:prstGeom>
+          <a:noFill/>
+          <a:ln>
+            <a:noFill/>
+          </a:ln>
+        </p:spPr>
+      </p:pic>
+    </p:spTree>
+  </p:cSld>
+  <p:clrMapOvr>
+    <a:masterClrMapping/>
+  </p:clrMapOvr>
+</p:sld>
+</file>
+
+<file path=ppt/slides/slide33.xml><?xml version="1.0" encoding="utf-8"?>
+<p:sld xmlns:a="http://schemas.openxmlformats.org/drawingml/2006/main" xmlns:r="http://schemas.openxmlformats.org/officeDocument/2006/relationships" xmlns:mc="http://schemas.openxmlformats.org/markup-compatibility/2006" xmlns:mv="urn:schemas-microsoft-com:mac:vml" xmlns:p="http://schemas.openxmlformats.org/presentationml/2006/main" xmlns:c="http://schemas.openxmlformats.org/drawingml/2006/chart" xmlns:dgm="http://schemas.openxmlformats.org/drawingml/2006/diagram" xmlns:o="urn:schemas-microsoft-com:office:office" xmlns:v="urn:schemas-microsoft-com:vml" xmlns:pvml="urn:schemas-microsoft-com:office:powerpoint" xmlns:com="http://schemas.openxmlformats.org/drawingml/2006/compatibility" xmlns:p14="http://schemas.microsoft.com/office/powerpoint/2010/main" xmlns:p15="http://schemas.microsoft.com/office/powerpoint/2012/main">
+  <p:cSld>
+    <p:spTree>
+      <p:nvGrpSpPr>
+        <p:cNvPr id="381" name="Shape 381"/>
+        <p:cNvGrpSpPr/>
+        <p:nvPr/>
+      </p:nvGrpSpPr>
+      <p:grpSpPr>
+        <a:xfrm>
+          <a:off x="0" y="0"/>
+          <a:ext cx="0" cy="0"/>
+          <a:chOff x="0" y="0"/>
+          <a:chExt cx="0" cy="0"/>
+        </a:xfrm>
+      </p:grpSpPr>
+      <p:sp>
+        <p:nvSpPr>
+          <p:cNvPr id="382" name="Google Shape;382;p45"/>
+          <p:cNvSpPr txBox="1"/>
+          <p:nvPr>
+            <p:ph type="ctrTitle"/>
+          </p:nvPr>
+        </p:nvSpPr>
+        <p:spPr>
+          <a:xfrm>
+            <a:off x="77150" y="488350"/>
+            <a:ext cx="8702400" cy="774300"/>
+          </a:xfrm>
+          <a:prstGeom prst="rect">
+            <a:avLst/>
+          </a:prstGeom>
+        </p:spPr>
+        <p:txBody>
+          <a:bodyPr anchorCtr="0" anchor="t" bIns="91425" lIns="91425" spcFirstLastPara="1" rIns="91425" wrap="square" tIns="91425">
+            <a:noAutofit/>
+          </a:bodyPr>
+          <a:lstStyle/>
+          <a:p>
+            <a:pPr indent="0" lvl="0" marL="0" rtl="0" algn="l">
+              <a:spcBef>
+                <a:spcPts val="0"/>
+              </a:spcBef>
+              <a:spcAft>
+                <a:spcPts val="0"/>
+              </a:spcAft>
+              <a:buNone/>
+            </a:pPr>
+            <a:r>
+              <a:rPr lang="en" sz="2300">
+                <a:latin typeface="Times New Roman"/>
+                <a:ea typeface="Times New Roman"/>
+                <a:cs typeface="Times New Roman"/>
+                <a:sym typeface="Times New Roman"/>
+              </a:rPr>
+              <a:t>Predicting the ridership of buses and trains using ARIMA</a:t>
+            </a:r>
+            <a:endParaRPr sz="2300">
+              <a:latin typeface="Times New Roman"/>
+              <a:ea typeface="Times New Roman"/>
+              <a:cs typeface="Times New Roman"/>
+              <a:sym typeface="Times New Roman"/>
+            </a:endParaRPr>
+          </a:p>
+        </p:txBody>
+      </p:sp>
+      <p:sp>
+        <p:nvSpPr>
+          <p:cNvPr id="383" name="Google Shape;383;p45"/>
+          <p:cNvSpPr txBox="1"/>
+          <p:nvPr>
+            <p:ph idx="1" type="subTitle"/>
+          </p:nvPr>
+        </p:nvSpPr>
+        <p:spPr>
+          <a:xfrm>
+            <a:off x="203425" y="1572625"/>
+            <a:ext cx="8702400" cy="3400500"/>
+          </a:xfrm>
+          <a:prstGeom prst="rect">
+            <a:avLst/>
+          </a:prstGeom>
+        </p:spPr>
+        <p:txBody>
+          <a:bodyPr anchorCtr="0" anchor="t" bIns="91425" lIns="91425" spcFirstLastPara="1" rIns="91425" wrap="square" tIns="91425">
+            <a:noAutofit/>
+          </a:bodyPr>
+          <a:lstStyle/>
+          <a:p>
+            <a:pPr indent="-317500" lvl="0" marL="457200" rtl="0" algn="l">
+              <a:lnSpc>
+                <a:spcPct val="115000"/>
+              </a:lnSpc>
+              <a:spcBef>
+                <a:spcPts val="1000"/>
+              </a:spcBef>
+              <a:spcAft>
+                <a:spcPts val="0"/>
+              </a:spcAft>
+              <a:buClr>
+                <a:srgbClr val="000000"/>
+              </a:buClr>
+              <a:buSzPts val="1400"/>
+              <a:buFont typeface="Arial"/>
+              <a:buChar char="●"/>
+            </a:pPr>
+            <a:r>
+              <a:rPr lang="en" sz="1400">
+                <a:solidFill>
+                  <a:srgbClr val="000000"/>
+                </a:solidFill>
+                <a:latin typeface="Arial"/>
+                <a:ea typeface="Arial"/>
+                <a:cs typeface="Arial"/>
+                <a:sym typeface="Arial"/>
+              </a:rPr>
+              <a:t>Attained an accuracy of ~95.6% for the buses dataset and an accuracy of ~95.2% for the trains dataset.</a:t>
+            </a:r>
+            <a:endParaRPr sz="1400">
+              <a:solidFill>
+                <a:srgbClr val="000000"/>
+              </a:solidFill>
+              <a:latin typeface="Arial"/>
+              <a:ea typeface="Arial"/>
+              <a:cs typeface="Arial"/>
+              <a:sym typeface="Arial"/>
+            </a:endParaRPr>
+          </a:p>
+          <a:p>
+            <a:pPr indent="-317500" lvl="0" marL="457200" rtl="0" algn="l">
+              <a:lnSpc>
+                <a:spcPct val="115000"/>
+              </a:lnSpc>
+              <a:spcBef>
+                <a:spcPts val="1000"/>
+              </a:spcBef>
+              <a:spcAft>
+                <a:spcPts val="0"/>
+              </a:spcAft>
+              <a:buClr>
+                <a:srgbClr val="000000"/>
+              </a:buClr>
+              <a:buSzPts val="1400"/>
+              <a:buFont typeface="Arial"/>
+              <a:buChar char="●"/>
+            </a:pPr>
+            <a:r>
+              <a:rPr lang="en" sz="1400">
+                <a:solidFill>
+                  <a:srgbClr val="000000"/>
+                </a:solidFill>
+                <a:latin typeface="Arial"/>
+                <a:ea typeface="Arial"/>
+                <a:cs typeface="Arial"/>
+                <a:sym typeface="Arial"/>
+              </a:rPr>
+              <a:t>Rolling predictions predict values for a given month, and then add this prediction to the dataset to predict the value for the next month. Hence, the error might increase the further into the future we try to predict.</a:t>
+            </a:r>
+            <a:endParaRPr sz="1400">
+              <a:solidFill>
+                <a:srgbClr val="000000"/>
+              </a:solidFill>
+              <a:latin typeface="Arial"/>
+              <a:ea typeface="Arial"/>
+              <a:cs typeface="Arial"/>
+              <a:sym typeface="Arial"/>
+            </a:endParaRPr>
+          </a:p>
+          <a:p>
+            <a:pPr indent="-317500" lvl="0" marL="457200" rtl="0" algn="l">
+              <a:lnSpc>
+                <a:spcPct val="115000"/>
+              </a:lnSpc>
+              <a:spcBef>
+                <a:spcPts val="1000"/>
+              </a:spcBef>
+              <a:spcAft>
+                <a:spcPts val="0"/>
+              </a:spcAft>
+              <a:buClr>
+                <a:srgbClr val="000000"/>
+              </a:buClr>
+              <a:buSzPts val="1400"/>
+              <a:buFont typeface="Arial"/>
+              <a:buChar char="●"/>
+            </a:pPr>
+            <a:r>
+              <a:rPr lang="en" sz="1400">
+                <a:solidFill>
+                  <a:srgbClr val="000000"/>
+                </a:solidFill>
+                <a:latin typeface="Arial"/>
+                <a:ea typeface="Arial"/>
+                <a:cs typeface="Arial"/>
+                <a:sym typeface="Arial"/>
+              </a:rPr>
+              <a:t>Using these rolling predictions and comparing them to previous ridership values, we can classify which routes and train stations are going to see an increase or decrease in ridership in the following year.</a:t>
+            </a:r>
+            <a:endParaRPr sz="1400">
+              <a:solidFill>
+                <a:srgbClr val="000000"/>
+              </a:solidFill>
+              <a:latin typeface="Arial"/>
+              <a:ea typeface="Arial"/>
+              <a:cs typeface="Arial"/>
+              <a:sym typeface="Arial"/>
+            </a:endParaRPr>
+          </a:p>
+          <a:p>
+            <a:pPr indent="-317500" lvl="1" marL="914400" rtl="0" algn="l">
+              <a:lnSpc>
+                <a:spcPct val="115000"/>
+              </a:lnSpc>
+              <a:spcBef>
+                <a:spcPts val="1000"/>
+              </a:spcBef>
+              <a:spcAft>
+                <a:spcPts val="0"/>
+              </a:spcAft>
+              <a:buClr>
+                <a:srgbClr val="000000"/>
+              </a:buClr>
+              <a:buSzPts val="1400"/>
+              <a:buFont typeface="Arial"/>
+              <a:buChar char="○"/>
+            </a:pPr>
+            <a:r>
+              <a:rPr lang="en" sz="1400">
+                <a:solidFill>
+                  <a:srgbClr val="000000"/>
+                </a:solidFill>
+                <a:latin typeface="Arial"/>
+                <a:ea typeface="Arial"/>
+                <a:cs typeface="Arial"/>
+                <a:sym typeface="Arial"/>
+              </a:rPr>
+              <a:t>Jefferson Park, LaSalle/Van Buren, Pulaski-Forest Park, Halsted/63rd ← Predicted Decrease in Ridership</a:t>
+            </a:r>
+            <a:endParaRPr sz="1400">
+              <a:solidFill>
+                <a:srgbClr val="000000"/>
+              </a:solidFill>
+              <a:latin typeface="Arial"/>
+              <a:ea typeface="Arial"/>
+              <a:cs typeface="Arial"/>
+              <a:sym typeface="Arial"/>
+            </a:endParaRPr>
+          </a:p>
+          <a:p>
+            <a:pPr indent="0" lvl="0" marL="0" rtl="0" algn="l">
+              <a:lnSpc>
+                <a:spcPct val="115000"/>
+              </a:lnSpc>
+              <a:spcBef>
+                <a:spcPts val="1000"/>
+              </a:spcBef>
+              <a:spcAft>
+                <a:spcPts val="0"/>
+              </a:spcAft>
+              <a:buNone/>
+            </a:pPr>
+            <a:r>
+              <a:t/>
+            </a:r>
+            <a:endParaRPr sz="1400">
+              <a:solidFill>
+                <a:srgbClr val="000000"/>
+              </a:solidFill>
+              <a:latin typeface="Arial"/>
+              <a:ea typeface="Arial"/>
+              <a:cs typeface="Arial"/>
+              <a:sym typeface="Arial"/>
+            </a:endParaRPr>
+          </a:p>
+          <a:p>
+            <a:pPr indent="0" lvl="0" marL="0" rtl="0" algn="l">
+              <a:spcBef>
+                <a:spcPts val="0"/>
+              </a:spcBef>
+              <a:spcAft>
+                <a:spcPts val="0"/>
+              </a:spcAft>
+              <a:buNone/>
+            </a:pPr>
+            <a:r>
+              <a:t/>
+            </a:r>
+            <a:endParaRPr/>
+          </a:p>
+        </p:txBody>
+      </p:sp>
+    </p:spTree>
+  </p:cSld>
+  <p:clrMapOvr>
+    <a:masterClrMapping/>
+  </p:clrMapOvr>
+</p:sld>
+</file>
+
+<file path=ppt/slides/slide34.xml><?xml version="1.0" encoding="utf-8"?>
+<p:sld xmlns:a="http://schemas.openxmlformats.org/drawingml/2006/main" xmlns:r="http://schemas.openxmlformats.org/officeDocument/2006/relationships" xmlns:mc="http://schemas.openxmlformats.org/markup-compatibility/2006" xmlns:mv="urn:schemas-microsoft-com:mac:vml" xmlns:p="http://schemas.openxmlformats.org/presentationml/2006/main" xmlns:c="http://schemas.openxmlformats.org/drawingml/2006/chart" xmlns:dgm="http://schemas.openxmlformats.org/drawingml/2006/diagram" xmlns:o="urn:schemas-microsoft-com:office:office" xmlns:v="urn:schemas-microsoft-com:vml" xmlns:pvml="urn:schemas-microsoft-com:office:powerpoint" xmlns:com="http://schemas.openxmlformats.org/drawingml/2006/compatibility" xmlns:p14="http://schemas.microsoft.com/office/powerpoint/2010/main" xmlns:p15="http://schemas.microsoft.com/office/powerpoint/2012/main">
+  <p:cSld>
+    <p:spTree>
+      <p:nvGrpSpPr>
+        <p:cNvPr id="387" name="Shape 387"/>
+        <p:cNvGrpSpPr/>
+        <p:nvPr/>
+      </p:nvGrpSpPr>
+      <p:grpSpPr>
+        <a:xfrm>
+          <a:off x="0" y="0"/>
+          <a:ext cx="0" cy="0"/>
+          <a:chOff x="0" y="0"/>
+          <a:chExt cx="0" cy="0"/>
+        </a:xfrm>
+      </p:grpSpPr>
+      <p:sp>
+        <p:nvSpPr>
+          <p:cNvPr id="388" name="Google Shape;388;p46"/>
+          <p:cNvSpPr txBox="1"/>
+          <p:nvPr>
+            <p:ph type="ctrTitle"/>
+          </p:nvPr>
+        </p:nvSpPr>
+        <p:spPr>
+          <a:xfrm>
+            <a:off x="216175" y="466975"/>
+            <a:ext cx="7688100" cy="592500"/>
+          </a:xfrm>
+          <a:prstGeom prst="rect">
+            <a:avLst/>
+          </a:prstGeom>
+        </p:spPr>
+        <p:txBody>
+          <a:bodyPr anchorCtr="0" anchor="t" bIns="91425" lIns="91425" spcFirstLastPara="1" rIns="91425" wrap="square" tIns="91425">
+            <a:noAutofit/>
+          </a:bodyPr>
+          <a:lstStyle/>
+          <a:p>
+            <a:pPr indent="0" lvl="0" marL="0" rtl="0" algn="l">
+              <a:spcBef>
+                <a:spcPts val="0"/>
+              </a:spcBef>
+              <a:spcAft>
+                <a:spcPts val="0"/>
+              </a:spcAft>
+              <a:buNone/>
+            </a:pPr>
+            <a:r>
+              <a:rPr lang="en"/>
+              <a:t>Evaluation</a:t>
+            </a:r>
+            <a:endParaRPr/>
+          </a:p>
+        </p:txBody>
+      </p:sp>
+      <p:sp>
+        <p:nvSpPr>
+          <p:cNvPr id="389" name="Google Shape;389;p46"/>
+          <p:cNvSpPr txBox="1"/>
+          <p:nvPr>
+            <p:ph idx="1" type="subTitle"/>
+          </p:nvPr>
+        </p:nvSpPr>
+        <p:spPr>
+          <a:xfrm>
+            <a:off x="171350" y="2053825"/>
+            <a:ext cx="8246400" cy="2598300"/>
+          </a:xfrm>
+          <a:prstGeom prst="rect">
+            <a:avLst/>
+          </a:prstGeom>
+        </p:spPr>
+        <p:txBody>
+          <a:bodyPr anchorCtr="0" anchor="t" bIns="91425" lIns="91425" spcFirstLastPara="1" rIns="91425" wrap="square" tIns="91425">
+            <a:noAutofit/>
+          </a:bodyPr>
+          <a:lstStyle/>
+          <a:p>
+            <a:pPr indent="-317500" lvl="0" marL="457200" rtl="0" algn="l">
+              <a:spcBef>
+                <a:spcPts val="1000"/>
+              </a:spcBef>
+              <a:spcAft>
+                <a:spcPts val="0"/>
+              </a:spcAft>
+              <a:buClr>
+                <a:srgbClr val="000000"/>
+              </a:buClr>
+              <a:buSzPts val="1400"/>
+              <a:buFont typeface="Times New Roman"/>
+              <a:buChar char="●"/>
+            </a:pPr>
+            <a:r>
+              <a:rPr lang="en" sz="1400">
+                <a:solidFill>
+                  <a:srgbClr val="000000"/>
+                </a:solidFill>
+                <a:latin typeface="Times New Roman"/>
+                <a:ea typeface="Times New Roman"/>
+                <a:cs typeface="Times New Roman"/>
+                <a:sym typeface="Times New Roman"/>
+              </a:rPr>
+              <a:t>We could predict the ridership values with very high accuracy.</a:t>
+            </a:r>
+            <a:endParaRPr sz="1400">
+              <a:solidFill>
+                <a:srgbClr val="000000"/>
+              </a:solidFill>
+              <a:latin typeface="Times New Roman"/>
+              <a:ea typeface="Times New Roman"/>
+              <a:cs typeface="Times New Roman"/>
+              <a:sym typeface="Times New Roman"/>
+            </a:endParaRPr>
+          </a:p>
+          <a:p>
+            <a:pPr indent="-317500" lvl="0" marL="457200" rtl="0" algn="l">
+              <a:spcBef>
+                <a:spcPts val="1000"/>
+              </a:spcBef>
+              <a:spcAft>
+                <a:spcPts val="0"/>
+              </a:spcAft>
+              <a:buClr>
+                <a:srgbClr val="000000"/>
+              </a:buClr>
+              <a:buSzPts val="1400"/>
+              <a:buFont typeface="Times New Roman"/>
+              <a:buChar char="●"/>
+            </a:pPr>
+            <a:r>
+              <a:rPr lang="en" sz="1400">
+                <a:solidFill>
+                  <a:srgbClr val="000000"/>
+                </a:solidFill>
+                <a:latin typeface="Times New Roman"/>
+                <a:ea typeface="Times New Roman"/>
+                <a:cs typeface="Times New Roman"/>
+                <a:sym typeface="Times New Roman"/>
+              </a:rPr>
+              <a:t>Our model performed well on the dataset</a:t>
+            </a:r>
+            <a:endParaRPr sz="1400">
+              <a:solidFill>
+                <a:srgbClr val="000000"/>
+              </a:solidFill>
+              <a:latin typeface="Times New Roman"/>
+              <a:ea typeface="Times New Roman"/>
+              <a:cs typeface="Times New Roman"/>
+              <a:sym typeface="Times New Roman"/>
+            </a:endParaRPr>
+          </a:p>
+          <a:p>
+            <a:pPr indent="-317500" lvl="0" marL="457200" rtl="0" algn="l">
+              <a:spcBef>
+                <a:spcPts val="1000"/>
+              </a:spcBef>
+              <a:spcAft>
+                <a:spcPts val="0"/>
+              </a:spcAft>
+              <a:buClr>
+                <a:srgbClr val="000000"/>
+              </a:buClr>
+              <a:buSzPts val="1400"/>
+              <a:buFont typeface="Times New Roman"/>
+              <a:buChar char="●"/>
+            </a:pPr>
+            <a:r>
+              <a:rPr lang="en" sz="1400">
+                <a:solidFill>
+                  <a:srgbClr val="000000"/>
+                </a:solidFill>
+                <a:latin typeface="Times New Roman"/>
+                <a:ea typeface="Times New Roman"/>
+                <a:cs typeface="Times New Roman"/>
+                <a:sym typeface="Times New Roman"/>
+              </a:rPr>
+              <a:t>Achieved an accuracy of  </a:t>
+            </a:r>
+            <a:r>
+              <a:rPr b="1" lang="en" sz="1400">
+                <a:solidFill>
+                  <a:srgbClr val="000000"/>
+                </a:solidFill>
+                <a:latin typeface="Times New Roman"/>
+                <a:ea typeface="Times New Roman"/>
+                <a:cs typeface="Times New Roman"/>
+                <a:sym typeface="Times New Roman"/>
+              </a:rPr>
+              <a:t>93.6% </a:t>
+            </a:r>
+            <a:r>
+              <a:rPr lang="en" sz="1400">
+                <a:solidFill>
+                  <a:srgbClr val="000000"/>
+                </a:solidFill>
+                <a:latin typeface="Times New Roman"/>
+                <a:ea typeface="Times New Roman"/>
+                <a:cs typeface="Times New Roman"/>
+                <a:sym typeface="Times New Roman"/>
+              </a:rPr>
+              <a:t> for bus ridership prediction using </a:t>
+            </a:r>
+            <a:r>
+              <a:rPr b="1" lang="en" sz="1400">
+                <a:solidFill>
+                  <a:srgbClr val="000000"/>
+                </a:solidFill>
+                <a:latin typeface="Times New Roman"/>
+                <a:ea typeface="Times New Roman"/>
+                <a:cs typeface="Times New Roman"/>
+                <a:sym typeface="Times New Roman"/>
+              </a:rPr>
+              <a:t>LSTM</a:t>
+            </a:r>
+            <a:endParaRPr b="1" sz="1400">
+              <a:solidFill>
+                <a:srgbClr val="000000"/>
+              </a:solidFill>
+              <a:latin typeface="Times New Roman"/>
+              <a:ea typeface="Times New Roman"/>
+              <a:cs typeface="Times New Roman"/>
+              <a:sym typeface="Times New Roman"/>
+            </a:endParaRPr>
+          </a:p>
+          <a:p>
+            <a:pPr indent="-317500" lvl="0" marL="457200" rtl="0" algn="l">
+              <a:lnSpc>
+                <a:spcPct val="115000"/>
+              </a:lnSpc>
+              <a:spcBef>
+                <a:spcPts val="1000"/>
+              </a:spcBef>
+              <a:spcAft>
+                <a:spcPts val="0"/>
+              </a:spcAft>
+              <a:buClr>
+                <a:srgbClr val="000000"/>
+              </a:buClr>
+              <a:buSzPts val="1400"/>
+              <a:buFont typeface="Times New Roman"/>
+              <a:buChar char="●"/>
+            </a:pPr>
+            <a:r>
+              <a:rPr lang="en" sz="1400">
+                <a:solidFill>
+                  <a:srgbClr val="000000"/>
+                </a:solidFill>
+                <a:latin typeface="Times New Roman"/>
+                <a:ea typeface="Times New Roman"/>
+                <a:cs typeface="Times New Roman"/>
+                <a:sym typeface="Times New Roman"/>
+              </a:rPr>
+              <a:t>Attained an accuracy of ~</a:t>
+            </a:r>
+            <a:r>
+              <a:rPr b="1" lang="en" sz="1400">
+                <a:solidFill>
+                  <a:srgbClr val="000000"/>
+                </a:solidFill>
+                <a:latin typeface="Times New Roman"/>
+                <a:ea typeface="Times New Roman"/>
+                <a:cs typeface="Times New Roman"/>
+                <a:sym typeface="Times New Roman"/>
+              </a:rPr>
+              <a:t>95.6%</a:t>
+            </a:r>
+            <a:r>
+              <a:rPr lang="en" sz="1400">
+                <a:solidFill>
+                  <a:srgbClr val="000000"/>
+                </a:solidFill>
+                <a:latin typeface="Times New Roman"/>
+                <a:ea typeface="Times New Roman"/>
+                <a:cs typeface="Times New Roman"/>
+                <a:sym typeface="Times New Roman"/>
+              </a:rPr>
+              <a:t> for the buses dataset and an accuracy of ~</a:t>
+            </a:r>
+            <a:r>
+              <a:rPr b="1" lang="en" sz="1400">
+                <a:solidFill>
+                  <a:srgbClr val="000000"/>
+                </a:solidFill>
+                <a:latin typeface="Times New Roman"/>
+                <a:ea typeface="Times New Roman"/>
+                <a:cs typeface="Times New Roman"/>
+                <a:sym typeface="Times New Roman"/>
+              </a:rPr>
+              <a:t>95.2%</a:t>
+            </a:r>
+            <a:r>
+              <a:rPr lang="en" sz="1400">
+                <a:solidFill>
+                  <a:srgbClr val="000000"/>
+                </a:solidFill>
+                <a:latin typeface="Times New Roman"/>
+                <a:ea typeface="Times New Roman"/>
+                <a:cs typeface="Times New Roman"/>
+                <a:sym typeface="Times New Roman"/>
+              </a:rPr>
+              <a:t> for the trains dataset using </a:t>
+            </a:r>
+            <a:r>
+              <a:rPr b="1" lang="en" sz="1400">
+                <a:solidFill>
+                  <a:srgbClr val="000000"/>
+                </a:solidFill>
+                <a:latin typeface="Times New Roman"/>
+                <a:ea typeface="Times New Roman"/>
+                <a:cs typeface="Times New Roman"/>
+                <a:sym typeface="Times New Roman"/>
+              </a:rPr>
+              <a:t>ARIMA</a:t>
+            </a:r>
+            <a:endParaRPr b="1" sz="1400">
+              <a:solidFill>
+                <a:srgbClr val="000000"/>
+              </a:solidFill>
+              <a:latin typeface="Times New Roman"/>
+              <a:ea typeface="Times New Roman"/>
+              <a:cs typeface="Times New Roman"/>
+              <a:sym typeface="Times New Roman"/>
+            </a:endParaRPr>
+          </a:p>
+          <a:p>
+            <a:pPr indent="-317500" lvl="0" marL="457200" rtl="0" algn="l">
+              <a:lnSpc>
+                <a:spcPct val="115000"/>
+              </a:lnSpc>
+              <a:spcBef>
+                <a:spcPts val="1000"/>
+              </a:spcBef>
+              <a:spcAft>
+                <a:spcPts val="0"/>
+              </a:spcAft>
+              <a:buClr>
+                <a:srgbClr val="000000"/>
+              </a:buClr>
+              <a:buSzPts val="1400"/>
+              <a:buFont typeface="Times New Roman"/>
+              <a:buChar char="●"/>
+            </a:pPr>
+            <a:r>
+              <a:rPr lang="en" sz="1400">
+                <a:solidFill>
+                  <a:srgbClr val="000000"/>
+                </a:solidFill>
+                <a:latin typeface="Times New Roman"/>
+                <a:ea typeface="Times New Roman"/>
+                <a:cs typeface="Times New Roman"/>
+                <a:sym typeface="Times New Roman"/>
+              </a:rPr>
+              <a:t>This analysis helps CTA in allocating the optimal amount of resources for each route and station to minimize their costs.</a:t>
+            </a:r>
+            <a:endParaRPr sz="1400">
+              <a:solidFill>
+                <a:srgbClr val="000000"/>
+              </a:solidFill>
+              <a:latin typeface="Times New Roman"/>
+              <a:ea typeface="Times New Roman"/>
+              <a:cs typeface="Times New Roman"/>
+              <a:sym typeface="Times New Roman"/>
+            </a:endParaRPr>
+          </a:p>
+          <a:p>
+            <a:pPr indent="0" lvl="0" marL="0" rtl="0" algn="l">
+              <a:spcBef>
+                <a:spcPts val="1000"/>
+              </a:spcBef>
+              <a:spcAft>
+                <a:spcPts val="1000"/>
+              </a:spcAft>
+              <a:buNone/>
+            </a:pPr>
+            <a:r>
+              <a:t/>
+            </a:r>
+            <a:endParaRPr sz="1400">
+              <a:solidFill>
+                <a:srgbClr val="000000"/>
+              </a:solidFill>
+              <a:latin typeface="Times New Roman"/>
+              <a:ea typeface="Times New Roman"/>
+              <a:cs typeface="Times New Roman"/>
+              <a:sym typeface="Times New Roman"/>
+            </a:endParaRPr>
+          </a:p>
+        </p:txBody>
+      </p:sp>
+    </p:spTree>
+  </p:cSld>
+  <p:clrMapOvr>
+    <a:masterClrMapping/>
+  </p:clrMapOvr>
+</p:sld>
+</file>
+
+<file path=ppt/slides/slide35.xml><?xml version="1.0" encoding="utf-8"?>
+<p:sld xmlns:a="http://schemas.openxmlformats.org/drawingml/2006/main" xmlns:r="http://schemas.openxmlformats.org/officeDocument/2006/relationships" xmlns:mc="http://schemas.openxmlformats.org/markup-compatibility/2006" xmlns:mv="urn:schemas-microsoft-com:mac:vml" xmlns:p="http://schemas.openxmlformats.org/presentationml/2006/main" xmlns:c="http://schemas.openxmlformats.org/drawingml/2006/chart" xmlns:dgm="http://schemas.openxmlformats.org/drawingml/2006/diagram" xmlns:o="urn:schemas-microsoft-com:office:office" xmlns:v="urn:schemas-microsoft-com:vml" xmlns:pvml="urn:schemas-microsoft-com:office:powerpoint" xmlns:com="http://schemas.openxmlformats.org/drawingml/2006/compatibility" xmlns:p14="http://schemas.microsoft.com/office/powerpoint/2010/main" xmlns:p15="http://schemas.microsoft.com/office/powerpoint/2012/main">
+  <p:cSld>
+    <p:spTree>
+      <p:nvGrpSpPr>
+        <p:cNvPr id="393" name="Shape 393"/>
+        <p:cNvGrpSpPr/>
+        <p:nvPr/>
+      </p:nvGrpSpPr>
+      <p:grpSpPr>
+        <a:xfrm>
+          <a:off x="0" y="0"/>
+          <a:ext cx="0" cy="0"/>
+          <a:chOff x="0" y="0"/>
+          <a:chExt cx="0" cy="0"/>
+        </a:xfrm>
+      </p:grpSpPr>
+      <p:sp>
+        <p:nvSpPr>
+          <p:cNvPr id="394" name="Google Shape;394;p47"/>
           <p:cNvSpPr txBox="1"/>
           <p:nvPr>
             <p:ph type="ctrTitle"/>
@@ -18234,7 +20808,7 @@
       </p:sp>
       <p:sp>
         <p:nvSpPr>
-          <p:cNvPr id="353" name="Google Shape;353;p42"/>
+          <p:cNvPr id="395" name="Google Shape;395;p47"/>
           <p:cNvSpPr txBox="1"/>
           <p:nvPr>
             <p:ph idx="1" type="subTitle"/>
@@ -18316,7 +20890,7 @@
                 <a:cs typeface="Times New Roman"/>
                 <a:sym typeface="Times New Roman"/>
               </a:rPr>
-              <a:t>Predicted the ridership for buses and trains with 93.6% accuracy</a:t>
+              <a:t>Predicted the ridership for buses and trains with ~95% accuracy</a:t>
             </a:r>
             <a:endParaRPr sz="1400">
               <a:solidFill>
@@ -18608,6 +21182,110 @@
               <a:cs typeface="Times New Roman"/>
               <a:sym typeface="Times New Roman"/>
             </a:endParaRPr>
+          </a:p>
+        </p:txBody>
+      </p:sp>
+    </p:spTree>
+  </p:cSld>
+  <p:clrMapOvr>
+    <a:masterClrMapping/>
+  </p:clrMapOvr>
+</p:sld>
+</file>
+
+<file path=ppt/slides/slide36.xml><?xml version="1.0" encoding="utf-8"?>
+<p:sld xmlns:a="http://schemas.openxmlformats.org/drawingml/2006/main" xmlns:r="http://schemas.openxmlformats.org/officeDocument/2006/relationships" xmlns:mc="http://schemas.openxmlformats.org/markup-compatibility/2006" xmlns:mv="urn:schemas-microsoft-com:mac:vml" xmlns:p="http://schemas.openxmlformats.org/presentationml/2006/main" xmlns:c="http://schemas.openxmlformats.org/drawingml/2006/chart" xmlns:dgm="http://schemas.openxmlformats.org/drawingml/2006/diagram" xmlns:o="urn:schemas-microsoft-com:office:office" xmlns:v="urn:schemas-microsoft-com:vml" xmlns:pvml="urn:schemas-microsoft-com:office:powerpoint" xmlns:com="http://schemas.openxmlformats.org/drawingml/2006/compatibility" xmlns:p14="http://schemas.microsoft.com/office/powerpoint/2010/main" xmlns:p15="http://schemas.microsoft.com/office/powerpoint/2012/main">
+  <p:cSld>
+    <p:spTree>
+      <p:nvGrpSpPr>
+        <p:cNvPr id="399" name="Shape 399"/>
+        <p:cNvGrpSpPr/>
+        <p:nvPr/>
+      </p:nvGrpSpPr>
+      <p:grpSpPr>
+        <a:xfrm>
+          <a:off x="0" y="0"/>
+          <a:ext cx="0" cy="0"/>
+          <a:chOff x="0" y="0"/>
+          <a:chExt cx="0" cy="0"/>
+        </a:xfrm>
+      </p:grpSpPr>
+      <p:sp>
+        <p:nvSpPr>
+          <p:cNvPr id="400" name="Google Shape;400;p48"/>
+          <p:cNvSpPr txBox="1"/>
+          <p:nvPr>
+            <p:ph type="ctrTitle"/>
+          </p:nvPr>
+        </p:nvSpPr>
+        <p:spPr>
+          <a:xfrm>
+            <a:off x="729625" y="1805000"/>
+            <a:ext cx="7688100" cy="1664700"/>
+          </a:xfrm>
+          <a:prstGeom prst="rect">
+            <a:avLst/>
+          </a:prstGeom>
+        </p:spPr>
+        <p:txBody>
+          <a:bodyPr anchorCtr="0" anchor="t" bIns="91425" lIns="91425" spcFirstLastPara="1" rIns="91425" wrap="square" tIns="91425">
+            <a:noAutofit/>
+          </a:bodyPr>
+          <a:lstStyle/>
+          <a:p>
+            <a:pPr indent="0" lvl="0" marL="0" rtl="0" algn="ctr">
+              <a:spcBef>
+                <a:spcPts val="0"/>
+              </a:spcBef>
+              <a:spcAft>
+                <a:spcPts val="0"/>
+              </a:spcAft>
+              <a:buNone/>
+            </a:pPr>
+            <a:r>
+              <a:rPr lang="en"/>
+              <a:t>Thank You !</a:t>
+            </a:r>
+            <a:endParaRPr/>
+          </a:p>
+        </p:txBody>
+      </p:sp>
+      <p:sp>
+        <p:nvSpPr>
+          <p:cNvPr id="401" name="Google Shape;401;p48"/>
+          <p:cNvSpPr txBox="1"/>
+          <p:nvPr>
+            <p:ph idx="1" type="subTitle"/>
+          </p:nvPr>
+        </p:nvSpPr>
+        <p:spPr>
+          <a:xfrm>
+            <a:off x="729627" y="3172900"/>
+            <a:ext cx="7688100" cy="541200"/>
+          </a:xfrm>
+          <a:prstGeom prst="rect">
+            <a:avLst/>
+          </a:prstGeom>
+        </p:spPr>
+        <p:txBody>
+          <a:bodyPr anchorCtr="0" anchor="t" bIns="91425" lIns="91425" spcFirstLastPara="1" rIns="91425" wrap="square" tIns="91425">
+            <a:noAutofit/>
+          </a:bodyPr>
+          <a:lstStyle/>
+          <a:p>
+            <a:pPr indent="0" lvl="0" marL="0" rtl="0" algn="l">
+              <a:spcBef>
+                <a:spcPts val="0"/>
+              </a:spcBef>
+              <a:spcAft>
+                <a:spcPts val="0"/>
+              </a:spcAft>
+              <a:buNone/>
+            </a:pPr>
+            <a:r>
+              <a:t/>
+            </a:r>
+            <a:endParaRPr/>
           </a:p>
         </p:txBody>
       </p:sp>
@@ -20335,40 +23013,6 @@
             <a:r>
               <a:t/>
             </a:r>
-            <a:endParaRPr sz="1700">
-              <a:latin typeface="Times New Roman"/>
-              <a:ea typeface="Times New Roman"/>
-              <a:cs typeface="Times New Roman"/>
-              <a:sym typeface="Times New Roman"/>
-            </a:endParaRPr>
-          </a:p>
-          <a:p>
-            <a:pPr indent="-317500" lvl="0" marL="457200" rtl="0" algn="l">
-              <a:spcBef>
-                <a:spcPts val="0"/>
-              </a:spcBef>
-              <a:spcAft>
-                <a:spcPts val="0"/>
-              </a:spcAft>
-              <a:buClr>
-                <a:srgbClr val="000000"/>
-              </a:buClr>
-              <a:buSzPts val="1400"/>
-              <a:buFont typeface="Times New Roman"/>
-              <a:buChar char="●"/>
-            </a:pPr>
-            <a:r>
-              <a:rPr lang="en" sz="1400">
-                <a:solidFill>
-                  <a:srgbClr val="000000"/>
-                </a:solidFill>
-                <a:latin typeface="Times New Roman"/>
-                <a:ea typeface="Times New Roman"/>
-                <a:cs typeface="Times New Roman"/>
-                <a:sym typeface="Times New Roman"/>
-              </a:rPr>
-              <a:t>The data is finely grained</a:t>
-            </a:r>
             <a:endParaRPr sz="1400">
               <a:solidFill>
                 <a:srgbClr val="000000"/>
@@ -20385,7 +23029,7 @@
                 <a:spcPts val="1000"/>
               </a:spcBef>
               <a:spcAft>
-                <a:spcPts val="1000"/>
+                <a:spcPts val="0"/>
               </a:spcAft>
               <a:buClr>
                 <a:srgbClr val="000000"/>
@@ -20404,7 +23048,7 @@
                 <a:cs typeface="Times New Roman"/>
                 <a:sym typeface="Times New Roman"/>
               </a:rPr>
-              <a:t>It </a:t>
+              <a:t>The data </a:t>
             </a:r>
             <a:r>
               <a:rPr lang="en" sz="1400">
@@ -20417,6 +23061,43 @@
                 <a:sym typeface="Times New Roman"/>
               </a:rPr>
               <a:t>is grained in monthly fashion for both the bus as well as train datasets</a:t>
+            </a:r>
+            <a:endParaRPr sz="1400">
+              <a:solidFill>
+                <a:srgbClr val="000000"/>
+              </a:solidFill>
+              <a:latin typeface="Times New Roman"/>
+              <a:ea typeface="Times New Roman"/>
+              <a:cs typeface="Times New Roman"/>
+              <a:sym typeface="Times New Roman"/>
+            </a:endParaRPr>
+          </a:p>
+          <a:p>
+            <a:pPr indent="-317500" lvl="0" marL="457200" rtl="0" algn="l">
+              <a:spcBef>
+                <a:spcPts val="1000"/>
+              </a:spcBef>
+              <a:spcAft>
+                <a:spcPts val="1000"/>
+              </a:spcAft>
+              <a:buClr>
+                <a:srgbClr val="000000"/>
+              </a:buClr>
+              <a:buSzPts val="1400"/>
+              <a:buFont typeface="Times New Roman"/>
+              <a:buChar char="●"/>
+            </a:pPr>
+            <a:r>
+              <a:rPr lang="en" sz="1400">
+                <a:solidFill>
+                  <a:srgbClr val="000000"/>
+                </a:solidFill>
+                <a:latin typeface="Times New Roman"/>
+                <a:ea typeface="Times New Roman"/>
+                <a:cs typeface="Times New Roman"/>
+                <a:sym typeface="Times New Roman"/>
+              </a:rPr>
+              <a:t>Data is divided for each bus and each train.</a:t>
             </a:r>
             <a:endParaRPr sz="1400">
               <a:solidFill>
@@ -20868,8 +23549,8 @@
         </p:nvSpPr>
         <p:spPr>
           <a:xfrm>
-            <a:off x="117875" y="1658175"/>
-            <a:ext cx="8544000" cy="3179400"/>
+            <a:off x="501125" y="1473875"/>
+            <a:ext cx="6409200" cy="601500"/>
           </a:xfrm>
           <a:prstGeom prst="rect">
             <a:avLst/>
@@ -21010,6 +23691,138 @@
               <a:cs typeface="Times New Roman"/>
               <a:sym typeface="Times New Roman"/>
             </a:endParaRPr>
+          </a:p>
+        </p:txBody>
+      </p:sp>
+      <p:pic>
+        <p:nvPicPr>
+          <p:cNvPr id="201" name="Google Shape;201;p20"/>
+          <p:cNvPicPr preferRelativeResize="0"/>
+          <p:nvPr/>
+        </p:nvPicPr>
+        <p:blipFill>
+          <a:blip r:embed="rId3">
+            <a:alphaModFix/>
+          </a:blip>
+          <a:stretch>
+            <a:fillRect/>
+          </a:stretch>
+        </p:blipFill>
+        <p:spPr>
+          <a:xfrm>
+            <a:off x="152400" y="2346150"/>
+            <a:ext cx="7106651" cy="2644951"/>
+          </a:xfrm>
+          <a:prstGeom prst="rect">
+            <a:avLst/>
+          </a:prstGeom>
+          <a:noFill/>
+          <a:ln>
+            <a:noFill/>
+          </a:ln>
+        </p:spPr>
+      </p:pic>
+      <p:sp>
+        <p:nvSpPr>
+          <p:cNvPr id="202" name="Google Shape;202;p20"/>
+          <p:cNvSpPr/>
+          <p:nvPr/>
+        </p:nvSpPr>
+        <p:spPr>
+          <a:xfrm>
+            <a:off x="1303425" y="2661975"/>
+            <a:ext cx="1263300" cy="160500"/>
+          </a:xfrm>
+          <a:prstGeom prst="rightArrow">
+            <a:avLst>
+              <a:gd fmla="val 50000" name="adj1"/>
+              <a:gd fmla="val 50000" name="adj2"/>
+            </a:avLst>
+          </a:prstGeom>
+          <a:solidFill>
+            <a:schemeClr val="lt2"/>
+          </a:solidFill>
+          <a:ln cap="flat" cmpd="sng" w="9525">
+            <a:solidFill>
+              <a:schemeClr val="dk2"/>
+            </a:solidFill>
+            <a:prstDash val="solid"/>
+            <a:round/>
+            <a:headEnd len="sm" w="sm" type="none"/>
+            <a:tailEnd len="sm" w="sm" type="none"/>
+          </a:ln>
+        </p:spPr>
+        <p:txBody>
+          <a:bodyPr anchorCtr="0" anchor="ctr" bIns="91425" lIns="91425" spcFirstLastPara="1" rIns="91425" wrap="square" tIns="91425">
+            <a:noAutofit/>
+          </a:bodyPr>
+          <a:lstStyle/>
+          <a:p>
+            <a:pPr indent="0" lvl="0" marL="0" rtl="0" algn="l">
+              <a:spcBef>
+                <a:spcPts val="0"/>
+              </a:spcBef>
+              <a:spcAft>
+                <a:spcPts val="0"/>
+              </a:spcAft>
+              <a:buNone/>
+            </a:pPr>
+            <a:r>
+              <a:t/>
+            </a:r>
+            <a:endParaRPr/>
+          </a:p>
+        </p:txBody>
+      </p:sp>
+      <p:sp>
+        <p:nvSpPr>
+          <p:cNvPr id="203" name="Google Shape;203;p20"/>
+          <p:cNvSpPr/>
+          <p:nvPr/>
+        </p:nvSpPr>
+        <p:spPr>
+          <a:xfrm>
+            <a:off x="1303425" y="4754475"/>
+            <a:ext cx="1263300" cy="160500"/>
+          </a:xfrm>
+          <a:prstGeom prst="rightArrow">
+            <a:avLst>
+              <a:gd fmla="val 50000" name="adj1"/>
+              <a:gd fmla="val 50000" name="adj2"/>
+            </a:avLst>
+          </a:prstGeom>
+          <a:solidFill>
+            <a:schemeClr val="lt2"/>
+          </a:solidFill>
+          <a:ln cap="flat" cmpd="sng" w="9525">
+            <a:solidFill>
+              <a:schemeClr val="dk2"/>
+            </a:solidFill>
+            <a:prstDash val="solid"/>
+            <a:round/>
+            <a:headEnd len="sm" w="sm" type="none"/>
+            <a:tailEnd len="sm" w="sm" type="none"/>
+          </a:ln>
+        </p:spPr>
+        <p:txBody>
+          <a:bodyPr anchorCtr="0" anchor="ctr" bIns="91425" lIns="91425" spcFirstLastPara="1" rIns="91425" wrap="square" tIns="91425">
+            <a:noAutofit/>
+          </a:bodyPr>
+          <a:lstStyle/>
+          <a:p>
+            <a:pPr indent="0" lvl="0" marL="0" rtl="0" algn="l">
+              <a:spcBef>
+                <a:spcPts val="0"/>
+              </a:spcBef>
+              <a:spcAft>
+                <a:spcPts val="0"/>
+              </a:spcAft>
+              <a:buNone/>
+            </a:pPr>
+            <a:r>
+              <a:t/>
+            </a:r>
+            <a:endParaRPr/>
           </a:p>
         </p:txBody>
       </p:sp>
@@ -21026,7 +23839,7 @@
   <p:cSld>
     <p:spTree>
       <p:nvGrpSpPr>
-        <p:cNvPr id="204" name="Shape 204"/>
+        <p:cNvPr id="207" name="Shape 207"/>
         <p:cNvGrpSpPr/>
         <p:nvPr/>
       </p:nvGrpSpPr>
@@ -21040,7 +23853,7 @@
       </p:grpSpPr>
       <p:sp>
         <p:nvSpPr>
-          <p:cNvPr id="205" name="Google Shape;205;p21"/>
+          <p:cNvPr id="208" name="Google Shape;208;p21"/>
           <p:cNvSpPr txBox="1"/>
           <p:nvPr>
             <p:ph type="ctrTitle"/>
@@ -21080,7 +23893,7 @@
       </p:sp>
       <p:sp>
         <p:nvSpPr>
-          <p:cNvPr id="206" name="Google Shape;206;p21"/>
+          <p:cNvPr id="209" name="Google Shape;209;p21"/>
           <p:cNvSpPr txBox="1"/>
           <p:nvPr>
             <p:ph idx="1" type="subTitle"/>
@@ -21159,9 +23972,9 @@
             </a:endParaRPr>
           </a:p>
           <a:p>
-            <a:pPr indent="0" lvl="0" marL="457200" marR="0" rtl="0" algn="l">
+            <a:pPr indent="-317500" lvl="0" marL="457200" marR="0" rtl="0" algn="l">
               <a:lnSpc>
-                <a:spcPct val="100000"/>
+                <a:spcPct val="200000"/>
               </a:lnSpc>
               <a:spcBef>
                 <a:spcPts val="0"/>
@@ -21169,10 +23982,24 @@
               <a:spcAft>
                 <a:spcPts val="0"/>
               </a:spcAft>
-              <a:buNone/>
-            </a:pPr>
-            <a:r>
-              <a:t/>
+              <a:buClr>
+                <a:srgbClr val="000000"/>
+              </a:buClr>
+              <a:buSzPts val="1400"/>
+              <a:buFont typeface="Times New Roman"/>
+              <a:buChar char="●"/>
+            </a:pPr>
+            <a:r>
+              <a:rPr lang="en" sz="1400">
+                <a:solidFill>
+                  <a:srgbClr val="000000"/>
+                </a:solidFill>
+                <a:latin typeface="Times New Roman"/>
+                <a:ea typeface="Times New Roman"/>
+                <a:cs typeface="Times New Roman"/>
+                <a:sym typeface="Times New Roman"/>
+              </a:rPr>
+              <a:t>We have complete data with respect to scope. </a:t>
             </a:r>
             <a:endParaRPr sz="1400">
               <a:solidFill>
@@ -21187,7 +24014,7 @@
           <a:p>
             <a:pPr indent="-317500" lvl="0" marL="457200" marR="0" rtl="0" algn="l">
               <a:lnSpc>
-                <a:spcPct val="100000"/>
+                <a:spcPct val="200000"/>
               </a:lnSpc>
               <a:spcBef>
                 <a:spcPts val="0"/>
@@ -21227,10 +24054,10 @@
           <a:p>
             <a:pPr indent="-317500" lvl="0" marL="457200" marR="0" rtl="0" algn="l">
               <a:lnSpc>
-                <a:spcPct val="100000"/>
+                <a:spcPct val="200000"/>
               </a:lnSpc>
               <a:spcBef>
-                <a:spcPts val="1000"/>
+                <a:spcPts val="0"/>
               </a:spcBef>
               <a:spcAft>
                 <a:spcPts val="0"/>
@@ -21254,7 +24081,33 @@
               </a:rPr>
               <a:t>Coverage remains the same after filtering</a:t>
             </a:r>
-            <a:endParaRPr b="1" sz="1400">
+            <a:endParaRPr sz="1400">
+              <a:solidFill>
+                <a:srgbClr val="000000"/>
+              </a:solidFill>
+              <a:latin typeface="Times New Roman"/>
+              <a:ea typeface="Times New Roman"/>
+              <a:cs typeface="Times New Roman"/>
+              <a:sym typeface="Times New Roman"/>
+            </a:endParaRPr>
+          </a:p>
+          <a:p>
+            <a:pPr indent="0" lvl="0" marL="457200" marR="0" rtl="0" algn="l">
+              <a:lnSpc>
+                <a:spcPct val="100000"/>
+              </a:lnSpc>
+              <a:spcBef>
+                <a:spcPts val="1000"/>
+              </a:spcBef>
+              <a:spcAft>
+                <a:spcPts val="0"/>
+              </a:spcAft>
+              <a:buNone/>
+            </a:pPr>
+            <a:r>
+              <a:t/>
+            </a:r>
+            <a:endParaRPr sz="1400">
               <a:solidFill>
                 <a:srgbClr val="000000"/>
               </a:solidFill>
@@ -21381,6 +24234,285 @@
 </file>
 
 <file path=ppt/theme/theme1.xml><?xml version="1.0" encoding="utf-8"?>
+<a:theme xmlns:a="http://schemas.openxmlformats.org/drawingml/2006/main" xmlns:r="http://schemas.openxmlformats.org/officeDocument/2006/relationships">
+  <a:themeElements>
+    <a:clrScheme name="Default">
+      <a:dk1>
+        <a:srgbClr val="000000"/>
+      </a:dk1>
+      <a:lt1>
+        <a:srgbClr val="FFFFFF"/>
+      </a:lt1>
+      <a:dk2>
+        <a:srgbClr val="158158"/>
+      </a:dk2>
+      <a:lt2>
+        <a:srgbClr val="F3F3F3"/>
+      </a:lt2>
+      <a:accent1>
+        <a:srgbClr val="058DC7"/>
+      </a:accent1>
+      <a:accent2>
+        <a:srgbClr val="50B432"/>
+      </a:accent2>
+      <a:accent3>
+        <a:srgbClr val="ED561B"/>
+      </a:accent3>
+      <a:accent4>
+        <a:srgbClr val="EDEF00"/>
+      </a:accent4>
+      <a:accent5>
+        <a:srgbClr val="24CBE5"/>
+      </a:accent5>
+      <a:accent6>
+        <a:srgbClr val="64E572"/>
+      </a:accent6>
+      <a:hlink>
+        <a:srgbClr val="2200CC"/>
+      </a:hlink>
+      <a:folHlink>
+        <a:srgbClr val="551A8B"/>
+      </a:folHlink>
+    </a:clrScheme>
+    <a:fontScheme name="Office">
+      <a:majorFont>
+        <a:latin typeface="Arial"/>
+        <a:ea typeface=""/>
+        <a:cs typeface=""/>
+        <a:font script="Jpan" typeface="ＭＳ Ｐゴシック"/>
+        <a:font script="Hang" typeface="맑은 고딕"/>
+        <a:font script="Hans" typeface="宋体"/>
+        <a:font script="Hant" typeface="新細明體"/>
+        <a:font script="Arab" typeface="Times New Roman"/>
+        <a:font script="Hebr" typeface="Times New Roman"/>
+        <a:font script="Thai" typeface="Angsana New"/>
+        <a:font script="Ethi" typeface="Nyala"/>
+        <a:font script="Beng" typeface="Vrinda"/>
+        <a:font script="Gujr" typeface="Shruti"/>
+        <a:font script="Khmr" typeface="MoolBoran"/>
+        <a:font script="Knda" typeface="Tunga"/>
+        <a:font script="Guru" typeface="Raavi"/>
+        <a:font script="Cans" typeface="Euphemia"/>
+        <a:font script="Cher" typeface="Plantagenet Cherokee"/>
+        <a:font script="Yiii" typeface="Microsoft Yi Baiti"/>
+        <a:font script="Tibt" typeface="Microsoft Himalaya"/>
+        <a:font script="Thaa" typeface="MV Boli"/>
+        <a:font script="Deva" typeface="Mangal"/>
+        <a:font script="Telu" typeface="Gautami"/>
+        <a:font script="Taml" typeface="Latha"/>
+        <a:font script="Syrc" typeface="Estrangelo Edessa"/>
+        <a:font script="Orya" typeface="Kalinga"/>
+        <a:font script="Mlym" typeface="Kartika"/>
+        <a:font script="Laoo" typeface="DokChampa"/>
+        <a:font script="Sinh" typeface="Iskoola Pota"/>
+        <a:font script="Mong" typeface="Mongolian Baiti"/>
+        <a:font script="Viet" typeface="Times New Roman"/>
+        <a:font script="Uigh" typeface="Microsoft Uighur"/>
+        <a:font script="Geor" typeface="Sylfaen"/>
+      </a:majorFont>
+      <a:minorFont>
+        <a:latin typeface="Arial"/>
+        <a:ea typeface=""/>
+        <a:cs typeface=""/>
+        <a:font script="Jpan" typeface="ＭＳ Ｐゴシック"/>
+        <a:font script="Hang" typeface="맑은 고딕"/>
+        <a:font script="Hans" typeface="宋体"/>
+        <a:font script="Hant" typeface="新細明體"/>
+        <a:font script="Arab" typeface="Arial"/>
+        <a:font script="Hebr" typeface="Arial"/>
+        <a:font script="Thai" typeface="Cordia New"/>
+        <a:font script="Ethi" typeface="Nyala"/>
+        <a:font script="Beng" typeface="Vrinda"/>
+        <a:font script="Gujr" typeface="Shruti"/>
+        <a:font script="Khmr" typeface="DaunPenh"/>
+        <a:font script="Knda" typeface="Tunga"/>
+        <a:font script="Guru" typeface="Raavi"/>
+        <a:font script="Cans" typeface="Euphemia"/>
+        <a:font script="Cher" typeface="Plantagenet Cherokee"/>
+        <a:font script="Yiii" typeface="Microsoft Yi Baiti"/>
+        <a:font script="Tibt" typeface="Microsoft Himalaya"/>
+        <a:font script="Thaa" typeface="MV Boli"/>
+        <a:font script="Deva" typeface="Mangal"/>
+        <a:font script="Telu" typeface="Gautami"/>
+        <a:font script="Taml" typeface="Latha"/>
+        <a:font script="Syrc" typeface="Estrangelo Edessa"/>
+        <a:font script="Orya" typeface="Kalinga"/>
+        <a:font script="Mlym" typeface="Kartika"/>
+        <a:font script="Laoo" typeface="DokChampa"/>
+        <a:font script="Sinh" typeface="Iskoola Pota"/>
+        <a:font script="Mong" typeface="Mongolian Baiti"/>
+        <a:font script="Viet" typeface="Arial"/>
+        <a:font script="Uigh" typeface="Microsoft Uighur"/>
+        <a:font script="Geor" typeface="Sylfaen"/>
+      </a:minorFont>
+    </a:fontScheme>
+    <a:fmtScheme name="Office">
+      <a:fillStyleLst>
+        <a:solidFill>
+          <a:schemeClr val="phClr"/>
+        </a:solidFill>
+        <a:gradFill rotWithShape="1">
+          <a:gsLst>
+            <a:gs pos="0">
+              <a:schemeClr val="phClr">
+                <a:tint val="50000"/>
+                <a:satMod val="300000"/>
+              </a:schemeClr>
+            </a:gs>
+            <a:gs pos="35000">
+              <a:schemeClr val="phClr">
+                <a:tint val="37000"/>
+                <a:satMod val="300000"/>
+              </a:schemeClr>
+            </a:gs>
+            <a:gs pos="100000">
+              <a:schemeClr val="phClr">
+                <a:tint val="15000"/>
+                <a:satMod val="350000"/>
+              </a:schemeClr>
+            </a:gs>
+          </a:gsLst>
+          <a:lin ang="16200000" scaled="1"/>
+        </a:gradFill>
+        <a:gradFill rotWithShape="1">
+          <a:gsLst>
+            <a:gs pos="0">
+              <a:schemeClr val="phClr">
+                <a:tint val="100000"/>
+                <a:shade val="100000"/>
+                <a:satMod val="130000"/>
+              </a:schemeClr>
+            </a:gs>
+            <a:gs pos="100000">
+              <a:schemeClr val="phClr">
+                <a:tint val="50000"/>
+                <a:shade val="100000"/>
+                <a:satMod val="350000"/>
+              </a:schemeClr>
+            </a:gs>
+          </a:gsLst>
+          <a:lin ang="16200000" scaled="0"/>
+        </a:gradFill>
+      </a:fillStyleLst>
+      <a:lnStyleLst>
+        <a:ln w="9525" cap="flat" cmpd="sng" algn="ctr">
+          <a:solidFill>
+            <a:schemeClr val="phClr">
+              <a:shade val="95000"/>
+              <a:satMod val="105000"/>
+            </a:schemeClr>
+          </a:solidFill>
+          <a:prstDash val="solid"/>
+        </a:ln>
+        <a:ln w="25400" cap="flat" cmpd="sng" algn="ctr">
+          <a:solidFill>
+            <a:schemeClr val="phClr"/>
+          </a:solidFill>
+          <a:prstDash val="solid"/>
+        </a:ln>
+        <a:ln w="38100" cap="flat" cmpd="sng" algn="ctr">
+          <a:solidFill>
+            <a:schemeClr val="phClr"/>
+          </a:solidFill>
+          <a:prstDash val="solid"/>
+        </a:ln>
+      </a:lnStyleLst>
+      <a:effectStyleLst>
+        <a:effectStyle>
+          <a:effectLst>
+            <a:outerShdw blurRad="40000" dist="20000" dir="5400000" rotWithShape="0">
+              <a:srgbClr val="000000">
+                <a:alpha val="38000"/>
+              </a:srgbClr>
+            </a:outerShdw>
+          </a:effectLst>
+        </a:effectStyle>
+        <a:effectStyle>
+          <a:effectLst>
+            <a:outerShdw blurRad="40000" dist="23000" dir="5400000" rotWithShape="0">
+              <a:srgbClr val="000000">
+                <a:alpha val="35000"/>
+              </a:srgbClr>
+            </a:outerShdw>
+          </a:effectLst>
+        </a:effectStyle>
+        <a:effectStyle>
+          <a:effectLst>
+            <a:outerShdw blurRad="40000" dist="23000" dir="5400000" rotWithShape="0">
+              <a:srgbClr val="000000">
+                <a:alpha val="35000"/>
+              </a:srgbClr>
+            </a:outerShdw>
+          </a:effectLst>
+          <a:scene3d>
+            <a:camera prst="orthographicFront">
+              <a:rot lat="0" lon="0" rev="0"/>
+            </a:camera>
+            <a:lightRig rig="threePt" dir="t">
+              <a:rot lat="0" lon="0" rev="1200000"/>
+            </a:lightRig>
+          </a:scene3d>
+          <a:sp3d>
+            <a:bevelT w="63500" h="25400"/>
+          </a:sp3d>
+        </a:effectStyle>
+      </a:effectStyleLst>
+      <a:bgFillStyleLst>
+        <a:solidFill>
+          <a:schemeClr val="phClr"/>
+        </a:solidFill>
+        <a:gradFill rotWithShape="1">
+          <a:gsLst>
+            <a:gs pos="0">
+              <a:schemeClr val="phClr">
+                <a:tint val="40000"/>
+                <a:satMod val="350000"/>
+              </a:schemeClr>
+            </a:gs>
+            <a:gs pos="40000">
+              <a:schemeClr val="phClr">
+                <a:tint val="45000"/>
+                <a:shade val="99000"/>
+                <a:satMod val="350000"/>
+              </a:schemeClr>
+            </a:gs>
+            <a:gs pos="100000">
+              <a:schemeClr val="phClr">
+                <a:shade val="20000"/>
+                <a:satMod val="255000"/>
+              </a:schemeClr>
+            </a:gs>
+          </a:gsLst>
+          <a:path path="circle">
+            <a:fillToRect l="50000" t="-80000" r="50000" b="180000"/>
+          </a:path>
+        </a:gradFill>
+        <a:gradFill rotWithShape="1">
+          <a:gsLst>
+            <a:gs pos="0">
+              <a:schemeClr val="phClr">
+                <a:tint val="80000"/>
+                <a:satMod val="300000"/>
+              </a:schemeClr>
+            </a:gs>
+            <a:gs pos="100000">
+              <a:schemeClr val="phClr">
+                <a:shade val="30000"/>
+                <a:satMod val="200000"/>
+              </a:schemeClr>
+            </a:gs>
+          </a:gsLst>
+          <a:path path="circle">
+            <a:fillToRect l="50000" t="50000" r="50000" b="50000"/>
+          </a:path>
+        </a:gradFill>
+      </a:bgFillStyleLst>
+    </a:fmtScheme>
+  </a:themeElements>
+</a:theme>
+</file>
+
+<file path=ppt/theme/theme2.xml><?xml version="1.0" encoding="utf-8"?>
 <a:theme xmlns:a="http://schemas.openxmlformats.org/drawingml/2006/main" xmlns:r="http://schemas.openxmlformats.org/officeDocument/2006/relationships" name="Streamline">
   <a:themeElements>
     <a:clrScheme name="Streamline">
@@ -21657,283 +24789,4 @@
     </a:fmtScheme>
   </a:themeElements>
 </a:theme>
-</file>
-
-<file path=ppt/theme/theme2.xml><?xml version="1.0" encoding="utf-8"?>
-<a:theme xmlns:a="http://schemas.openxmlformats.org/drawingml/2006/main" xmlns:r="http://schemas.openxmlformats.org/officeDocument/2006/relationships">
-  <a:themeElements>
-    <a:clrScheme name="Default">
-      <a:dk1>
-        <a:srgbClr val="000000"/>
-      </a:dk1>
-      <a:lt1>
-        <a:srgbClr val="FFFFFF"/>
-      </a:lt1>
-      <a:dk2>
-        <a:srgbClr val="158158"/>
-      </a:dk2>
-      <a:lt2>
-        <a:srgbClr val="F3F3F3"/>
-      </a:lt2>
-      <a:accent1>
-        <a:srgbClr val="058DC7"/>
-      </a:accent1>
-      <a:accent2>
-        <a:srgbClr val="50B432"/>
-      </a:accent2>
-      <a:accent3>
-        <a:srgbClr val="ED561B"/>
-      </a:accent3>
-      <a:accent4>
-        <a:srgbClr val="EDEF00"/>
-      </a:accent4>
-      <a:accent5>
-        <a:srgbClr val="24CBE5"/>
-      </a:accent5>
-      <a:accent6>
-        <a:srgbClr val="64E572"/>
-      </a:accent6>
-      <a:hlink>
-        <a:srgbClr val="2200CC"/>
-      </a:hlink>
-      <a:folHlink>
-        <a:srgbClr val="551A8B"/>
-      </a:folHlink>
-    </a:clrScheme>
-    <a:fontScheme name="Office">
-      <a:majorFont>
-        <a:latin typeface="Arial"/>
-        <a:ea typeface=""/>
-        <a:cs typeface=""/>
-        <a:font script="Jpan" typeface="ＭＳ Ｐゴシック"/>
-        <a:font script="Hang" typeface="맑은 고딕"/>
-        <a:font script="Hans" typeface="宋体"/>
-        <a:font script="Hant" typeface="新細明體"/>
-        <a:font script="Arab" typeface="Times New Roman"/>
-        <a:font script="Hebr" typeface="Times New Roman"/>
-        <a:font script="Thai" typeface="Angsana New"/>
-        <a:font script="Ethi" typeface="Nyala"/>
-        <a:font script="Beng" typeface="Vrinda"/>
-        <a:font script="Gujr" typeface="Shruti"/>
-        <a:font script="Khmr" typeface="MoolBoran"/>
-        <a:font script="Knda" typeface="Tunga"/>
-        <a:font script="Guru" typeface="Raavi"/>
-        <a:font script="Cans" typeface="Euphemia"/>
-        <a:font script="Cher" typeface="Plantagenet Cherokee"/>
-        <a:font script="Yiii" typeface="Microsoft Yi Baiti"/>
-        <a:font script="Tibt" typeface="Microsoft Himalaya"/>
-        <a:font script="Thaa" typeface="MV Boli"/>
-        <a:font script="Deva" typeface="Mangal"/>
-        <a:font script="Telu" typeface="Gautami"/>
-        <a:font script="Taml" typeface="Latha"/>
-        <a:font script="Syrc" typeface="Estrangelo Edessa"/>
-        <a:font script="Orya" typeface="Kalinga"/>
-        <a:font script="Mlym" typeface="Kartika"/>
-        <a:font script="Laoo" typeface="DokChampa"/>
-        <a:font script="Sinh" typeface="Iskoola Pota"/>
-        <a:font script="Mong" typeface="Mongolian Baiti"/>
-        <a:font script="Viet" typeface="Times New Roman"/>
-        <a:font script="Uigh" typeface="Microsoft Uighur"/>
-        <a:font script="Geor" typeface="Sylfaen"/>
-      </a:majorFont>
-      <a:minorFont>
-        <a:latin typeface="Arial"/>
-        <a:ea typeface=""/>
-        <a:cs typeface=""/>
-        <a:font script="Jpan" typeface="ＭＳ Ｐゴシック"/>
-        <a:font script="Hang" typeface="맑은 고딕"/>
-        <a:font script="Hans" typeface="宋体"/>
-        <a:font script="Hant" typeface="新細明體"/>
-        <a:font script="Arab" typeface="Arial"/>
-        <a:font script="Hebr" typeface="Arial"/>
-        <a:font script="Thai" typeface="Cordia New"/>
-        <a:font script="Ethi" typeface="Nyala"/>
-        <a:font script="Beng" typeface="Vrinda"/>
-        <a:font script="Gujr" typeface="Shruti"/>
-        <a:font script="Khmr" typeface="DaunPenh"/>
-        <a:font script="Knda" typeface="Tunga"/>
-        <a:font script="Guru" typeface="Raavi"/>
-        <a:font script="Cans" typeface="Euphemia"/>
-        <a:font script="Cher" typeface="Plantagenet Cherokee"/>
-        <a:font script="Yiii" typeface="Microsoft Yi Baiti"/>
-        <a:font script="Tibt" typeface="Microsoft Himalaya"/>
-        <a:font script="Thaa" typeface="MV Boli"/>
-        <a:font script="Deva" typeface="Mangal"/>
-        <a:font script="Telu" typeface="Gautami"/>
-        <a:font script="Taml" typeface="Latha"/>
-        <a:font script="Syrc" typeface="Estrangelo Edessa"/>
-        <a:font script="Orya" typeface="Kalinga"/>
-        <a:font script="Mlym" typeface="Kartika"/>
-        <a:font script="Laoo" typeface="DokChampa"/>
-        <a:font script="Sinh" typeface="Iskoola Pota"/>
-        <a:font script="Mong" typeface="Mongolian Baiti"/>
-        <a:font script="Viet" typeface="Arial"/>
-        <a:font script="Uigh" typeface="Microsoft Uighur"/>
-        <a:font script="Geor" typeface="Sylfaen"/>
-      </a:minorFont>
-    </a:fontScheme>
-    <a:fmtScheme name="Office">
-      <a:fillStyleLst>
-        <a:solidFill>
-          <a:schemeClr val="phClr"/>
-        </a:solidFill>
-        <a:gradFill rotWithShape="1">
-          <a:gsLst>
-            <a:gs pos="0">
-              <a:schemeClr val="phClr">
-                <a:tint val="50000"/>
-                <a:satMod val="300000"/>
-              </a:schemeClr>
-            </a:gs>
-            <a:gs pos="35000">
-              <a:schemeClr val="phClr">
-                <a:tint val="37000"/>
-                <a:satMod val="300000"/>
-              </a:schemeClr>
-            </a:gs>
-            <a:gs pos="100000">
-              <a:schemeClr val="phClr">
-                <a:tint val="15000"/>
-                <a:satMod val="350000"/>
-              </a:schemeClr>
-            </a:gs>
-          </a:gsLst>
-          <a:lin ang="16200000" scaled="1"/>
-        </a:gradFill>
-        <a:gradFill rotWithShape="1">
-          <a:gsLst>
-            <a:gs pos="0">
-              <a:schemeClr val="phClr">
-                <a:tint val="100000"/>
-                <a:shade val="100000"/>
-                <a:satMod val="130000"/>
-              </a:schemeClr>
-            </a:gs>
-            <a:gs pos="100000">
-              <a:schemeClr val="phClr">
-                <a:tint val="50000"/>
-                <a:shade val="100000"/>
-                <a:satMod val="350000"/>
-              </a:schemeClr>
-            </a:gs>
-          </a:gsLst>
-          <a:lin ang="16200000" scaled="0"/>
-        </a:gradFill>
-      </a:fillStyleLst>
-      <a:lnStyleLst>
-        <a:ln w="9525" cap="flat" cmpd="sng" algn="ctr">
-          <a:solidFill>
-            <a:schemeClr val="phClr">
-              <a:shade val="95000"/>
-              <a:satMod val="105000"/>
-            </a:schemeClr>
-          </a:solidFill>
-          <a:prstDash val="solid"/>
-        </a:ln>
-        <a:ln w="25400" cap="flat" cmpd="sng" algn="ctr">
-          <a:solidFill>
-            <a:schemeClr val="phClr"/>
-          </a:solidFill>
-          <a:prstDash val="solid"/>
-        </a:ln>
-        <a:ln w="38100" cap="flat" cmpd="sng" algn="ctr">
-          <a:solidFill>
-            <a:schemeClr val="phClr"/>
-          </a:solidFill>
-          <a:prstDash val="solid"/>
-        </a:ln>
-      </a:lnStyleLst>
-      <a:effectStyleLst>
-        <a:effectStyle>
-          <a:effectLst>
-            <a:outerShdw blurRad="40000" dist="20000" dir="5400000" rotWithShape="0">
-              <a:srgbClr val="000000">
-                <a:alpha val="38000"/>
-              </a:srgbClr>
-            </a:outerShdw>
-          </a:effectLst>
-        </a:effectStyle>
-        <a:effectStyle>
-          <a:effectLst>
-            <a:outerShdw blurRad="40000" dist="23000" dir="5400000" rotWithShape="0">
-              <a:srgbClr val="000000">
-                <a:alpha val="35000"/>
-              </a:srgbClr>
-            </a:outerShdw>
-          </a:effectLst>
-        </a:effectStyle>
-        <a:effectStyle>
-          <a:effectLst>
-            <a:outerShdw blurRad="40000" dist="23000" dir="5400000" rotWithShape="0">
-              <a:srgbClr val="000000">
-                <a:alpha val="35000"/>
-              </a:srgbClr>
-            </a:outerShdw>
-          </a:effectLst>
-          <a:scene3d>
-            <a:camera prst="orthographicFront">
-              <a:rot lat="0" lon="0" rev="0"/>
-            </a:camera>
-            <a:lightRig rig="threePt" dir="t">
-              <a:rot lat="0" lon="0" rev="1200000"/>
-            </a:lightRig>
-          </a:scene3d>
-          <a:sp3d>
-            <a:bevelT w="63500" h="25400"/>
-          </a:sp3d>
-        </a:effectStyle>
-      </a:effectStyleLst>
-      <a:bgFillStyleLst>
-        <a:solidFill>
-          <a:schemeClr val="phClr"/>
-        </a:solidFill>
-        <a:gradFill rotWithShape="1">
-          <a:gsLst>
-            <a:gs pos="0">
-              <a:schemeClr val="phClr">
-                <a:tint val="40000"/>
-                <a:satMod val="350000"/>
-              </a:schemeClr>
-            </a:gs>
-            <a:gs pos="40000">
-              <a:schemeClr val="phClr">
-                <a:tint val="45000"/>
-                <a:shade val="99000"/>
-                <a:satMod val="350000"/>
-              </a:schemeClr>
-            </a:gs>
-            <a:gs pos="100000">
-              <a:schemeClr val="phClr">
-                <a:shade val="20000"/>
-                <a:satMod val="255000"/>
-              </a:schemeClr>
-            </a:gs>
-          </a:gsLst>
-          <a:path path="circle">
-            <a:fillToRect l="50000" t="-80000" r="50000" b="180000"/>
-          </a:path>
-        </a:gradFill>
-        <a:gradFill rotWithShape="1">
-          <a:gsLst>
-            <a:gs pos="0">
-              <a:schemeClr val="phClr">
-                <a:tint val="80000"/>
-                <a:satMod val="300000"/>
-              </a:schemeClr>
-            </a:gs>
-            <a:gs pos="100000">
-              <a:schemeClr val="phClr">
-                <a:shade val="30000"/>
-                <a:satMod val="200000"/>
-              </a:schemeClr>
-            </a:gs>
-          </a:gsLst>
-          <a:path path="circle">
-            <a:fillToRect l="50000" t="50000" r="50000" b="50000"/>
-          </a:path>
-        </a:gradFill>
-      </a:bgFillStyleLst>
-    </a:fmtScheme>
-  </a:themeElements>
-</a:theme>
 </file>